--- a/인사-교육,복지,퇴사파트-김세영.pptx
+++ b/인사-교육,복지,퇴사파트-김세영.pptx
@@ -5,23 +5,25 @@
     <p:sldMasterId id="2147483648" r:id="rId1"/>
   </p:sldMasterIdLst>
   <p:notesMasterIdLst>
-    <p:notesMasterId r:id="rId16"/>
+    <p:notesMasterId r:id="rId18"/>
   </p:notesMasterIdLst>
   <p:sldIdLst>
     <p:sldId id="332" r:id="rId2"/>
     <p:sldId id="270" r:id="rId3"/>
     <p:sldId id="331" r:id="rId4"/>
-    <p:sldId id="316" r:id="rId5"/>
-    <p:sldId id="325" r:id="rId6"/>
-    <p:sldId id="293" r:id="rId7"/>
-    <p:sldId id="328" r:id="rId8"/>
-    <p:sldId id="296" r:id="rId9"/>
-    <p:sldId id="329" r:id="rId10"/>
-    <p:sldId id="330" r:id="rId11"/>
-    <p:sldId id="322" r:id="rId12"/>
-    <p:sldId id="311" r:id="rId13"/>
-    <p:sldId id="312" r:id="rId14"/>
-    <p:sldId id="313" r:id="rId15"/>
+    <p:sldId id="333" r:id="rId5"/>
+    <p:sldId id="316" r:id="rId6"/>
+    <p:sldId id="325" r:id="rId7"/>
+    <p:sldId id="293" r:id="rId8"/>
+    <p:sldId id="328" r:id="rId9"/>
+    <p:sldId id="296" r:id="rId10"/>
+    <p:sldId id="329" r:id="rId11"/>
+    <p:sldId id="330" r:id="rId12"/>
+    <p:sldId id="322" r:id="rId13"/>
+    <p:sldId id="311" r:id="rId14"/>
+    <p:sldId id="312" r:id="rId15"/>
+    <p:sldId id="334" r:id="rId16"/>
+    <p:sldId id="313" r:id="rId17"/>
   </p:sldIdLst>
   <p:sldSz cx="9144000" cy="5143500" type="screen16x9"/>
   <p:notesSz cx="6858000" cy="9144000"/>
@@ -9779,7 +9781,7 @@
             <a:fld id="{488C8D26-0283-4E66-8FED-A2AD4128C26C}" type="datetimeFigureOut">
               <a:rPr lang="ko-KR" altLang="en-US" smtClean="0"/>
               <a:pPr/>
-              <a:t>2022-10-27</a:t>
+              <a:t>2022-10-28</a:t>
             </a:fld>
             <a:endParaRPr lang="ko-KR" altLang="en-US"/>
           </a:p>
@@ -10094,6 +10096,30 @@
           <a:bodyPr/>
           <a:lstStyle/>
           <a:p>
+            <a:r>
+              <a:rPr lang="ko-KR" altLang="en-US" dirty="0" smtClean="0"/>
+              <a:t>개인 일정계획입니다</a:t>
+            </a:r>
+            <a:r>
+              <a:rPr lang="en-US" altLang="ko-KR" dirty="0" smtClean="0"/>
+              <a:t>. </a:t>
+            </a:r>
+            <a:r>
+              <a:rPr lang="ko-KR" altLang="en-US" dirty="0" smtClean="0"/>
+              <a:t>주중에 조금씩 밀리는 부분은 다음날 이어서 하다가 주말을 이용해서 일정을 따라 잡아서 </a:t>
+            </a:r>
+            <a:r>
+              <a:rPr lang="ko-KR" altLang="en-US" dirty="0" err="1" smtClean="0"/>
+              <a:t>계획한만큼</a:t>
+            </a:r>
+            <a:r>
+              <a:rPr lang="ko-KR" altLang="en-US" dirty="0" smtClean="0"/>
+              <a:t> 모두 진행했습니다</a:t>
+            </a:r>
+            <a:r>
+              <a:rPr lang="en-US" altLang="ko-KR" dirty="0" smtClean="0"/>
+              <a:t>.</a:t>
+            </a:r>
             <a:endParaRPr lang="ko-KR" altLang="en-US" dirty="0"/>
           </a:p>
         </p:txBody>
@@ -10126,6 +10152,359 @@
     <p:extLst>
       <p:ext uri="{BB962C8B-B14F-4D97-AF65-F5344CB8AC3E}">
         <p14:creationId xmlns:p14="http://schemas.microsoft.com/office/powerpoint/2010/main" val="1756786767"/>
+      </p:ext>
+    </p:extLst>
+  </p:cSld>
+  <p:clrMapOvr>
+    <a:masterClrMapping/>
+  </p:clrMapOvr>
+</p:notes>
+</file>
+
+<file path=ppt/notesSlides/notesSlide10.xml><?xml version="1.0" encoding="utf-8"?>
+<p:notes xmlns:a="http://schemas.openxmlformats.org/drawingml/2006/main" xmlns:r="http://schemas.openxmlformats.org/officeDocument/2006/relationships" xmlns:p="http://schemas.openxmlformats.org/presentationml/2006/main">
+  <p:cSld>
+    <p:spTree>
+      <p:nvGrpSpPr>
+        <p:cNvPr id="1" name=""/>
+        <p:cNvGrpSpPr/>
+        <p:nvPr/>
+      </p:nvGrpSpPr>
+      <p:grpSpPr>
+        <a:xfrm>
+          <a:off x="0" y="0"/>
+          <a:ext cx="0" cy="0"/>
+          <a:chOff x="0" y="0"/>
+          <a:chExt cx="0" cy="0"/>
+        </a:xfrm>
+      </p:grpSpPr>
+      <p:sp>
+        <p:nvSpPr>
+          <p:cNvPr id="2" name="슬라이드 이미지 개체 틀 1"/>
+          <p:cNvSpPr>
+            <a:spLocks noGrp="1" noRot="1" noChangeAspect="1"/>
+          </p:cNvSpPr>
+          <p:nvPr>
+            <p:ph type="sldImg"/>
+          </p:nvPr>
+        </p:nvSpPr>
+        <p:spPr/>
+      </p:sp>
+      <p:sp>
+        <p:nvSpPr>
+          <p:cNvPr id="3" name="슬라이드 노트 개체 틀 2"/>
+          <p:cNvSpPr>
+            <a:spLocks noGrp="1"/>
+          </p:cNvSpPr>
+          <p:nvPr>
+            <p:ph type="body" idx="1"/>
+          </p:nvPr>
+        </p:nvSpPr>
+        <p:spPr/>
+        <p:txBody>
+          <a:bodyPr/>
+          <a:lstStyle/>
+          <a:p>
+            <a:r>
+              <a:rPr lang="ko-KR" altLang="en-US" dirty="0" smtClean="0"/>
+              <a:t>선택한 필터 조건에 맞게 </a:t>
+            </a:r>
+            <a:r>
+              <a:rPr lang="ko-KR" altLang="en-US" dirty="0" err="1" smtClean="0"/>
+              <a:t>신청할때</a:t>
+            </a:r>
+            <a:r>
+              <a:rPr lang="ko-KR" altLang="en-US" dirty="0" smtClean="0"/>
+              <a:t> 사용하는 </a:t>
+            </a:r>
+            <a:r>
+              <a:rPr lang="en-US" altLang="ko-KR" dirty="0" err="1" smtClean="0"/>
+              <a:t>sql</a:t>
+            </a:r>
+            <a:r>
+              <a:rPr lang="ko-KR" altLang="en-US" dirty="0" smtClean="0"/>
+              <a:t>문이 </a:t>
+            </a:r>
+            <a:r>
+              <a:rPr lang="ko-KR" altLang="en-US" dirty="0" err="1" smtClean="0"/>
+              <a:t>편집되서</a:t>
+            </a:r>
+            <a:r>
+              <a:rPr lang="ko-KR" altLang="en-US" dirty="0" smtClean="0"/>
+              <a:t> 데이터베이스로 저장이 됩니다</a:t>
+            </a:r>
+            <a:r>
+              <a:rPr lang="en-US" altLang="ko-KR" dirty="0" smtClean="0"/>
+              <a:t>.</a:t>
+            </a:r>
+          </a:p>
+          <a:p>
+            <a:r>
+              <a:rPr lang="ko-KR" altLang="en-US" dirty="0" smtClean="0"/>
+              <a:t>부서번호나 직급은 여러 개를 선택할 수 있게 처음에 </a:t>
+            </a:r>
+            <a:r>
+              <a:rPr lang="ko-KR" altLang="en-US" dirty="0" err="1" smtClean="0"/>
+              <a:t>입력할때는</a:t>
+            </a:r>
+            <a:r>
+              <a:rPr lang="ko-KR" altLang="en-US" dirty="0" smtClean="0"/>
+              <a:t> </a:t>
+            </a:r>
+            <a:r>
+              <a:rPr lang="en-US" altLang="ko-KR" dirty="0" smtClean="0"/>
+              <a:t>and </a:t>
+            </a:r>
+            <a:r>
+              <a:rPr lang="ko-KR" altLang="en-US" dirty="0" smtClean="0"/>
+              <a:t>문이 추가되고</a:t>
+            </a:r>
+            <a:r>
+              <a:rPr lang="en-US" altLang="ko-KR" dirty="0" smtClean="0"/>
+              <a:t>, </a:t>
+            </a:r>
+            <a:r>
+              <a:rPr lang="ko-KR" altLang="en-US" dirty="0" smtClean="0"/>
+              <a:t>추가로 </a:t>
+            </a:r>
+            <a:r>
+              <a:rPr lang="ko-KR" altLang="en-US" dirty="0" err="1" smtClean="0"/>
+              <a:t>입력할땐</a:t>
+            </a:r>
+            <a:r>
+              <a:rPr lang="ko-KR" altLang="en-US" dirty="0" smtClean="0"/>
+              <a:t> </a:t>
+            </a:r>
+            <a:r>
+              <a:rPr lang="en-US" altLang="ko-KR" dirty="0" smtClean="0"/>
+              <a:t>or</a:t>
+            </a:r>
+            <a:r>
+              <a:rPr lang="en-US" altLang="ko-KR" baseline="0" dirty="0" smtClean="0"/>
+              <a:t> </a:t>
+            </a:r>
+            <a:r>
+              <a:rPr lang="ko-KR" altLang="en-US" baseline="0" dirty="0" smtClean="0"/>
+              <a:t>가 입력되게 했습니다</a:t>
+            </a:r>
+            <a:endParaRPr lang="ko-KR" altLang="en-US" dirty="0"/>
+          </a:p>
+        </p:txBody>
+      </p:sp>
+      <p:sp>
+        <p:nvSpPr>
+          <p:cNvPr id="4" name="슬라이드 번호 개체 틀 3"/>
+          <p:cNvSpPr>
+            <a:spLocks noGrp="1"/>
+          </p:cNvSpPr>
+          <p:nvPr>
+            <p:ph type="sldNum" sz="quarter" idx="10"/>
+          </p:nvPr>
+        </p:nvSpPr>
+        <p:spPr/>
+        <p:txBody>
+          <a:bodyPr/>
+          <a:lstStyle/>
+          <a:p>
+            <a:fld id="{0217327B-F913-468E-89AE-6D76E5DDF623}" type="slidenum">
+              <a:rPr lang="ko-KR" altLang="en-US" smtClean="0"/>
+              <a:pPr/>
+              <a:t>14</a:t>
+            </a:fld>
+            <a:endParaRPr lang="ko-KR" altLang="en-US"/>
+          </a:p>
+        </p:txBody>
+      </p:sp>
+    </p:spTree>
+    <p:extLst>
+      <p:ext uri="{BB962C8B-B14F-4D97-AF65-F5344CB8AC3E}">
+        <p14:creationId xmlns:p14="http://schemas.microsoft.com/office/powerpoint/2010/main" val="498083455"/>
+      </p:ext>
+    </p:extLst>
+  </p:cSld>
+  <p:clrMapOvr>
+    <a:masterClrMapping/>
+  </p:clrMapOvr>
+</p:notes>
+</file>
+
+<file path=ppt/notesSlides/notesSlide11.xml><?xml version="1.0" encoding="utf-8"?>
+<p:notes xmlns:a="http://schemas.openxmlformats.org/drawingml/2006/main" xmlns:r="http://schemas.openxmlformats.org/officeDocument/2006/relationships" xmlns:p="http://schemas.openxmlformats.org/presentationml/2006/main">
+  <p:cSld>
+    <p:spTree>
+      <p:nvGrpSpPr>
+        <p:cNvPr id="1" name=""/>
+        <p:cNvGrpSpPr/>
+        <p:nvPr/>
+      </p:nvGrpSpPr>
+      <p:grpSpPr>
+        <a:xfrm>
+          <a:off x="0" y="0"/>
+          <a:ext cx="0" cy="0"/>
+          <a:chOff x="0" y="0"/>
+          <a:chExt cx="0" cy="0"/>
+        </a:xfrm>
+      </p:grpSpPr>
+      <p:sp>
+        <p:nvSpPr>
+          <p:cNvPr id="2" name="슬라이드 이미지 개체 틀 1"/>
+          <p:cNvSpPr>
+            <a:spLocks noGrp="1" noRot="1" noChangeAspect="1"/>
+          </p:cNvSpPr>
+          <p:nvPr>
+            <p:ph type="sldImg"/>
+          </p:nvPr>
+        </p:nvSpPr>
+        <p:spPr/>
+      </p:sp>
+      <p:sp>
+        <p:nvSpPr>
+          <p:cNvPr id="3" name="슬라이드 노트 개체 틀 2"/>
+          <p:cNvSpPr>
+            <a:spLocks noGrp="1"/>
+          </p:cNvSpPr>
+          <p:nvPr>
+            <p:ph type="body" idx="1"/>
+          </p:nvPr>
+        </p:nvSpPr>
+        <p:spPr/>
+        <p:txBody>
+          <a:bodyPr/>
+          <a:lstStyle/>
+          <a:p>
+            <a:r>
+              <a:rPr lang="ko-KR" altLang="en-US" dirty="0" smtClean="0"/>
+              <a:t>사내교육 검색기능입니다</a:t>
+            </a:r>
+            <a:r>
+              <a:rPr lang="en-US" altLang="ko-KR" dirty="0" smtClean="0"/>
+              <a:t>. </a:t>
+            </a:r>
+            <a:r>
+              <a:rPr lang="ko-KR" altLang="en-US" dirty="0" smtClean="0"/>
+              <a:t>복리후생 입력과 비슷한 </a:t>
+            </a:r>
+            <a:r>
+              <a:rPr lang="ko-KR" altLang="en-US" smtClean="0"/>
+              <a:t>방식으로 입력할 수 있고 아직 날짜가 지나지 않은 교육만 검색할 수 있도록 했습니다</a:t>
+            </a:r>
+            <a:endParaRPr lang="ko-KR" altLang="en-US"/>
+          </a:p>
+        </p:txBody>
+      </p:sp>
+      <p:sp>
+        <p:nvSpPr>
+          <p:cNvPr id="4" name="슬라이드 번호 개체 틀 3"/>
+          <p:cNvSpPr>
+            <a:spLocks noGrp="1"/>
+          </p:cNvSpPr>
+          <p:nvPr>
+            <p:ph type="sldNum" sz="quarter" idx="10"/>
+          </p:nvPr>
+        </p:nvSpPr>
+        <p:spPr/>
+        <p:txBody>
+          <a:bodyPr/>
+          <a:lstStyle/>
+          <a:p>
+            <a:fld id="{0217327B-F913-468E-89AE-6D76E5DDF623}" type="slidenum">
+              <a:rPr lang="ko-KR" altLang="en-US" smtClean="0"/>
+              <a:pPr/>
+              <a:t>15</a:t>
+            </a:fld>
+            <a:endParaRPr lang="ko-KR" altLang="en-US"/>
+          </a:p>
+        </p:txBody>
+      </p:sp>
+    </p:spTree>
+    <p:extLst>
+      <p:ext uri="{BB962C8B-B14F-4D97-AF65-F5344CB8AC3E}">
+        <p14:creationId xmlns:p14="http://schemas.microsoft.com/office/powerpoint/2010/main" val="1996841784"/>
+      </p:ext>
+    </p:extLst>
+  </p:cSld>
+  <p:clrMapOvr>
+    <a:masterClrMapping/>
+  </p:clrMapOvr>
+</p:notes>
+</file>
+
+<file path=ppt/notesSlides/notesSlide12.xml><?xml version="1.0" encoding="utf-8"?>
+<p:notes xmlns:a="http://schemas.openxmlformats.org/drawingml/2006/main" xmlns:r="http://schemas.openxmlformats.org/officeDocument/2006/relationships" xmlns:p="http://schemas.openxmlformats.org/presentationml/2006/main">
+  <p:cSld>
+    <p:spTree>
+      <p:nvGrpSpPr>
+        <p:cNvPr id="1" name=""/>
+        <p:cNvGrpSpPr/>
+        <p:nvPr/>
+      </p:nvGrpSpPr>
+      <p:grpSpPr>
+        <a:xfrm>
+          <a:off x="0" y="0"/>
+          <a:ext cx="0" cy="0"/>
+          <a:chOff x="0" y="0"/>
+          <a:chExt cx="0" cy="0"/>
+        </a:xfrm>
+      </p:grpSpPr>
+      <p:sp>
+        <p:nvSpPr>
+          <p:cNvPr id="2" name="슬라이드 이미지 개체 틀 1"/>
+          <p:cNvSpPr>
+            <a:spLocks noGrp="1" noRot="1" noChangeAspect="1"/>
+          </p:cNvSpPr>
+          <p:nvPr>
+            <p:ph type="sldImg"/>
+          </p:nvPr>
+        </p:nvSpPr>
+        <p:spPr/>
+      </p:sp>
+      <p:sp>
+        <p:nvSpPr>
+          <p:cNvPr id="3" name="슬라이드 노트 개체 틀 2"/>
+          <p:cNvSpPr>
+            <a:spLocks noGrp="1"/>
+          </p:cNvSpPr>
+          <p:nvPr>
+            <p:ph type="body" idx="1"/>
+          </p:nvPr>
+        </p:nvSpPr>
+        <p:spPr/>
+        <p:txBody>
+          <a:bodyPr/>
+          <a:lstStyle/>
+          <a:p>
+            <a:endParaRPr lang="ko-KR" altLang="en-US" dirty="0"/>
+          </a:p>
+        </p:txBody>
+      </p:sp>
+      <p:sp>
+        <p:nvSpPr>
+          <p:cNvPr id="4" name="슬라이드 번호 개체 틀 3"/>
+          <p:cNvSpPr>
+            <a:spLocks noGrp="1"/>
+          </p:cNvSpPr>
+          <p:nvPr>
+            <p:ph type="sldNum" sz="quarter" idx="10"/>
+          </p:nvPr>
+        </p:nvSpPr>
+        <p:spPr/>
+        <p:txBody>
+          <a:bodyPr/>
+          <a:lstStyle/>
+          <a:p>
+            <a:fld id="{0217327B-F913-468E-89AE-6D76E5DDF623}" type="slidenum">
+              <a:rPr lang="ko-KR" altLang="en-US" smtClean="0"/>
+              <a:pPr/>
+              <a:t>16</a:t>
+            </a:fld>
+            <a:endParaRPr lang="ko-KR" altLang="en-US"/>
+          </a:p>
+        </p:txBody>
+      </p:sp>
+    </p:spTree>
+    <p:extLst>
+      <p:ext uri="{BB962C8B-B14F-4D97-AF65-F5344CB8AC3E}">
+        <p14:creationId xmlns:p14="http://schemas.microsoft.com/office/powerpoint/2010/main" val="1796788148"/>
       </p:ext>
     </p:extLst>
   </p:cSld>
@@ -10201,7 +10580,7 @@
             <a:fld id="{0217327B-F913-468E-89AE-6D76E5DDF623}" type="slidenum">
               <a:rPr lang="ko-KR" altLang="en-US" smtClean="0"/>
               <a:pPr/>
-              <a:t>4</a:t>
+              <a:t>5</a:t>
             </a:fld>
             <a:endParaRPr lang="ko-KR" altLang="en-US"/>
           </a:p>
@@ -10341,7 +10720,7 @@
             <a:fld id="{0217327B-F913-468E-89AE-6D76E5DDF623}" type="slidenum">
               <a:rPr lang="ko-KR" altLang="en-US" smtClean="0"/>
               <a:pPr/>
-              <a:t>5</a:t>
+              <a:t>6</a:t>
             </a:fld>
             <a:endParaRPr lang="ko-KR" altLang="en-US"/>
           </a:p>
@@ -10497,7 +10876,7 @@
             <a:fld id="{0217327B-F913-468E-89AE-6D76E5DDF623}" type="slidenum">
               <a:rPr lang="ko-KR" altLang="en-US" smtClean="0"/>
               <a:pPr/>
-              <a:t>6</a:t>
+              <a:t>7</a:t>
             </a:fld>
             <a:endParaRPr lang="ko-KR" altLang="en-US"/>
           </a:p>
@@ -10779,7 +11158,7 @@
             <a:fld id="{0217327B-F913-468E-89AE-6D76E5DDF623}" type="slidenum">
               <a:rPr lang="ko-KR" altLang="en-US" smtClean="0"/>
               <a:pPr/>
-              <a:t>7</a:t>
+              <a:t>8</a:t>
             </a:fld>
             <a:endParaRPr lang="ko-KR" altLang="en-US"/>
           </a:p>
@@ -10928,7 +11307,7 @@
             <a:fld id="{0217327B-F913-468E-89AE-6D76E5DDF623}" type="slidenum">
               <a:rPr lang="ko-KR" altLang="en-US" smtClean="0"/>
               <a:pPr/>
-              <a:t>8</a:t>
+              <a:t>9</a:t>
             </a:fld>
             <a:endParaRPr lang="ko-KR" altLang="en-US"/>
           </a:p>
@@ -11065,7 +11444,7 @@
             <a:fld id="{0217327B-F913-468E-89AE-6D76E5DDF623}" type="slidenum">
               <a:rPr lang="ko-KR" altLang="en-US" smtClean="0"/>
               <a:pPr/>
-              <a:t>9</a:t>
+              <a:t>10</a:t>
             </a:fld>
             <a:endParaRPr lang="ko-KR" altLang="en-US"/>
           </a:p>
@@ -11208,7 +11587,7 @@
             <a:fld id="{0217327B-F913-468E-89AE-6D76E5DDF623}" type="slidenum">
               <a:rPr lang="ko-KR" altLang="en-US" smtClean="0"/>
               <a:pPr/>
-              <a:t>10</a:t>
+              <a:t>11</a:t>
             </a:fld>
             <a:endParaRPr lang="ko-KR" altLang="en-US"/>
           </a:p>
@@ -11271,6 +11650,38 @@
           <a:bodyPr/>
           <a:lstStyle/>
           <a:p>
+            <a:r>
+              <a:rPr lang="ko-KR" altLang="en-US" dirty="0" smtClean="0"/>
+              <a:t>다음은 복리후생 등록 기능입니다</a:t>
+            </a:r>
+            <a:r>
+              <a:rPr lang="en-US" altLang="ko-KR" dirty="0" smtClean="0"/>
+              <a:t>. </a:t>
+            </a:r>
+            <a:r>
+              <a:rPr lang="ko-KR" altLang="en-US" dirty="0" smtClean="0"/>
+              <a:t>기본정보를 입력하고 </a:t>
+            </a:r>
+            <a:r>
+              <a:rPr lang="ko-KR" altLang="en-US" dirty="0" err="1" smtClean="0"/>
+              <a:t>신청가능한</a:t>
+            </a:r>
+            <a:r>
+              <a:rPr lang="ko-KR" altLang="en-US" dirty="0" smtClean="0"/>
+              <a:t> 조건을 </a:t>
+            </a:r>
+            <a:r>
+              <a:rPr lang="en-US" altLang="ko-KR" dirty="0" err="1" smtClean="0"/>
+              <a:t>sql</a:t>
+            </a:r>
+            <a:r>
+              <a:rPr lang="ko-KR" altLang="en-US" dirty="0" smtClean="0"/>
+              <a:t>문으로 만들어서 테이블의 요소로 저장하게 했습니다</a:t>
+            </a:r>
+            <a:r>
+              <a:rPr lang="en-US" altLang="ko-KR" dirty="0" smtClean="0"/>
+              <a:t>.</a:t>
+            </a:r>
             <a:endParaRPr lang="ko-KR" altLang="en-US" dirty="0"/>
           </a:p>
         </p:txBody>
@@ -11302,7 +11713,7 @@
     </p:spTree>
     <p:extLst>
       <p:ext uri="{BB962C8B-B14F-4D97-AF65-F5344CB8AC3E}">
-        <p14:creationId xmlns:p14="http://schemas.microsoft.com/office/powerpoint/2010/main" val="498083455"/>
+        <p14:creationId xmlns:p14="http://schemas.microsoft.com/office/powerpoint/2010/main" val="155156572"/>
       </p:ext>
     </p:extLst>
   </p:cSld>
@@ -11494,7 +11905,7 @@
             <a:fld id="{1554ACBD-FE76-428F-92B7-8CF735459289}" type="datetimeFigureOut">
               <a:rPr lang="ko-KR" altLang="en-US" smtClean="0"/>
               <a:pPr/>
-              <a:t>2022-10-27</a:t>
+              <a:t>2022-10-28</a:t>
             </a:fld>
             <a:endParaRPr lang="ko-KR" altLang="en-US"/>
           </a:p>
@@ -11668,7 +12079,7 @@
             <a:fld id="{1554ACBD-FE76-428F-92B7-8CF735459289}" type="datetimeFigureOut">
               <a:rPr lang="ko-KR" altLang="en-US" smtClean="0"/>
               <a:pPr/>
-              <a:t>2022-10-27</a:t>
+              <a:t>2022-10-28</a:t>
             </a:fld>
             <a:endParaRPr lang="ko-KR" altLang="en-US"/>
           </a:p>
@@ -11852,7 +12263,7 @@
             <a:fld id="{1554ACBD-FE76-428F-92B7-8CF735459289}" type="datetimeFigureOut">
               <a:rPr lang="ko-KR" altLang="en-US" smtClean="0"/>
               <a:pPr/>
-              <a:t>2022-10-27</a:t>
+              <a:t>2022-10-28</a:t>
             </a:fld>
             <a:endParaRPr lang="ko-KR" altLang="en-US"/>
           </a:p>
@@ -11990,7 +12401,7 @@
             <a:fld id="{1554ACBD-FE76-428F-92B7-8CF735459289}" type="datetimeFigureOut">
               <a:rPr lang="ko-KR" altLang="en-US" smtClean="0"/>
               <a:pPr/>
-              <a:t>2022-10-27</a:t>
+              <a:t>2022-10-28</a:t>
             </a:fld>
             <a:endParaRPr lang="ko-KR" altLang="en-US"/>
           </a:p>
@@ -12417,7 +12828,7 @@
             <a:fld id="{1554ACBD-FE76-428F-92B7-8CF735459289}" type="datetimeFigureOut">
               <a:rPr lang="ko-KR" altLang="en-US" smtClean="0"/>
               <a:pPr/>
-              <a:t>2022-10-27</a:t>
+              <a:t>2022-10-28</a:t>
             </a:fld>
             <a:endParaRPr lang="ko-KR" altLang="en-US"/>
           </a:p>
@@ -12714,7 +13125,7 @@
             <a:fld id="{1554ACBD-FE76-428F-92B7-8CF735459289}" type="datetimeFigureOut">
               <a:rPr lang="ko-KR" altLang="en-US" smtClean="0"/>
               <a:pPr/>
-              <a:t>2022-10-27</a:t>
+              <a:t>2022-10-28</a:t>
             </a:fld>
             <a:endParaRPr lang="ko-KR" altLang="en-US"/>
           </a:p>
@@ -13140,7 +13551,7 @@
             <a:fld id="{1554ACBD-FE76-428F-92B7-8CF735459289}" type="datetimeFigureOut">
               <a:rPr lang="ko-KR" altLang="en-US" smtClean="0"/>
               <a:pPr/>
-              <a:t>2022-10-27</a:t>
+              <a:t>2022-10-28</a:t>
             </a:fld>
             <a:endParaRPr lang="ko-KR" altLang="en-US"/>
           </a:p>
@@ -13262,7 +13673,7 @@
             <a:fld id="{1554ACBD-FE76-428F-92B7-8CF735459289}" type="datetimeFigureOut">
               <a:rPr lang="ko-KR" altLang="en-US" smtClean="0"/>
               <a:pPr/>
-              <a:t>2022-10-27</a:t>
+              <a:t>2022-10-28</a:t>
             </a:fld>
             <a:endParaRPr lang="ko-KR" altLang="en-US"/>
           </a:p>
@@ -13361,7 +13772,7 @@
             <a:fld id="{1554ACBD-FE76-428F-92B7-8CF735459289}" type="datetimeFigureOut">
               <a:rPr lang="ko-KR" altLang="en-US" smtClean="0"/>
               <a:pPr/>
-              <a:t>2022-10-27</a:t>
+              <a:t>2022-10-28</a:t>
             </a:fld>
             <a:endParaRPr lang="ko-KR" altLang="en-US"/>
           </a:p>
@@ -13792,7 +14203,7 @@
             <a:fld id="{1554ACBD-FE76-428F-92B7-8CF735459289}" type="datetimeFigureOut">
               <a:rPr lang="ko-KR" altLang="en-US" smtClean="0"/>
               <a:pPr/>
-              <a:t>2022-10-27</a:t>
+              <a:t>2022-10-28</a:t>
             </a:fld>
             <a:endParaRPr lang="ko-KR" altLang="en-US"/>
           </a:p>
@@ -14049,7 +14460,7 @@
             <a:fld id="{1554ACBD-FE76-428F-92B7-8CF735459289}" type="datetimeFigureOut">
               <a:rPr lang="ko-KR" altLang="en-US" smtClean="0"/>
               <a:pPr/>
-              <a:t>2022-10-27</a:t>
+              <a:t>2022-10-28</a:t>
             </a:fld>
             <a:endParaRPr lang="ko-KR" altLang="en-US"/>
           </a:p>
@@ -14262,7 +14673,7 @@
             <a:fld id="{1554ACBD-FE76-428F-92B7-8CF735459289}" type="datetimeFigureOut">
               <a:rPr lang="ko-KR" altLang="en-US" smtClean="0"/>
               <a:pPr/>
-              <a:t>2022-10-27</a:t>
+              <a:t>2022-10-28</a:t>
             </a:fld>
             <a:endParaRPr lang="ko-KR" altLang="en-US"/>
           </a:p>
@@ -16682,6 +17093,327 @@
         </p:nvSpPr>
         <p:spPr/>
         <p:txBody>
+          <a:bodyPr>
+            <a:normAutofit/>
+          </a:bodyPr>
+          <a:lstStyle/>
+          <a:p>
+            <a:r>
+              <a:rPr lang="ko-KR" altLang="en-US" dirty="0" smtClean="0"/>
+              <a:t>퇴사 정보</a:t>
+            </a:r>
+            <a:endParaRPr lang="ko-KR" altLang="en-US" dirty="0"/>
+          </a:p>
+        </p:txBody>
+      </p:sp>
+      <p:sp>
+        <p:nvSpPr>
+          <p:cNvPr id="3" name="텍스트 개체 틀 2"/>
+          <p:cNvSpPr>
+            <a:spLocks noGrp="1"/>
+          </p:cNvSpPr>
+          <p:nvPr>
+            <p:ph type="body" sz="quarter" idx="13"/>
+          </p:nvPr>
+        </p:nvSpPr>
+        <p:spPr/>
+        <p:txBody>
+          <a:bodyPr>
+            <a:normAutofit lnSpcReduction="10000"/>
+          </a:bodyPr>
+          <a:lstStyle/>
+          <a:p>
+            <a:r>
+              <a:rPr lang="ko-KR" altLang="en-US" dirty="0" smtClean="0"/>
+              <a:t>퇴사 신청 상태 변경</a:t>
+            </a:r>
+            <a:endParaRPr lang="ko-KR" altLang="en-US" dirty="0"/>
+          </a:p>
+        </p:txBody>
+      </p:sp>
+      <p:pic>
+        <p:nvPicPr>
+          <p:cNvPr id="4" name="그림 3"/>
+          <p:cNvPicPr>
+            <a:picLocks noChangeAspect="1"/>
+          </p:cNvPicPr>
+          <p:nvPr/>
+        </p:nvPicPr>
+        <p:blipFill>
+          <a:blip r:embed="rId3"/>
+          <a:stretch>
+            <a:fillRect/>
+          </a:stretch>
+        </p:blipFill>
+        <p:spPr>
+          <a:xfrm>
+            <a:off x="2309111" y="2066537"/>
+            <a:ext cx="5422181" cy="356636"/>
+          </a:xfrm>
+          <a:prstGeom prst="rect">
+            <a:avLst/>
+          </a:prstGeom>
+          <a:ln>
+            <a:solidFill>
+              <a:srgbClr val="003D91"/>
+            </a:solidFill>
+          </a:ln>
+        </p:spPr>
+      </p:pic>
+      <p:pic>
+        <p:nvPicPr>
+          <p:cNvPr id="5" name="그림 4"/>
+          <p:cNvPicPr>
+            <a:picLocks noChangeAspect="1"/>
+          </p:cNvPicPr>
+          <p:nvPr/>
+        </p:nvPicPr>
+        <p:blipFill>
+          <a:blip r:embed="rId4"/>
+          <a:stretch>
+            <a:fillRect/>
+          </a:stretch>
+        </p:blipFill>
+        <p:spPr>
+          <a:xfrm>
+            <a:off x="2285664" y="2507973"/>
+            <a:ext cx="6647004" cy="2918510"/>
+          </a:xfrm>
+          <a:prstGeom prst="rect">
+            <a:avLst/>
+          </a:prstGeom>
+          <a:ln>
+            <a:solidFill>
+              <a:srgbClr val="003D91"/>
+            </a:solidFill>
+          </a:ln>
+        </p:spPr>
+      </p:pic>
+      <p:sp>
+        <p:nvSpPr>
+          <p:cNvPr id="6" name="TextBox 5"/>
+          <p:cNvSpPr txBox="1"/>
+          <p:nvPr/>
+        </p:nvSpPr>
+        <p:spPr>
+          <a:xfrm>
+            <a:off x="179512" y="1210405"/>
+            <a:ext cx="2051720" cy="338554"/>
+          </a:xfrm>
+          <a:prstGeom prst="rect">
+            <a:avLst/>
+          </a:prstGeom>
+          <a:solidFill>
+            <a:schemeClr val="bg1">
+              <a:lumMod val="95000"/>
+              <a:alpha val="50000"/>
+            </a:schemeClr>
+          </a:solidFill>
+        </p:spPr>
+        <p:txBody>
+          <a:bodyPr wrap="square" rtlCol="0">
+            <a:spAutoFit/>
+          </a:bodyPr>
+          <a:lstStyle/>
+          <a:p>
+            <a:pPr algn="ctr"/>
+            <a:r>
+              <a:rPr lang="ko-KR" altLang="en-US" sz="1600" dirty="0" smtClean="0">
+                <a:solidFill>
+                  <a:srgbClr val="003D91"/>
+                </a:solidFill>
+                <a:latin typeface="a아시아헤드1" panose="02020600000000000000" pitchFamily="18" charset="-127"/>
+                <a:ea typeface="a아시아헤드1" panose="02020600000000000000" pitchFamily="18" charset="-127"/>
+              </a:rPr>
+              <a:t>실행화면</a:t>
+            </a:r>
+            <a:endParaRPr lang="en-US" altLang="ko-KR" sz="1600" dirty="0" smtClean="0">
+              <a:solidFill>
+                <a:srgbClr val="003D91"/>
+              </a:solidFill>
+              <a:latin typeface="a아시아헤드1" panose="02020600000000000000" pitchFamily="18" charset="-127"/>
+              <a:ea typeface="a아시아헤드1" panose="02020600000000000000" pitchFamily="18" charset="-127"/>
+            </a:endParaRPr>
+          </a:p>
+        </p:txBody>
+      </p:sp>
+      <p:sp>
+        <p:nvSpPr>
+          <p:cNvPr id="7" name="TextBox 6"/>
+          <p:cNvSpPr txBox="1"/>
+          <p:nvPr/>
+        </p:nvSpPr>
+        <p:spPr>
+          <a:xfrm>
+            <a:off x="174703" y="2068102"/>
+            <a:ext cx="2051720" cy="338554"/>
+          </a:xfrm>
+          <a:prstGeom prst="rect">
+            <a:avLst/>
+          </a:prstGeom>
+          <a:solidFill>
+            <a:schemeClr val="bg1">
+              <a:lumMod val="95000"/>
+              <a:alpha val="50000"/>
+            </a:schemeClr>
+          </a:solidFill>
+        </p:spPr>
+        <p:txBody>
+          <a:bodyPr wrap="square" rtlCol="0">
+            <a:spAutoFit/>
+          </a:bodyPr>
+          <a:lstStyle/>
+          <a:p>
+            <a:pPr algn="ctr"/>
+            <a:r>
+              <a:rPr lang="en-US" altLang="ko-KR" sz="1600" dirty="0" smtClean="0">
+                <a:solidFill>
+                  <a:srgbClr val="003D91"/>
+                </a:solidFill>
+                <a:latin typeface="a아시아헤드1" panose="02020600000000000000" pitchFamily="18" charset="-127"/>
+                <a:ea typeface="a아시아헤드1" panose="02020600000000000000" pitchFamily="18" charset="-127"/>
+              </a:rPr>
+              <a:t>SQL</a:t>
+            </a:r>
+          </a:p>
+        </p:txBody>
+      </p:sp>
+      <p:sp>
+        <p:nvSpPr>
+          <p:cNvPr id="8" name="TextBox 7"/>
+          <p:cNvSpPr txBox="1"/>
+          <p:nvPr/>
+        </p:nvSpPr>
+        <p:spPr>
+          <a:xfrm>
+            <a:off x="174703" y="2504952"/>
+            <a:ext cx="2051720" cy="338554"/>
+          </a:xfrm>
+          <a:prstGeom prst="rect">
+            <a:avLst/>
+          </a:prstGeom>
+          <a:solidFill>
+            <a:schemeClr val="bg1">
+              <a:lumMod val="95000"/>
+              <a:alpha val="50000"/>
+            </a:schemeClr>
+          </a:solidFill>
+        </p:spPr>
+        <p:txBody>
+          <a:bodyPr wrap="square" rtlCol="0">
+            <a:spAutoFit/>
+          </a:bodyPr>
+          <a:lstStyle/>
+          <a:p>
+            <a:pPr algn="ctr"/>
+            <a:r>
+              <a:rPr lang="ko-KR" altLang="en-US" sz="1600" dirty="0" smtClean="0">
+                <a:solidFill>
+                  <a:srgbClr val="003D91"/>
+                </a:solidFill>
+                <a:latin typeface="a아시아헤드1" panose="02020600000000000000" pitchFamily="18" charset="-127"/>
+                <a:ea typeface="a아시아헤드1" panose="02020600000000000000" pitchFamily="18" charset="-127"/>
+              </a:rPr>
+              <a:t>실행 </a:t>
+            </a:r>
+            <a:r>
+              <a:rPr lang="ko-KR" altLang="en-US" sz="1600" dirty="0" err="1" smtClean="0">
+                <a:solidFill>
+                  <a:srgbClr val="003D91"/>
+                </a:solidFill>
+                <a:latin typeface="a아시아헤드1" panose="02020600000000000000" pitchFamily="18" charset="-127"/>
+                <a:ea typeface="a아시아헤드1" panose="02020600000000000000" pitchFamily="18" charset="-127"/>
+              </a:rPr>
+              <a:t>메소드</a:t>
+            </a:r>
+            <a:endParaRPr lang="en-US" altLang="ko-KR" sz="1600" dirty="0" smtClean="0">
+              <a:solidFill>
+                <a:srgbClr val="003D91"/>
+              </a:solidFill>
+              <a:latin typeface="a아시아헤드1" panose="02020600000000000000" pitchFamily="18" charset="-127"/>
+              <a:ea typeface="a아시아헤드1" panose="02020600000000000000" pitchFamily="18" charset="-127"/>
+            </a:endParaRPr>
+          </a:p>
+        </p:txBody>
+      </p:sp>
+      <p:pic>
+        <p:nvPicPr>
+          <p:cNvPr id="9" name="그림 8"/>
+          <p:cNvPicPr>
+            <a:picLocks noChangeAspect="1"/>
+          </p:cNvPicPr>
+          <p:nvPr/>
+        </p:nvPicPr>
+        <p:blipFill>
+          <a:blip r:embed="rId5"/>
+          <a:stretch>
+            <a:fillRect/>
+          </a:stretch>
+        </p:blipFill>
+        <p:spPr>
+          <a:xfrm>
+            <a:off x="2309111" y="491631"/>
+            <a:ext cx="4396755" cy="1437548"/>
+          </a:xfrm>
+          <a:prstGeom prst="rect">
+            <a:avLst/>
+          </a:prstGeom>
+          <a:ln>
+            <a:solidFill>
+              <a:srgbClr val="003D91"/>
+            </a:solidFill>
+          </a:ln>
+        </p:spPr>
+      </p:pic>
+    </p:spTree>
+    <p:extLst>
+      <p:ext uri="{BB962C8B-B14F-4D97-AF65-F5344CB8AC3E}">
+        <p14:creationId xmlns:p14="http://schemas.microsoft.com/office/powerpoint/2010/main" val="2849236898"/>
+      </p:ext>
+    </p:extLst>
+  </p:cSld>
+  <p:clrMapOvr>
+    <a:masterClrMapping/>
+  </p:clrMapOvr>
+  <p:timing>
+    <p:tnLst>
+      <p:par>
+        <p:cTn id="1" dur="indefinite" restart="never" nodeType="tmRoot"/>
+      </p:par>
+    </p:tnLst>
+  </p:timing>
+</p:sld>
+</file>
+
+<file path=ppt/slides/slide11.xml><?xml version="1.0" encoding="utf-8"?>
+<p:sld xmlns:a="http://schemas.openxmlformats.org/drawingml/2006/main" xmlns:r="http://schemas.openxmlformats.org/officeDocument/2006/relationships" xmlns:p="http://schemas.openxmlformats.org/presentationml/2006/main">
+  <p:cSld>
+    <p:spTree>
+      <p:nvGrpSpPr>
+        <p:cNvPr id="1" name=""/>
+        <p:cNvGrpSpPr/>
+        <p:nvPr/>
+      </p:nvGrpSpPr>
+      <p:grpSpPr>
+        <a:xfrm>
+          <a:off x="0" y="0"/>
+          <a:ext cx="0" cy="0"/>
+          <a:chOff x="0" y="0"/>
+          <a:chExt cx="0" cy="0"/>
+        </a:xfrm>
+      </p:grpSpPr>
+      <p:sp>
+        <p:nvSpPr>
+          <p:cNvPr id="2" name="제목 1"/>
+          <p:cNvSpPr>
+            <a:spLocks noGrp="1"/>
+          </p:cNvSpPr>
+          <p:nvPr>
+            <p:ph type="title"/>
+          </p:nvPr>
+        </p:nvSpPr>
+        <p:spPr/>
+        <p:txBody>
           <a:bodyPr/>
           <a:lstStyle/>
           <a:p>
@@ -16956,7 +17688,7 @@
 </p:sld>
 </file>
 
-<file path=ppt/slides/slide11.xml><?xml version="1.0" encoding="utf-8"?>
+<file path=ppt/slides/slide12.xml><?xml version="1.0" encoding="utf-8"?>
 <p:sld xmlns:a="http://schemas.openxmlformats.org/drawingml/2006/main" xmlns:r="http://schemas.openxmlformats.org/officeDocument/2006/relationships" xmlns:p="http://schemas.openxmlformats.org/presentationml/2006/main">
   <p:cSld>
     <p:spTree>
@@ -17034,7 +17766,7 @@
 </p:sld>
 </file>
 
-<file path=ppt/slides/slide12.xml><?xml version="1.0" encoding="utf-8"?>
+<file path=ppt/slides/slide13.xml><?xml version="1.0" encoding="utf-8"?>
 <p:sld xmlns:a="http://schemas.openxmlformats.org/drawingml/2006/main" xmlns:r="http://schemas.openxmlformats.org/officeDocument/2006/relationships" xmlns:p="http://schemas.openxmlformats.org/presentationml/2006/main">
   <p:cSld>
     <p:spTree>
@@ -17110,7 +17842,7 @@
           <p:nvPr/>
         </p:nvPicPr>
         <p:blipFill>
-          <a:blip r:embed="rId2"/>
+          <a:blip r:embed="rId3"/>
           <a:stretch>
             <a:fillRect/>
           </a:stretch>
@@ -17190,7 +17922,7 @@
           <p:nvPr/>
         </p:nvPicPr>
         <p:blipFill rotWithShape="1">
-          <a:blip r:embed="rId3"/>
+          <a:blip r:embed="rId4"/>
           <a:srcRect l="612" b="45166"/>
           <a:stretch/>
         </p:blipFill>
@@ -17218,7 +17950,7 @@
           <p:nvPr/>
         </p:nvPicPr>
         <p:blipFill>
-          <a:blip r:embed="rId4"/>
+          <a:blip r:embed="rId5"/>
           <a:stretch>
             <a:fillRect/>
           </a:stretch>
@@ -17306,7 +18038,7 @@
 </p:sld>
 </file>
 
-<file path=ppt/slides/slide13.xml><?xml version="1.0" encoding="utf-8"?>
+<file path=ppt/slides/slide14.xml><?xml version="1.0" encoding="utf-8"?>
 <p:sld xmlns:a="http://schemas.openxmlformats.org/drawingml/2006/main" xmlns:r="http://schemas.openxmlformats.org/officeDocument/2006/relationships" xmlns:p="http://schemas.openxmlformats.org/presentationml/2006/main">
   <p:cSld>
     <p:spTree>
@@ -17613,7 +18345,7 @@
 </p:sld>
 </file>
 
-<file path=ppt/slides/slide14.xml><?xml version="1.0" encoding="utf-8"?>
+<file path=ppt/slides/slide15.xml><?xml version="1.0" encoding="utf-8"?>
 <p:sld xmlns:a="http://schemas.openxmlformats.org/drawingml/2006/main" xmlns:r="http://schemas.openxmlformats.org/officeDocument/2006/relationships" xmlns:p="http://schemas.openxmlformats.org/presentationml/2006/main">
   <p:cSld>
     <p:spTree>
@@ -17645,6 +18377,10 @@
           <a:bodyPr/>
           <a:lstStyle/>
           <a:p>
+            <a:r>
+              <a:rPr lang="ko-KR" altLang="en-US" dirty="0" smtClean="0"/>
+              <a:t>사내교육</a:t>
+            </a:r>
             <a:endParaRPr lang="ko-KR" altLang="en-US" dirty="0"/>
           </a:p>
         </p:txBody>
@@ -17666,10 +18402,517 @@
           </a:bodyPr>
           <a:lstStyle/>
           <a:p>
-            <a:endParaRPr lang="ko-KR" altLang="en-US"/>
+            <a:r>
+              <a:rPr lang="ko-KR" altLang="en-US" dirty="0" smtClean="0"/>
+              <a:t>검색</a:t>
+            </a:r>
+            <a:endParaRPr lang="ko-KR" altLang="en-US" dirty="0"/>
           </a:p>
         </p:txBody>
       </p:sp>
+      <p:pic>
+        <p:nvPicPr>
+          <p:cNvPr id="6" name="그림 5"/>
+          <p:cNvPicPr>
+            <a:picLocks noChangeAspect="1"/>
+          </p:cNvPicPr>
+          <p:nvPr/>
+        </p:nvPicPr>
+        <p:blipFill>
+          <a:blip r:embed="rId3"/>
+          <a:stretch>
+            <a:fillRect/>
+          </a:stretch>
+        </p:blipFill>
+        <p:spPr>
+          <a:xfrm>
+            <a:off x="2112770" y="927098"/>
+            <a:ext cx="6200101" cy="1347848"/>
+          </a:xfrm>
+          <a:prstGeom prst="rect">
+            <a:avLst/>
+          </a:prstGeom>
+        </p:spPr>
+      </p:pic>
+      <p:pic>
+        <p:nvPicPr>
+          <p:cNvPr id="7" name="그림 6"/>
+          <p:cNvPicPr>
+            <a:picLocks noChangeAspect="1"/>
+          </p:cNvPicPr>
+          <p:nvPr/>
+        </p:nvPicPr>
+        <p:blipFill>
+          <a:blip r:embed="rId4"/>
+          <a:stretch>
+            <a:fillRect/>
+          </a:stretch>
+        </p:blipFill>
+        <p:spPr>
+          <a:xfrm>
+            <a:off x="1701400" y="3075806"/>
+            <a:ext cx="6611471" cy="1728192"/>
+          </a:xfrm>
+          <a:prstGeom prst="rect">
+            <a:avLst/>
+          </a:prstGeom>
+        </p:spPr>
+      </p:pic>
+      <p:pic>
+        <p:nvPicPr>
+          <p:cNvPr id="8" name="그림 7"/>
+          <p:cNvPicPr>
+            <a:picLocks noChangeAspect="1"/>
+          </p:cNvPicPr>
+          <p:nvPr/>
+        </p:nvPicPr>
+        <p:blipFill>
+          <a:blip r:embed="rId5"/>
+          <a:stretch>
+            <a:fillRect/>
+          </a:stretch>
+        </p:blipFill>
+        <p:spPr>
+          <a:xfrm>
+            <a:off x="1864446" y="2499742"/>
+            <a:ext cx="6448425" cy="361950"/>
+          </a:xfrm>
+          <a:prstGeom prst="rect">
+            <a:avLst/>
+          </a:prstGeom>
+        </p:spPr>
+      </p:pic>
+      <p:sp>
+        <p:nvSpPr>
+          <p:cNvPr id="9" name="TextBox 8"/>
+          <p:cNvSpPr txBox="1"/>
+          <p:nvPr/>
+        </p:nvSpPr>
+        <p:spPr>
+          <a:xfrm>
+            <a:off x="611560" y="2497501"/>
+            <a:ext cx="997852" cy="338554"/>
+          </a:xfrm>
+          <a:prstGeom prst="rect">
+            <a:avLst/>
+          </a:prstGeom>
+          <a:solidFill>
+            <a:schemeClr val="bg1">
+              <a:lumMod val="95000"/>
+              <a:alpha val="50000"/>
+            </a:schemeClr>
+          </a:solidFill>
+        </p:spPr>
+        <p:txBody>
+          <a:bodyPr wrap="square" rtlCol="0">
+            <a:spAutoFit/>
+          </a:bodyPr>
+          <a:lstStyle/>
+          <a:p>
+            <a:pPr algn="ctr"/>
+            <a:r>
+              <a:rPr lang="en-US" altLang="ko-KR" sz="1600" dirty="0" smtClean="0">
+                <a:solidFill>
+                  <a:srgbClr val="003D91"/>
+                </a:solidFill>
+                <a:latin typeface="a아시아헤드1" panose="02020600000000000000" pitchFamily="18" charset="-127"/>
+                <a:ea typeface="a아시아헤드1" panose="02020600000000000000" pitchFamily="18" charset="-127"/>
+              </a:rPr>
+              <a:t>SQL</a:t>
+            </a:r>
+          </a:p>
+        </p:txBody>
+      </p:sp>
+      <p:sp>
+        <p:nvSpPr>
+          <p:cNvPr id="10" name="TextBox 9"/>
+          <p:cNvSpPr txBox="1"/>
+          <p:nvPr/>
+        </p:nvSpPr>
+        <p:spPr>
+          <a:xfrm>
+            <a:off x="611560" y="1328893"/>
+            <a:ext cx="997852" cy="338554"/>
+          </a:xfrm>
+          <a:prstGeom prst="rect">
+            <a:avLst/>
+          </a:prstGeom>
+          <a:solidFill>
+            <a:schemeClr val="bg1">
+              <a:lumMod val="95000"/>
+              <a:alpha val="50000"/>
+            </a:schemeClr>
+          </a:solidFill>
+        </p:spPr>
+        <p:txBody>
+          <a:bodyPr wrap="square" rtlCol="0">
+            <a:spAutoFit/>
+          </a:bodyPr>
+          <a:lstStyle/>
+          <a:p>
+            <a:pPr algn="ctr"/>
+            <a:r>
+              <a:rPr lang="ko-KR" altLang="en-US" sz="1600" dirty="0" smtClean="0">
+                <a:solidFill>
+                  <a:srgbClr val="003D91"/>
+                </a:solidFill>
+                <a:latin typeface="a아시아헤드1" panose="02020600000000000000" pitchFamily="18" charset="-127"/>
+                <a:ea typeface="a아시아헤드1" panose="02020600000000000000" pitchFamily="18" charset="-127"/>
+              </a:rPr>
+              <a:t>실행화면</a:t>
+            </a:r>
+            <a:endParaRPr lang="en-US" altLang="ko-KR" sz="1600" dirty="0" smtClean="0">
+              <a:solidFill>
+                <a:srgbClr val="003D91"/>
+              </a:solidFill>
+              <a:latin typeface="a아시아헤드1" panose="02020600000000000000" pitchFamily="18" charset="-127"/>
+              <a:ea typeface="a아시아헤드1" panose="02020600000000000000" pitchFamily="18" charset="-127"/>
+            </a:endParaRPr>
+          </a:p>
+        </p:txBody>
+      </p:sp>
+      <p:sp>
+        <p:nvSpPr>
+          <p:cNvPr id="11" name="TextBox 10"/>
+          <p:cNvSpPr txBox="1"/>
+          <p:nvPr/>
+        </p:nvSpPr>
+        <p:spPr>
+          <a:xfrm>
+            <a:off x="611560" y="3075806"/>
+            <a:ext cx="997852" cy="338554"/>
+          </a:xfrm>
+          <a:prstGeom prst="rect">
+            <a:avLst/>
+          </a:prstGeom>
+          <a:solidFill>
+            <a:schemeClr val="bg1">
+              <a:lumMod val="95000"/>
+              <a:alpha val="50000"/>
+            </a:schemeClr>
+          </a:solidFill>
+        </p:spPr>
+        <p:txBody>
+          <a:bodyPr wrap="square" rtlCol="0">
+            <a:spAutoFit/>
+          </a:bodyPr>
+          <a:lstStyle/>
+          <a:p>
+            <a:pPr algn="ctr"/>
+            <a:r>
+              <a:rPr lang="ko-KR" altLang="en-US" sz="1600" dirty="0" err="1" smtClean="0">
+                <a:solidFill>
+                  <a:srgbClr val="003D91"/>
+                </a:solidFill>
+                <a:latin typeface="a아시아헤드1" panose="02020600000000000000" pitchFamily="18" charset="-127"/>
+                <a:ea typeface="a아시아헤드1" panose="02020600000000000000" pitchFamily="18" charset="-127"/>
+              </a:rPr>
+              <a:t>메소드</a:t>
+            </a:r>
+            <a:endParaRPr lang="en-US" altLang="ko-KR" sz="1600" dirty="0" smtClean="0">
+              <a:solidFill>
+                <a:srgbClr val="003D91"/>
+              </a:solidFill>
+              <a:latin typeface="a아시아헤드1" panose="02020600000000000000" pitchFamily="18" charset="-127"/>
+              <a:ea typeface="a아시아헤드1" panose="02020600000000000000" pitchFamily="18" charset="-127"/>
+            </a:endParaRPr>
+          </a:p>
+        </p:txBody>
+      </p:sp>
+    </p:spTree>
+    <p:extLst>
+      <p:ext uri="{BB962C8B-B14F-4D97-AF65-F5344CB8AC3E}">
+        <p14:creationId xmlns:p14="http://schemas.microsoft.com/office/powerpoint/2010/main" val="2217540529"/>
+      </p:ext>
+    </p:extLst>
+  </p:cSld>
+  <p:clrMapOvr>
+    <a:masterClrMapping/>
+  </p:clrMapOvr>
+  <p:timing>
+    <p:tnLst>
+      <p:par>
+        <p:cTn id="1" dur="indefinite" restart="never" nodeType="tmRoot"/>
+      </p:par>
+    </p:tnLst>
+  </p:timing>
+</p:sld>
+</file>
+
+<file path=ppt/slides/slide16.xml><?xml version="1.0" encoding="utf-8"?>
+<p:sld xmlns:a="http://schemas.openxmlformats.org/drawingml/2006/main" xmlns:r="http://schemas.openxmlformats.org/officeDocument/2006/relationships" xmlns:p="http://schemas.openxmlformats.org/presentationml/2006/main">
+  <p:cSld>
+    <p:spTree>
+      <p:nvGrpSpPr>
+        <p:cNvPr id="1" name=""/>
+        <p:cNvGrpSpPr/>
+        <p:nvPr/>
+      </p:nvGrpSpPr>
+      <p:grpSpPr>
+        <a:xfrm>
+          <a:off x="0" y="0"/>
+          <a:ext cx="0" cy="0"/>
+          <a:chOff x="0" y="0"/>
+          <a:chExt cx="0" cy="0"/>
+        </a:xfrm>
+      </p:grpSpPr>
+      <p:sp>
+        <p:nvSpPr>
+          <p:cNvPr id="2" name="제목 1"/>
+          <p:cNvSpPr>
+            <a:spLocks noGrp="1"/>
+          </p:cNvSpPr>
+          <p:nvPr>
+            <p:ph type="title"/>
+          </p:nvPr>
+        </p:nvSpPr>
+        <p:spPr/>
+        <p:txBody>
+          <a:bodyPr/>
+          <a:lstStyle/>
+          <a:p>
+            <a:r>
+              <a:rPr lang="ko-KR" altLang="en-US" dirty="0" smtClean="0"/>
+              <a:t>사내교육</a:t>
+            </a:r>
+            <a:endParaRPr lang="ko-KR" altLang="en-US" dirty="0"/>
+          </a:p>
+        </p:txBody>
+      </p:sp>
+      <p:sp>
+        <p:nvSpPr>
+          <p:cNvPr id="3" name="텍스트 개체 틀 2"/>
+          <p:cNvSpPr>
+            <a:spLocks noGrp="1"/>
+          </p:cNvSpPr>
+          <p:nvPr>
+            <p:ph type="body" sz="quarter" idx="13"/>
+          </p:nvPr>
+        </p:nvSpPr>
+        <p:spPr/>
+        <p:txBody>
+          <a:bodyPr>
+            <a:normAutofit lnSpcReduction="10000"/>
+          </a:bodyPr>
+          <a:lstStyle/>
+          <a:p>
+            <a:r>
+              <a:rPr lang="ko-KR" altLang="en-US" dirty="0" smtClean="0"/>
+              <a:t>신청하기</a:t>
+            </a:r>
+            <a:endParaRPr lang="ko-KR" altLang="en-US" dirty="0"/>
+          </a:p>
+        </p:txBody>
+      </p:sp>
+      <p:sp>
+        <p:nvSpPr>
+          <p:cNvPr id="7" name="TextBox 6"/>
+          <p:cNvSpPr txBox="1"/>
+          <p:nvPr/>
+        </p:nvSpPr>
+        <p:spPr>
+          <a:xfrm>
+            <a:off x="39277" y="1907245"/>
+            <a:ext cx="997852" cy="338554"/>
+          </a:xfrm>
+          <a:prstGeom prst="rect">
+            <a:avLst/>
+          </a:prstGeom>
+          <a:solidFill>
+            <a:schemeClr val="bg1">
+              <a:lumMod val="95000"/>
+              <a:alpha val="50000"/>
+            </a:schemeClr>
+          </a:solidFill>
+        </p:spPr>
+        <p:txBody>
+          <a:bodyPr wrap="square" rtlCol="0">
+            <a:spAutoFit/>
+          </a:bodyPr>
+          <a:lstStyle/>
+          <a:p>
+            <a:pPr algn="ctr"/>
+            <a:r>
+              <a:rPr lang="en-US" altLang="ko-KR" sz="1600" dirty="0" smtClean="0">
+                <a:solidFill>
+                  <a:srgbClr val="003D91"/>
+                </a:solidFill>
+                <a:latin typeface="a아시아헤드1" panose="02020600000000000000" pitchFamily="18" charset="-127"/>
+                <a:ea typeface="a아시아헤드1" panose="02020600000000000000" pitchFamily="18" charset="-127"/>
+              </a:rPr>
+              <a:t>SQL</a:t>
+            </a:r>
+          </a:p>
+        </p:txBody>
+      </p:sp>
+      <p:sp>
+        <p:nvSpPr>
+          <p:cNvPr id="8" name="TextBox 7"/>
+          <p:cNvSpPr txBox="1"/>
+          <p:nvPr/>
+        </p:nvSpPr>
+        <p:spPr>
+          <a:xfrm>
+            <a:off x="1907704" y="415273"/>
+            <a:ext cx="997852" cy="338554"/>
+          </a:xfrm>
+          <a:prstGeom prst="rect">
+            <a:avLst/>
+          </a:prstGeom>
+          <a:solidFill>
+            <a:schemeClr val="bg1">
+              <a:lumMod val="95000"/>
+              <a:alpha val="50000"/>
+            </a:schemeClr>
+          </a:solidFill>
+        </p:spPr>
+        <p:txBody>
+          <a:bodyPr wrap="square" rtlCol="0">
+            <a:spAutoFit/>
+          </a:bodyPr>
+          <a:lstStyle/>
+          <a:p>
+            <a:pPr algn="ctr"/>
+            <a:r>
+              <a:rPr lang="ko-KR" altLang="en-US" sz="1600" dirty="0" smtClean="0">
+                <a:solidFill>
+                  <a:srgbClr val="003D91"/>
+                </a:solidFill>
+                <a:latin typeface="a아시아헤드1" panose="02020600000000000000" pitchFamily="18" charset="-127"/>
+                <a:ea typeface="a아시아헤드1" panose="02020600000000000000" pitchFamily="18" charset="-127"/>
+              </a:rPr>
+              <a:t>실행화면</a:t>
+            </a:r>
+            <a:endParaRPr lang="en-US" altLang="ko-KR" sz="1600" dirty="0" smtClean="0">
+              <a:solidFill>
+                <a:srgbClr val="003D91"/>
+              </a:solidFill>
+              <a:latin typeface="a아시아헤드1" panose="02020600000000000000" pitchFamily="18" charset="-127"/>
+              <a:ea typeface="a아시아헤드1" panose="02020600000000000000" pitchFamily="18" charset="-127"/>
+            </a:endParaRPr>
+          </a:p>
+        </p:txBody>
+      </p:sp>
+      <p:sp>
+        <p:nvSpPr>
+          <p:cNvPr id="9" name="TextBox 8"/>
+          <p:cNvSpPr txBox="1"/>
+          <p:nvPr/>
+        </p:nvSpPr>
+        <p:spPr>
+          <a:xfrm>
+            <a:off x="27754" y="2836569"/>
+            <a:ext cx="997852" cy="338554"/>
+          </a:xfrm>
+          <a:prstGeom prst="rect">
+            <a:avLst/>
+          </a:prstGeom>
+          <a:solidFill>
+            <a:schemeClr val="bg1">
+              <a:lumMod val="95000"/>
+              <a:alpha val="50000"/>
+            </a:schemeClr>
+          </a:solidFill>
+        </p:spPr>
+        <p:txBody>
+          <a:bodyPr wrap="square" rtlCol="0">
+            <a:spAutoFit/>
+          </a:bodyPr>
+          <a:lstStyle/>
+          <a:p>
+            <a:pPr algn="ctr"/>
+            <a:r>
+              <a:rPr lang="ko-KR" altLang="en-US" sz="1600" dirty="0" err="1" smtClean="0">
+                <a:solidFill>
+                  <a:srgbClr val="003D91"/>
+                </a:solidFill>
+                <a:latin typeface="a아시아헤드1" panose="02020600000000000000" pitchFamily="18" charset="-127"/>
+                <a:ea typeface="a아시아헤드1" panose="02020600000000000000" pitchFamily="18" charset="-127"/>
+              </a:rPr>
+              <a:t>메소드</a:t>
+            </a:r>
+            <a:endParaRPr lang="en-US" altLang="ko-KR" sz="1600" dirty="0" smtClean="0">
+              <a:solidFill>
+                <a:srgbClr val="003D91"/>
+              </a:solidFill>
+              <a:latin typeface="a아시아헤드1" panose="02020600000000000000" pitchFamily="18" charset="-127"/>
+              <a:ea typeface="a아시아헤드1" panose="02020600000000000000" pitchFamily="18" charset="-127"/>
+            </a:endParaRPr>
+          </a:p>
+        </p:txBody>
+      </p:sp>
+      <p:pic>
+        <p:nvPicPr>
+          <p:cNvPr id="10" name="그림 9"/>
+          <p:cNvPicPr>
+            <a:picLocks noChangeAspect="1"/>
+          </p:cNvPicPr>
+          <p:nvPr/>
+        </p:nvPicPr>
+        <p:blipFill>
+          <a:blip r:embed="rId3"/>
+          <a:stretch>
+            <a:fillRect/>
+          </a:stretch>
+        </p:blipFill>
+        <p:spPr>
+          <a:xfrm>
+            <a:off x="2957337" y="453040"/>
+            <a:ext cx="3600400" cy="1388315"/>
+          </a:xfrm>
+          <a:prstGeom prst="rect">
+            <a:avLst/>
+          </a:prstGeom>
+        </p:spPr>
+      </p:pic>
+      <p:pic>
+        <p:nvPicPr>
+          <p:cNvPr id="11" name="그림 10"/>
+          <p:cNvPicPr>
+            <a:picLocks noChangeAspect="1"/>
+          </p:cNvPicPr>
+          <p:nvPr/>
+        </p:nvPicPr>
+        <p:blipFill>
+          <a:blip r:embed="rId4"/>
+          <a:stretch>
+            <a:fillRect/>
+          </a:stretch>
+        </p:blipFill>
+        <p:spPr>
+          <a:xfrm>
+            <a:off x="1142264" y="1897434"/>
+            <a:ext cx="7560840" cy="883056"/>
+          </a:xfrm>
+          <a:prstGeom prst="rect">
+            <a:avLst/>
+          </a:prstGeom>
+        </p:spPr>
+      </p:pic>
+      <p:pic>
+        <p:nvPicPr>
+          <p:cNvPr id="4" name="그림 3"/>
+          <p:cNvPicPr>
+            <a:picLocks noChangeAspect="1"/>
+          </p:cNvPicPr>
+          <p:nvPr/>
+        </p:nvPicPr>
+        <p:blipFill>
+          <a:blip r:embed="rId5"/>
+          <a:stretch>
+            <a:fillRect/>
+          </a:stretch>
+        </p:blipFill>
+        <p:spPr>
+          <a:xfrm>
+            <a:off x="1137506" y="2875384"/>
+            <a:ext cx="5317961" cy="2268116"/>
+          </a:xfrm>
+          <a:prstGeom prst="rect">
+            <a:avLst/>
+          </a:prstGeom>
+        </p:spPr>
+      </p:pic>
     </p:spTree>
     <p:extLst>
       <p:ext uri="{BB962C8B-B14F-4D97-AF65-F5344CB8AC3E}">
@@ -23152,7 +24395,7 @@
           <p:cNvPr id="2" name="그룹 1">
             <a:extLst>
               <a:ext uri="{FF2B5EF4-FFF2-40B4-BE49-F238E27FC236}">
-                <a16:creationId xmlns="" xmlns:a16="http://schemas.microsoft.com/office/drawing/2014/main" id="{81F6280F-207A-44D1-0456-D7E0F2995A26}"/>
+                <a16:creationId xmlns:a16="http://schemas.microsoft.com/office/drawing/2014/main" xmlns="" id="{81F6280F-207A-44D1-0456-D7E0F2995A26}"/>
               </a:ext>
             </a:extLst>
           </p:cNvPr>
@@ -23172,7 +24415,7 @@
             <p:cNvPr id="4" name="직선 연결선 3">
               <a:extLst>
                 <a:ext uri="{FF2B5EF4-FFF2-40B4-BE49-F238E27FC236}">
-                  <a16:creationId xmlns="" xmlns:a16="http://schemas.microsoft.com/office/drawing/2014/main" id="{B7F66EE3-7EB3-2849-0715-6908BC8F51A5}"/>
+                  <a16:creationId xmlns:a16="http://schemas.microsoft.com/office/drawing/2014/main" xmlns="" id="{B7F66EE3-7EB3-2849-0715-6908BC8F51A5}"/>
                 </a:ext>
               </a:extLst>
             </p:cNvPr>
@@ -23218,7 +24461,7 @@
             <p:cNvPr id="27" name="직사각형 26">
               <a:extLst>
                 <a:ext uri="{FF2B5EF4-FFF2-40B4-BE49-F238E27FC236}">
-                  <a16:creationId xmlns="" xmlns:a16="http://schemas.microsoft.com/office/drawing/2014/main" id="{92ED0266-E221-8F33-74FD-F8F47222B8BF}"/>
+                  <a16:creationId xmlns:a16="http://schemas.microsoft.com/office/drawing/2014/main" xmlns="" id="{92ED0266-E221-8F33-74FD-F8F47222B8BF}"/>
                 </a:ext>
               </a:extLst>
             </p:cNvPr>
@@ -23273,7 +24516,7 @@
             <p:cNvPr id="29" name="TextBox 28">
               <a:extLst>
                 <a:ext uri="{FF2B5EF4-FFF2-40B4-BE49-F238E27FC236}">
-                  <a16:creationId xmlns="" xmlns:a16="http://schemas.microsoft.com/office/drawing/2014/main" id="{057F8247-84C5-55FD-EFBA-A038B0157B5E}"/>
+                  <a16:creationId xmlns:a16="http://schemas.microsoft.com/office/drawing/2014/main" xmlns="" id="{057F8247-84C5-55FD-EFBA-A038B0157B5E}"/>
                 </a:ext>
               </a:extLst>
             </p:cNvPr>
@@ -23319,7 +24562,7 @@
             <p:cNvPr id="32" name="직선 연결선 31">
               <a:extLst>
                 <a:ext uri="{FF2B5EF4-FFF2-40B4-BE49-F238E27FC236}">
-                  <a16:creationId xmlns="" xmlns:a16="http://schemas.microsoft.com/office/drawing/2014/main" id="{F2C8ABDA-AF35-BCB7-2F82-BC166FEA0698}"/>
+                  <a16:creationId xmlns:a16="http://schemas.microsoft.com/office/drawing/2014/main" xmlns="" id="{F2C8ABDA-AF35-BCB7-2F82-BC166FEA0698}"/>
                 </a:ext>
               </a:extLst>
             </p:cNvPr>
@@ -23365,7 +24608,7 @@
             <p:cNvPr id="63" name="TextBox 62">
               <a:extLst>
                 <a:ext uri="{FF2B5EF4-FFF2-40B4-BE49-F238E27FC236}">
-                  <a16:creationId xmlns="" xmlns:a16="http://schemas.microsoft.com/office/drawing/2014/main" id="{81DD0C18-5581-EE1C-1832-167FDB739922}"/>
+                  <a16:creationId xmlns:a16="http://schemas.microsoft.com/office/drawing/2014/main" xmlns="" id="{81DD0C18-5581-EE1C-1832-167FDB739922}"/>
                 </a:ext>
               </a:extLst>
             </p:cNvPr>
@@ -23419,7 +24662,7 @@
           <p:cNvPr id="5" name="직사각형 4">
             <a:extLst>
               <a:ext uri="{FF2B5EF4-FFF2-40B4-BE49-F238E27FC236}">
-                <a16:creationId xmlns="" xmlns:a16="http://schemas.microsoft.com/office/drawing/2014/main" id="{54860E5C-8634-45DF-9199-7FCB4E0BFAFA}"/>
+                <a16:creationId xmlns:a16="http://schemas.microsoft.com/office/drawing/2014/main" xmlns="" id="{54860E5C-8634-45DF-9199-7FCB4E0BFAFA}"/>
               </a:ext>
             </a:extLst>
           </p:cNvPr>
@@ -23590,7 +24833,7 @@
           <p:cNvPr id="6" name="직사각형 5">
             <a:extLst>
               <a:ext uri="{FF2B5EF4-FFF2-40B4-BE49-F238E27FC236}">
-                <a16:creationId xmlns="" xmlns:a16="http://schemas.microsoft.com/office/drawing/2014/main" id="{54860E5C-8634-45DF-9199-7FCB4E0BFAFA}"/>
+                <a16:creationId xmlns:a16="http://schemas.microsoft.com/office/drawing/2014/main" xmlns="" id="{54860E5C-8634-45DF-9199-7FCB4E0BFAFA}"/>
               </a:ext>
             </a:extLst>
           </p:cNvPr>
@@ -23745,7 +24988,7 @@
           <p:cNvPr id="8" name="직사각형 7">
             <a:extLst>
               <a:ext uri="{FF2B5EF4-FFF2-40B4-BE49-F238E27FC236}">
-                <a16:creationId xmlns="" xmlns:a16="http://schemas.microsoft.com/office/drawing/2014/main" id="{1AD68242-94FE-B3CD-52D5-E80A13D7AD5E}"/>
+                <a16:creationId xmlns:a16="http://schemas.microsoft.com/office/drawing/2014/main" xmlns="" id="{1AD68242-94FE-B3CD-52D5-E80A13D7AD5E}"/>
               </a:ext>
             </a:extLst>
           </p:cNvPr>
@@ -23916,7 +25159,7 @@
           <p:cNvPr id="9" name="직사각형 8">
             <a:extLst>
               <a:ext uri="{FF2B5EF4-FFF2-40B4-BE49-F238E27FC236}">
-                <a16:creationId xmlns="" xmlns:a16="http://schemas.microsoft.com/office/drawing/2014/main" id="{45095770-058E-DDBB-F0FF-9D5A34354B91}"/>
+                <a16:creationId xmlns:a16="http://schemas.microsoft.com/office/drawing/2014/main" xmlns="" id="{45095770-058E-DDBB-F0FF-9D5A34354B91}"/>
               </a:ext>
             </a:extLst>
           </p:cNvPr>
@@ -24071,7 +25314,7 @@
           <p:cNvPr id="11" name="직사각형 10">
             <a:extLst>
               <a:ext uri="{FF2B5EF4-FFF2-40B4-BE49-F238E27FC236}">
-                <a16:creationId xmlns="" xmlns:a16="http://schemas.microsoft.com/office/drawing/2014/main" id="{F55913DF-C783-BEEA-398B-3D471B3E3D69}"/>
+                <a16:creationId xmlns:a16="http://schemas.microsoft.com/office/drawing/2014/main" xmlns="" id="{F55913DF-C783-BEEA-398B-3D471B3E3D69}"/>
               </a:ext>
             </a:extLst>
           </p:cNvPr>
@@ -24242,7 +25485,7 @@
           <p:cNvPr id="12" name="직사각형 11">
             <a:extLst>
               <a:ext uri="{FF2B5EF4-FFF2-40B4-BE49-F238E27FC236}">
-                <a16:creationId xmlns="" xmlns:a16="http://schemas.microsoft.com/office/drawing/2014/main" id="{E4532801-1DBC-3C3D-55AE-8266F53524D8}"/>
+                <a16:creationId xmlns:a16="http://schemas.microsoft.com/office/drawing/2014/main" xmlns="" id="{E4532801-1DBC-3C3D-55AE-8266F53524D8}"/>
               </a:ext>
             </a:extLst>
           </p:cNvPr>
@@ -24397,7 +25640,7 @@
           <p:cNvPr id="13" name="직사각형 12">
             <a:extLst>
               <a:ext uri="{FF2B5EF4-FFF2-40B4-BE49-F238E27FC236}">
-                <a16:creationId xmlns="" xmlns:a16="http://schemas.microsoft.com/office/drawing/2014/main" id="{02DB0FF4-639E-85F3-96D8-BB12B942137A}"/>
+                <a16:creationId xmlns:a16="http://schemas.microsoft.com/office/drawing/2014/main" xmlns="" id="{02DB0FF4-639E-85F3-96D8-BB12B942137A}"/>
               </a:ext>
             </a:extLst>
           </p:cNvPr>
@@ -24568,7 +25811,7 @@
           <p:cNvPr id="14" name="직사각형 13">
             <a:extLst>
               <a:ext uri="{FF2B5EF4-FFF2-40B4-BE49-F238E27FC236}">
-                <a16:creationId xmlns="" xmlns:a16="http://schemas.microsoft.com/office/drawing/2014/main" id="{5E27EF27-FB79-8470-6387-BE4FCC8201BA}"/>
+                <a16:creationId xmlns:a16="http://schemas.microsoft.com/office/drawing/2014/main" xmlns="" id="{5E27EF27-FB79-8470-6387-BE4FCC8201BA}"/>
               </a:ext>
             </a:extLst>
           </p:cNvPr>
@@ -24723,7 +25966,7 @@
           <p:cNvPr id="15" name="직사각형 14">
             <a:extLst>
               <a:ext uri="{FF2B5EF4-FFF2-40B4-BE49-F238E27FC236}">
-                <a16:creationId xmlns="" xmlns:a16="http://schemas.microsoft.com/office/drawing/2014/main" id="{7FF9B5AE-F5D8-CA40-9891-0CFD94352CF8}"/>
+                <a16:creationId xmlns:a16="http://schemas.microsoft.com/office/drawing/2014/main" xmlns="" id="{7FF9B5AE-F5D8-CA40-9891-0CFD94352CF8}"/>
               </a:ext>
             </a:extLst>
           </p:cNvPr>
@@ -24894,7 +26137,7 @@
           <p:cNvPr id="16" name="직사각형 15">
             <a:extLst>
               <a:ext uri="{FF2B5EF4-FFF2-40B4-BE49-F238E27FC236}">
-                <a16:creationId xmlns="" xmlns:a16="http://schemas.microsoft.com/office/drawing/2014/main" id="{97B20820-3417-DC70-B4A4-A09E46BD6618}"/>
+                <a16:creationId xmlns:a16="http://schemas.microsoft.com/office/drawing/2014/main" xmlns="" id="{97B20820-3417-DC70-B4A4-A09E46BD6618}"/>
               </a:ext>
             </a:extLst>
           </p:cNvPr>
@@ -25049,7 +26292,7 @@
           <p:cNvPr id="19" name="사각형: 둥근 모서리 18">
             <a:extLst>
               <a:ext uri="{FF2B5EF4-FFF2-40B4-BE49-F238E27FC236}">
-                <a16:creationId xmlns="" xmlns:a16="http://schemas.microsoft.com/office/drawing/2014/main" id="{4A4CF474-71DA-44AA-96A6-BA13DF6AE7AC}"/>
+                <a16:creationId xmlns:a16="http://schemas.microsoft.com/office/drawing/2014/main" xmlns="" id="{4A4CF474-71DA-44AA-96A6-BA13DF6AE7AC}"/>
               </a:ext>
             </a:extLst>
           </p:cNvPr>
@@ -25212,7 +26455,7 @@
           <p:cNvPr id="20" name="사각형: 둥근 모서리 19">
             <a:extLst>
               <a:ext uri="{FF2B5EF4-FFF2-40B4-BE49-F238E27FC236}">
-                <a16:creationId xmlns="" xmlns:a16="http://schemas.microsoft.com/office/drawing/2014/main" id="{FC4725EF-1A05-1DD7-AB89-9EF2A34A888F}"/>
+                <a16:creationId xmlns:a16="http://schemas.microsoft.com/office/drawing/2014/main" xmlns="" id="{FC4725EF-1A05-1DD7-AB89-9EF2A34A888F}"/>
               </a:ext>
             </a:extLst>
           </p:cNvPr>
@@ -25375,7 +26618,7 @@
           <p:cNvPr id="21" name="사각형: 둥근 모서리 20">
             <a:extLst>
               <a:ext uri="{FF2B5EF4-FFF2-40B4-BE49-F238E27FC236}">
-                <a16:creationId xmlns="" xmlns:a16="http://schemas.microsoft.com/office/drawing/2014/main" id="{0A5A8926-2F14-F8D1-41E3-3ABEB678B4D2}"/>
+                <a16:creationId xmlns:a16="http://schemas.microsoft.com/office/drawing/2014/main" xmlns="" id="{0A5A8926-2F14-F8D1-41E3-3ABEB678B4D2}"/>
               </a:ext>
             </a:extLst>
           </p:cNvPr>
@@ -25560,7 +26803,7 @@
           <p:cNvPr id="22" name="사각형: 둥근 모서리 21">
             <a:extLst>
               <a:ext uri="{FF2B5EF4-FFF2-40B4-BE49-F238E27FC236}">
-                <a16:creationId xmlns="" xmlns:a16="http://schemas.microsoft.com/office/drawing/2014/main" id="{BB7C5F7B-4AAD-1B95-A2C7-E9FF0DA9F4BA}"/>
+                <a16:creationId xmlns:a16="http://schemas.microsoft.com/office/drawing/2014/main" xmlns="" id="{BB7C5F7B-4AAD-1B95-A2C7-E9FF0DA9F4BA}"/>
               </a:ext>
             </a:extLst>
           </p:cNvPr>
@@ -25723,7 +26966,7 @@
           <p:cNvPr id="25" name="사각형: 둥근 모서리 24">
             <a:extLst>
               <a:ext uri="{FF2B5EF4-FFF2-40B4-BE49-F238E27FC236}">
-                <a16:creationId xmlns="" xmlns:a16="http://schemas.microsoft.com/office/drawing/2014/main" id="{6DD403BA-C41D-3DEB-62E9-0669BD25B68C}"/>
+                <a16:creationId xmlns:a16="http://schemas.microsoft.com/office/drawing/2014/main" xmlns="" id="{6DD403BA-C41D-3DEB-62E9-0669BD25B68C}"/>
               </a:ext>
             </a:extLst>
           </p:cNvPr>
@@ -25886,7 +27129,7 @@
           <p:cNvPr id="26" name="직사각형 25">
             <a:extLst>
               <a:ext uri="{FF2B5EF4-FFF2-40B4-BE49-F238E27FC236}">
-                <a16:creationId xmlns="" xmlns:a16="http://schemas.microsoft.com/office/drawing/2014/main" id="{0DA7605F-2A7C-A259-3036-37D3D8105916}"/>
+                <a16:creationId xmlns:a16="http://schemas.microsoft.com/office/drawing/2014/main" xmlns="" id="{0DA7605F-2A7C-A259-3036-37D3D8105916}"/>
               </a:ext>
             </a:extLst>
           </p:cNvPr>
@@ -26057,7 +27300,7 @@
           <p:cNvPr id="28" name="직사각형 27">
             <a:extLst>
               <a:ext uri="{FF2B5EF4-FFF2-40B4-BE49-F238E27FC236}">
-                <a16:creationId xmlns="" xmlns:a16="http://schemas.microsoft.com/office/drawing/2014/main" id="{5B454EF7-F26B-AC5E-9A7B-248436289A73}"/>
+                <a16:creationId xmlns:a16="http://schemas.microsoft.com/office/drawing/2014/main" xmlns="" id="{5B454EF7-F26B-AC5E-9A7B-248436289A73}"/>
               </a:ext>
             </a:extLst>
           </p:cNvPr>
@@ -26212,7 +27455,7 @@
           <p:cNvPr id="30" name="사각형: 둥근 모서리 29">
             <a:extLst>
               <a:ext uri="{FF2B5EF4-FFF2-40B4-BE49-F238E27FC236}">
-                <a16:creationId xmlns="" xmlns:a16="http://schemas.microsoft.com/office/drawing/2014/main" id="{F2824901-7A54-B5FA-69B7-3A6A44A3F76C}"/>
+                <a16:creationId xmlns:a16="http://schemas.microsoft.com/office/drawing/2014/main" xmlns="" id="{F2824901-7A54-B5FA-69B7-3A6A44A3F76C}"/>
               </a:ext>
             </a:extLst>
           </p:cNvPr>
@@ -26375,7 +27618,7 @@
           <p:cNvPr id="31" name="직사각형 30">
             <a:extLst>
               <a:ext uri="{FF2B5EF4-FFF2-40B4-BE49-F238E27FC236}">
-                <a16:creationId xmlns="" xmlns:a16="http://schemas.microsoft.com/office/drawing/2014/main" id="{B042348A-ADA5-9249-8483-4913C5C27B99}"/>
+                <a16:creationId xmlns:a16="http://schemas.microsoft.com/office/drawing/2014/main" xmlns="" id="{B042348A-ADA5-9249-8483-4913C5C27B99}"/>
               </a:ext>
             </a:extLst>
           </p:cNvPr>
@@ -26546,7 +27789,7 @@
           <p:cNvPr id="33" name="직사각형 32">
             <a:extLst>
               <a:ext uri="{FF2B5EF4-FFF2-40B4-BE49-F238E27FC236}">
-                <a16:creationId xmlns="" xmlns:a16="http://schemas.microsoft.com/office/drawing/2014/main" id="{DFAF1748-056C-98A3-13AF-ADBF272B4436}"/>
+                <a16:creationId xmlns:a16="http://schemas.microsoft.com/office/drawing/2014/main" xmlns="" id="{DFAF1748-056C-98A3-13AF-ADBF272B4436}"/>
               </a:ext>
             </a:extLst>
           </p:cNvPr>
@@ -26701,7 +27944,7 @@
           <p:cNvPr id="34" name="사각형: 둥근 모서리 33">
             <a:extLst>
               <a:ext uri="{FF2B5EF4-FFF2-40B4-BE49-F238E27FC236}">
-                <a16:creationId xmlns="" xmlns:a16="http://schemas.microsoft.com/office/drawing/2014/main" id="{98C6E6D8-F0B1-4E61-A843-732ED0BEF402}"/>
+                <a16:creationId xmlns:a16="http://schemas.microsoft.com/office/drawing/2014/main" xmlns="" id="{98C6E6D8-F0B1-4E61-A843-732ED0BEF402}"/>
               </a:ext>
             </a:extLst>
           </p:cNvPr>
@@ -26898,6 +28141,120 @@
       </p:grpSpPr>
       <p:sp>
         <p:nvSpPr>
+          <p:cNvPr id="2" name="제목 1"/>
+          <p:cNvSpPr>
+            <a:spLocks noGrp="1"/>
+          </p:cNvSpPr>
+          <p:nvPr>
+            <p:ph type="title"/>
+          </p:nvPr>
+        </p:nvSpPr>
+        <p:spPr/>
+        <p:txBody>
+          <a:bodyPr/>
+          <a:lstStyle/>
+          <a:p>
+            <a:r>
+              <a:rPr lang="en-US" altLang="ko-KR" dirty="0" smtClean="0"/>
+              <a:t>DB</a:t>
+            </a:r>
+            <a:r>
+              <a:rPr lang="ko-KR" altLang="en-US" dirty="0" smtClean="0"/>
+              <a:t>설계</a:t>
+            </a:r>
+            <a:endParaRPr lang="ko-KR" altLang="en-US" dirty="0"/>
+          </a:p>
+        </p:txBody>
+      </p:sp>
+      <p:sp>
+        <p:nvSpPr>
+          <p:cNvPr id="3" name="텍스트 개체 틀 2"/>
+          <p:cNvSpPr>
+            <a:spLocks noGrp="1"/>
+          </p:cNvSpPr>
+          <p:nvPr>
+            <p:ph type="body" sz="quarter" idx="13"/>
+          </p:nvPr>
+        </p:nvSpPr>
+        <p:spPr/>
+        <p:txBody>
+          <a:bodyPr>
+            <a:normAutofit lnSpcReduction="10000"/>
+          </a:bodyPr>
+          <a:lstStyle/>
+          <a:p>
+            <a:r>
+              <a:rPr lang="en-US" altLang="ko-KR" dirty="0" smtClean="0"/>
+              <a:t>DB</a:t>
+            </a:r>
+            <a:r>
+              <a:rPr lang="ko-KR" altLang="en-US" dirty="0" smtClean="0"/>
+              <a:t>테이블 </a:t>
+            </a:r>
+            <a:r>
+              <a:rPr lang="en-US" altLang="ko-KR" dirty="0" smtClean="0"/>
+              <a:t>ERD</a:t>
+            </a:r>
+            <a:endParaRPr lang="ko-KR" altLang="en-US" dirty="0"/>
+          </a:p>
+        </p:txBody>
+      </p:sp>
+      <p:pic>
+        <p:nvPicPr>
+          <p:cNvPr id="4" name="그림 3"/>
+          <p:cNvPicPr>
+            <a:picLocks noChangeAspect="1"/>
+          </p:cNvPicPr>
+          <p:nvPr/>
+        </p:nvPicPr>
+        <p:blipFill>
+          <a:blip r:embed="rId2"/>
+          <a:stretch>
+            <a:fillRect/>
+          </a:stretch>
+        </p:blipFill>
+        <p:spPr>
+          <a:xfrm>
+            <a:off x="1187624" y="322727"/>
+            <a:ext cx="7845371" cy="4820773"/>
+          </a:xfrm>
+          <a:prstGeom prst="rect">
+            <a:avLst/>
+          </a:prstGeom>
+        </p:spPr>
+      </p:pic>
+    </p:spTree>
+    <p:extLst>
+      <p:ext uri="{BB962C8B-B14F-4D97-AF65-F5344CB8AC3E}">
+        <p14:creationId xmlns:p14="http://schemas.microsoft.com/office/powerpoint/2010/main" val="1296361452"/>
+      </p:ext>
+    </p:extLst>
+  </p:cSld>
+  <p:clrMapOvr>
+    <a:masterClrMapping/>
+  </p:clrMapOvr>
+</p:sld>
+</file>
+
+<file path=ppt/slides/slide5.xml><?xml version="1.0" encoding="utf-8"?>
+<p:sld xmlns:a="http://schemas.openxmlformats.org/drawingml/2006/main" xmlns:r="http://schemas.openxmlformats.org/officeDocument/2006/relationships" xmlns:p="http://schemas.openxmlformats.org/presentationml/2006/main">
+  <p:cSld>
+    <p:spTree>
+      <p:nvGrpSpPr>
+        <p:cNvPr id="1" name=""/>
+        <p:cNvGrpSpPr/>
+        <p:nvPr/>
+      </p:nvGrpSpPr>
+      <p:grpSpPr>
+        <a:xfrm>
+          <a:off x="0" y="0"/>
+          <a:ext cx="0" cy="0"/>
+          <a:chOff x="0" y="0"/>
+          <a:chExt cx="0" cy="0"/>
+        </a:xfrm>
+      </p:grpSpPr>
+      <p:sp>
+        <p:nvSpPr>
           <p:cNvPr id="4" name="제목 3"/>
           <p:cNvSpPr>
             <a:spLocks noGrp="1"/>
@@ -26939,7 +28296,7 @@
 </p:sld>
 </file>
 
-<file path=ppt/slides/slide5.xml><?xml version="1.0" encoding="utf-8"?>
+<file path=ppt/slides/slide6.xml><?xml version="1.0" encoding="utf-8"?>
 <p:sld xmlns:a="http://schemas.openxmlformats.org/drawingml/2006/main" xmlns:r="http://schemas.openxmlformats.org/officeDocument/2006/relationships" xmlns:p="http://schemas.openxmlformats.org/presentationml/2006/main">
   <p:cSld>
     <p:spTree>
@@ -27254,7 +28611,7 @@
 </p:sld>
 </file>
 
-<file path=ppt/slides/slide6.xml><?xml version="1.0" encoding="utf-8"?>
+<file path=ppt/slides/slide7.xml><?xml version="1.0" encoding="utf-8"?>
 <p:sld xmlns:a="http://schemas.openxmlformats.org/drawingml/2006/main" xmlns:r="http://schemas.openxmlformats.org/officeDocument/2006/relationships" xmlns:p="http://schemas.openxmlformats.org/presentationml/2006/main">
   <p:cSld>
     <p:spTree>
@@ -27574,7 +28931,7 @@
 </p:sld>
 </file>
 
-<file path=ppt/slides/slide7.xml><?xml version="1.0" encoding="utf-8"?>
+<file path=ppt/slides/slide8.xml><?xml version="1.0" encoding="utf-8"?>
 <p:sld xmlns:a="http://schemas.openxmlformats.org/drawingml/2006/main" xmlns:r="http://schemas.openxmlformats.org/officeDocument/2006/relationships" xmlns:p="http://schemas.openxmlformats.org/presentationml/2006/main">
   <p:cSld>
     <p:spTree>
@@ -27935,7 +29292,7 @@
 </p:sld>
 </file>
 
-<file path=ppt/slides/slide8.xml><?xml version="1.0" encoding="utf-8"?>
+<file path=ppt/slides/slide9.xml><?xml version="1.0" encoding="utf-8"?>
 <p:sld xmlns:a="http://schemas.openxmlformats.org/drawingml/2006/main" xmlns:r="http://schemas.openxmlformats.org/officeDocument/2006/relationships" xmlns:p="http://schemas.openxmlformats.org/presentationml/2006/main">
   <p:cSld>
     <p:spTree>
@@ -28147,327 +29504,6 @@
     <p:extLst>
       <p:ext uri="{BB962C8B-B14F-4D97-AF65-F5344CB8AC3E}">
         <p14:creationId xmlns:p14="http://schemas.microsoft.com/office/powerpoint/2010/main" val="1004381144"/>
-      </p:ext>
-    </p:extLst>
-  </p:cSld>
-  <p:clrMapOvr>
-    <a:masterClrMapping/>
-  </p:clrMapOvr>
-  <p:timing>
-    <p:tnLst>
-      <p:par>
-        <p:cTn id="1" dur="indefinite" restart="never" nodeType="tmRoot"/>
-      </p:par>
-    </p:tnLst>
-  </p:timing>
-</p:sld>
-</file>
-
-<file path=ppt/slides/slide9.xml><?xml version="1.0" encoding="utf-8"?>
-<p:sld xmlns:a="http://schemas.openxmlformats.org/drawingml/2006/main" xmlns:r="http://schemas.openxmlformats.org/officeDocument/2006/relationships" xmlns:p="http://schemas.openxmlformats.org/presentationml/2006/main">
-  <p:cSld>
-    <p:spTree>
-      <p:nvGrpSpPr>
-        <p:cNvPr id="1" name=""/>
-        <p:cNvGrpSpPr/>
-        <p:nvPr/>
-      </p:nvGrpSpPr>
-      <p:grpSpPr>
-        <a:xfrm>
-          <a:off x="0" y="0"/>
-          <a:ext cx="0" cy="0"/>
-          <a:chOff x="0" y="0"/>
-          <a:chExt cx="0" cy="0"/>
-        </a:xfrm>
-      </p:grpSpPr>
-      <p:sp>
-        <p:nvSpPr>
-          <p:cNvPr id="2" name="제목 1"/>
-          <p:cNvSpPr>
-            <a:spLocks noGrp="1"/>
-          </p:cNvSpPr>
-          <p:nvPr>
-            <p:ph type="title"/>
-          </p:nvPr>
-        </p:nvSpPr>
-        <p:spPr/>
-        <p:txBody>
-          <a:bodyPr>
-            <a:normAutofit/>
-          </a:bodyPr>
-          <a:lstStyle/>
-          <a:p>
-            <a:r>
-              <a:rPr lang="ko-KR" altLang="en-US" dirty="0" smtClean="0"/>
-              <a:t>퇴사 정보</a:t>
-            </a:r>
-            <a:endParaRPr lang="ko-KR" altLang="en-US" dirty="0"/>
-          </a:p>
-        </p:txBody>
-      </p:sp>
-      <p:sp>
-        <p:nvSpPr>
-          <p:cNvPr id="3" name="텍스트 개체 틀 2"/>
-          <p:cNvSpPr>
-            <a:spLocks noGrp="1"/>
-          </p:cNvSpPr>
-          <p:nvPr>
-            <p:ph type="body" sz="quarter" idx="13"/>
-          </p:nvPr>
-        </p:nvSpPr>
-        <p:spPr/>
-        <p:txBody>
-          <a:bodyPr>
-            <a:normAutofit lnSpcReduction="10000"/>
-          </a:bodyPr>
-          <a:lstStyle/>
-          <a:p>
-            <a:r>
-              <a:rPr lang="ko-KR" altLang="en-US" dirty="0" smtClean="0"/>
-              <a:t>퇴사 신청 상태 변경</a:t>
-            </a:r>
-            <a:endParaRPr lang="ko-KR" altLang="en-US" dirty="0"/>
-          </a:p>
-        </p:txBody>
-      </p:sp>
-      <p:pic>
-        <p:nvPicPr>
-          <p:cNvPr id="4" name="그림 3"/>
-          <p:cNvPicPr>
-            <a:picLocks noChangeAspect="1"/>
-          </p:cNvPicPr>
-          <p:nvPr/>
-        </p:nvPicPr>
-        <p:blipFill>
-          <a:blip r:embed="rId3"/>
-          <a:stretch>
-            <a:fillRect/>
-          </a:stretch>
-        </p:blipFill>
-        <p:spPr>
-          <a:xfrm>
-            <a:off x="2309111" y="2066537"/>
-            <a:ext cx="5422181" cy="356636"/>
-          </a:xfrm>
-          <a:prstGeom prst="rect">
-            <a:avLst/>
-          </a:prstGeom>
-          <a:ln>
-            <a:solidFill>
-              <a:srgbClr val="003D91"/>
-            </a:solidFill>
-          </a:ln>
-        </p:spPr>
-      </p:pic>
-      <p:pic>
-        <p:nvPicPr>
-          <p:cNvPr id="5" name="그림 4"/>
-          <p:cNvPicPr>
-            <a:picLocks noChangeAspect="1"/>
-          </p:cNvPicPr>
-          <p:nvPr/>
-        </p:nvPicPr>
-        <p:blipFill>
-          <a:blip r:embed="rId4"/>
-          <a:stretch>
-            <a:fillRect/>
-          </a:stretch>
-        </p:blipFill>
-        <p:spPr>
-          <a:xfrm>
-            <a:off x="2285664" y="2507973"/>
-            <a:ext cx="6647004" cy="2918510"/>
-          </a:xfrm>
-          <a:prstGeom prst="rect">
-            <a:avLst/>
-          </a:prstGeom>
-          <a:ln>
-            <a:solidFill>
-              <a:srgbClr val="003D91"/>
-            </a:solidFill>
-          </a:ln>
-        </p:spPr>
-      </p:pic>
-      <p:sp>
-        <p:nvSpPr>
-          <p:cNvPr id="6" name="TextBox 5"/>
-          <p:cNvSpPr txBox="1"/>
-          <p:nvPr/>
-        </p:nvSpPr>
-        <p:spPr>
-          <a:xfrm>
-            <a:off x="179512" y="1210405"/>
-            <a:ext cx="2051720" cy="338554"/>
-          </a:xfrm>
-          <a:prstGeom prst="rect">
-            <a:avLst/>
-          </a:prstGeom>
-          <a:solidFill>
-            <a:schemeClr val="bg1">
-              <a:lumMod val="95000"/>
-              <a:alpha val="50000"/>
-            </a:schemeClr>
-          </a:solidFill>
-        </p:spPr>
-        <p:txBody>
-          <a:bodyPr wrap="square" rtlCol="0">
-            <a:spAutoFit/>
-          </a:bodyPr>
-          <a:lstStyle/>
-          <a:p>
-            <a:pPr algn="ctr"/>
-            <a:r>
-              <a:rPr lang="ko-KR" altLang="en-US" sz="1600" dirty="0" smtClean="0">
-                <a:solidFill>
-                  <a:srgbClr val="003D91"/>
-                </a:solidFill>
-                <a:latin typeface="a아시아헤드1" panose="02020600000000000000" pitchFamily="18" charset="-127"/>
-                <a:ea typeface="a아시아헤드1" panose="02020600000000000000" pitchFamily="18" charset="-127"/>
-              </a:rPr>
-              <a:t>실행화면</a:t>
-            </a:r>
-            <a:endParaRPr lang="en-US" altLang="ko-KR" sz="1600" dirty="0" smtClean="0">
-              <a:solidFill>
-                <a:srgbClr val="003D91"/>
-              </a:solidFill>
-              <a:latin typeface="a아시아헤드1" panose="02020600000000000000" pitchFamily="18" charset="-127"/>
-              <a:ea typeface="a아시아헤드1" panose="02020600000000000000" pitchFamily="18" charset="-127"/>
-            </a:endParaRPr>
-          </a:p>
-        </p:txBody>
-      </p:sp>
-      <p:sp>
-        <p:nvSpPr>
-          <p:cNvPr id="7" name="TextBox 6"/>
-          <p:cNvSpPr txBox="1"/>
-          <p:nvPr/>
-        </p:nvSpPr>
-        <p:spPr>
-          <a:xfrm>
-            <a:off x="174703" y="2068102"/>
-            <a:ext cx="2051720" cy="338554"/>
-          </a:xfrm>
-          <a:prstGeom prst="rect">
-            <a:avLst/>
-          </a:prstGeom>
-          <a:solidFill>
-            <a:schemeClr val="bg1">
-              <a:lumMod val="95000"/>
-              <a:alpha val="50000"/>
-            </a:schemeClr>
-          </a:solidFill>
-        </p:spPr>
-        <p:txBody>
-          <a:bodyPr wrap="square" rtlCol="0">
-            <a:spAutoFit/>
-          </a:bodyPr>
-          <a:lstStyle/>
-          <a:p>
-            <a:pPr algn="ctr"/>
-            <a:r>
-              <a:rPr lang="en-US" altLang="ko-KR" sz="1600" dirty="0" smtClean="0">
-                <a:solidFill>
-                  <a:srgbClr val="003D91"/>
-                </a:solidFill>
-                <a:latin typeface="a아시아헤드1" panose="02020600000000000000" pitchFamily="18" charset="-127"/>
-                <a:ea typeface="a아시아헤드1" panose="02020600000000000000" pitchFamily="18" charset="-127"/>
-              </a:rPr>
-              <a:t>SQL</a:t>
-            </a:r>
-          </a:p>
-        </p:txBody>
-      </p:sp>
-      <p:sp>
-        <p:nvSpPr>
-          <p:cNvPr id="8" name="TextBox 7"/>
-          <p:cNvSpPr txBox="1"/>
-          <p:nvPr/>
-        </p:nvSpPr>
-        <p:spPr>
-          <a:xfrm>
-            <a:off x="174703" y="2504952"/>
-            <a:ext cx="2051720" cy="338554"/>
-          </a:xfrm>
-          <a:prstGeom prst="rect">
-            <a:avLst/>
-          </a:prstGeom>
-          <a:solidFill>
-            <a:schemeClr val="bg1">
-              <a:lumMod val="95000"/>
-              <a:alpha val="50000"/>
-            </a:schemeClr>
-          </a:solidFill>
-        </p:spPr>
-        <p:txBody>
-          <a:bodyPr wrap="square" rtlCol="0">
-            <a:spAutoFit/>
-          </a:bodyPr>
-          <a:lstStyle/>
-          <a:p>
-            <a:pPr algn="ctr"/>
-            <a:r>
-              <a:rPr lang="ko-KR" altLang="en-US" sz="1600" dirty="0" smtClean="0">
-                <a:solidFill>
-                  <a:srgbClr val="003D91"/>
-                </a:solidFill>
-                <a:latin typeface="a아시아헤드1" panose="02020600000000000000" pitchFamily="18" charset="-127"/>
-                <a:ea typeface="a아시아헤드1" panose="02020600000000000000" pitchFamily="18" charset="-127"/>
-              </a:rPr>
-              <a:t>실행 </a:t>
-            </a:r>
-            <a:r>
-              <a:rPr lang="ko-KR" altLang="en-US" sz="1600" dirty="0" err="1" smtClean="0">
-                <a:solidFill>
-                  <a:srgbClr val="003D91"/>
-                </a:solidFill>
-                <a:latin typeface="a아시아헤드1" panose="02020600000000000000" pitchFamily="18" charset="-127"/>
-                <a:ea typeface="a아시아헤드1" panose="02020600000000000000" pitchFamily="18" charset="-127"/>
-              </a:rPr>
-              <a:t>메소드</a:t>
-            </a:r>
-            <a:endParaRPr lang="en-US" altLang="ko-KR" sz="1600" dirty="0" smtClean="0">
-              <a:solidFill>
-                <a:srgbClr val="003D91"/>
-              </a:solidFill>
-              <a:latin typeface="a아시아헤드1" panose="02020600000000000000" pitchFamily="18" charset="-127"/>
-              <a:ea typeface="a아시아헤드1" panose="02020600000000000000" pitchFamily="18" charset="-127"/>
-            </a:endParaRPr>
-          </a:p>
-        </p:txBody>
-      </p:sp>
-      <p:pic>
-        <p:nvPicPr>
-          <p:cNvPr id="9" name="그림 8"/>
-          <p:cNvPicPr>
-            <a:picLocks noChangeAspect="1"/>
-          </p:cNvPicPr>
-          <p:nvPr/>
-        </p:nvPicPr>
-        <p:blipFill>
-          <a:blip r:embed="rId5"/>
-          <a:stretch>
-            <a:fillRect/>
-          </a:stretch>
-        </p:blipFill>
-        <p:spPr>
-          <a:xfrm>
-            <a:off x="2309111" y="491631"/>
-            <a:ext cx="4396755" cy="1437548"/>
-          </a:xfrm>
-          <a:prstGeom prst="rect">
-            <a:avLst/>
-          </a:prstGeom>
-          <a:ln>
-            <a:solidFill>
-              <a:srgbClr val="003D91"/>
-            </a:solidFill>
-          </a:ln>
-        </p:spPr>
-      </p:pic>
-    </p:spTree>
-    <p:extLst>
-      <p:ext uri="{BB962C8B-B14F-4D97-AF65-F5344CB8AC3E}">
-        <p14:creationId xmlns:p14="http://schemas.microsoft.com/office/powerpoint/2010/main" val="2849236898"/>
       </p:ext>
     </p:extLst>
   </p:cSld>

--- a/인사-교육,복지,퇴사파트-김세영.pptx
+++ b/인사-교육,복지,퇴사파트-김세영.pptx
@@ -5,12 +5,12 @@
     <p:sldMasterId id="2147483648" r:id="rId1"/>
   </p:sldMasterIdLst>
   <p:notesMasterIdLst>
-    <p:notesMasterId r:id="rId18"/>
+    <p:notesMasterId r:id="rId19"/>
   </p:notesMasterIdLst>
   <p:sldIdLst>
     <p:sldId id="332" r:id="rId2"/>
-    <p:sldId id="270" r:id="rId3"/>
-    <p:sldId id="331" r:id="rId4"/>
+    <p:sldId id="335" r:id="rId3"/>
+    <p:sldId id="336" r:id="rId4"/>
     <p:sldId id="333" r:id="rId5"/>
     <p:sldId id="316" r:id="rId6"/>
     <p:sldId id="325" r:id="rId7"/>
@@ -20,10 +20,11 @@
     <p:sldId id="329" r:id="rId11"/>
     <p:sldId id="330" r:id="rId12"/>
     <p:sldId id="322" r:id="rId13"/>
-    <p:sldId id="311" r:id="rId14"/>
-    <p:sldId id="312" r:id="rId15"/>
-    <p:sldId id="334" r:id="rId16"/>
-    <p:sldId id="313" r:id="rId17"/>
+    <p:sldId id="337" r:id="rId14"/>
+    <p:sldId id="311" r:id="rId15"/>
+    <p:sldId id="312" r:id="rId16"/>
+    <p:sldId id="334" r:id="rId17"/>
+    <p:sldId id="313" r:id="rId18"/>
   </p:sldIdLst>
   <p:sldSz cx="9144000" cy="5143500" type="screen16x9"/>
   <p:notesSz cx="6858000" cy="9144000"/>
@@ -9847,38 +9848,38 @@
           <a:p>
             <a:pPr lvl="0"/>
             <a:r>
-              <a:rPr lang="ko-KR" altLang="en-US" smtClean="0"/>
+              <a:rPr lang="ko-KR" altLang="en-US" dirty="0" smtClean="0"/>
               <a:t>마스터 텍스트 스타일을 편집합니다</a:t>
             </a:r>
           </a:p>
           <a:p>
             <a:pPr lvl="1"/>
             <a:r>
-              <a:rPr lang="ko-KR" altLang="en-US" smtClean="0"/>
+              <a:rPr lang="ko-KR" altLang="en-US" dirty="0" smtClean="0"/>
               <a:t>둘째 수준</a:t>
             </a:r>
           </a:p>
           <a:p>
             <a:pPr lvl="2"/>
             <a:r>
-              <a:rPr lang="ko-KR" altLang="en-US" smtClean="0"/>
+              <a:rPr lang="ko-KR" altLang="en-US" dirty="0" smtClean="0"/>
               <a:t>셋째 수준</a:t>
             </a:r>
           </a:p>
           <a:p>
             <a:pPr lvl="3"/>
             <a:r>
-              <a:rPr lang="ko-KR" altLang="en-US" smtClean="0"/>
+              <a:rPr lang="ko-KR" altLang="en-US" dirty="0" smtClean="0"/>
               <a:t>넷째 수준</a:t>
             </a:r>
           </a:p>
           <a:p>
             <a:pPr lvl="4"/>
             <a:r>
-              <a:rPr lang="ko-KR" altLang="en-US" smtClean="0"/>
+              <a:rPr lang="ko-KR" altLang="en-US" dirty="0" smtClean="0"/>
               <a:t>다섯째 수준</a:t>
             </a:r>
-            <a:endParaRPr lang="ko-KR" altLang="en-US"/>
+            <a:endParaRPr lang="ko-KR" altLang="en-US" dirty="0"/>
           </a:p>
         </p:txBody>
       </p:sp>
@@ -9959,7 +9960,7 @@
   <p:clrMap bg1="lt1" tx1="dk1" bg2="lt2" tx2="dk2" accent1="accent1" accent2="accent2" accent3="accent3" accent4="accent4" accent5="accent5" accent6="accent6" hlink="hlink" folHlink="folHlink"/>
   <p:notesStyle>
     <a:lvl1pPr marL="0" algn="l" defTabSz="914400" rtl="0" eaLnBrk="1" latinLnBrk="1" hangingPunct="1">
-      <a:defRPr sz="1200" kern="1200">
+      <a:defRPr sz="1400" kern="1200">
         <a:solidFill>
           <a:schemeClr val="tx1"/>
         </a:solidFill>
@@ -9969,7 +9970,7 @@
       </a:defRPr>
     </a:lvl1pPr>
     <a:lvl2pPr marL="457200" algn="l" defTabSz="914400" rtl="0" eaLnBrk="1" latinLnBrk="1" hangingPunct="1">
-      <a:defRPr sz="1200" kern="1200">
+      <a:defRPr sz="1400" kern="1200">
         <a:solidFill>
           <a:schemeClr val="tx1"/>
         </a:solidFill>
@@ -9979,7 +9980,7 @@
       </a:defRPr>
     </a:lvl2pPr>
     <a:lvl3pPr marL="914400" algn="l" defTabSz="914400" rtl="0" eaLnBrk="1" latinLnBrk="1" hangingPunct="1">
-      <a:defRPr sz="1200" kern="1200">
+      <a:defRPr sz="1400" kern="1200">
         <a:solidFill>
           <a:schemeClr val="tx1"/>
         </a:solidFill>
@@ -9989,7 +9990,7 @@
       </a:defRPr>
     </a:lvl3pPr>
     <a:lvl4pPr marL="1371600" algn="l" defTabSz="914400" rtl="0" eaLnBrk="1" latinLnBrk="1" hangingPunct="1">
-      <a:defRPr sz="1200" kern="1200">
+      <a:defRPr sz="1400" kern="1200">
         <a:solidFill>
           <a:schemeClr val="tx1"/>
         </a:solidFill>
@@ -9999,7 +10000,7 @@
       </a:defRPr>
     </a:lvl4pPr>
     <a:lvl5pPr marL="1828800" algn="l" defTabSz="914400" rtl="0" eaLnBrk="1" latinLnBrk="1" hangingPunct="1">
-      <a:defRPr sz="1200" kern="1200">
+      <a:defRPr sz="1400" kern="1200">
         <a:solidFill>
           <a:schemeClr val="tx1"/>
         </a:solidFill>
@@ -10096,31 +10097,7 @@
           <a:bodyPr/>
           <a:lstStyle/>
           <a:p>
-            <a:r>
-              <a:rPr lang="ko-KR" altLang="en-US" dirty="0" smtClean="0"/>
-              <a:t>개인 일정계획입니다</a:t>
-            </a:r>
-            <a:r>
-              <a:rPr lang="en-US" altLang="ko-KR" dirty="0" smtClean="0"/>
-              <a:t>. </a:t>
-            </a:r>
-            <a:r>
-              <a:rPr lang="ko-KR" altLang="en-US" dirty="0" smtClean="0"/>
-              <a:t>주중에 조금씩 밀리는 부분은 다음날 이어서 하다가 주말을 이용해서 일정을 따라 잡아서 </a:t>
-            </a:r>
-            <a:r>
-              <a:rPr lang="ko-KR" altLang="en-US" dirty="0" err="1" smtClean="0"/>
-              <a:t>계획한만큼</a:t>
-            </a:r>
-            <a:r>
-              <a:rPr lang="ko-KR" altLang="en-US" dirty="0" smtClean="0"/>
-              <a:t> 모두 진행했습니다</a:t>
-            </a:r>
-            <a:r>
-              <a:rPr lang="en-US" altLang="ko-KR" dirty="0" smtClean="0"/>
-              <a:t>.</a:t>
-            </a:r>
-            <a:endParaRPr lang="ko-KR" altLang="en-US" dirty="0"/>
+            <a:endParaRPr lang="ko-KR" altLang="en-US"/>
           </a:p>
         </p:txBody>
       </p:sp>
@@ -10142,7 +10119,7 @@
             <a:fld id="{0217327B-F913-468E-89AE-6D76E5DDF623}" type="slidenum">
               <a:rPr lang="ko-KR" altLang="en-US" smtClean="0"/>
               <a:pPr/>
-              <a:t>2</a:t>
+              <a:t>1</a:t>
             </a:fld>
             <a:endParaRPr lang="ko-KR" altLang="en-US"/>
           </a:p>
@@ -10151,7 +10128,7 @@
     </p:spTree>
     <p:extLst>
       <p:ext uri="{BB962C8B-B14F-4D97-AF65-F5344CB8AC3E}">
-        <p14:creationId xmlns:p14="http://schemas.microsoft.com/office/powerpoint/2010/main" val="1756786767"/>
+        <p14:creationId xmlns:p14="http://schemas.microsoft.com/office/powerpoint/2010/main" val="2982518719"/>
       </p:ext>
     </p:extLst>
   </p:cSld>
@@ -10207,85 +10184,51 @@
           <a:p>
             <a:r>
               <a:rPr lang="ko-KR" altLang="en-US" dirty="0" smtClean="0"/>
-              <a:t>선택한 필터 조건에 맞게 </a:t>
-            </a:r>
-            <a:r>
-              <a:rPr lang="ko-KR" altLang="en-US" dirty="0" err="1" smtClean="0"/>
-              <a:t>신청할때</a:t>
+              <a:t>퇴사 상태 변경 기능입니다</a:t>
+            </a:r>
+            <a:r>
+              <a:rPr lang="en-US" altLang="ko-KR" dirty="0" smtClean="0"/>
+              <a:t>. </a:t>
             </a:r>
             <a:r>
               <a:rPr lang="ko-KR" altLang="en-US" dirty="0" smtClean="0"/>
-              <a:t> 사용하는 </a:t>
-            </a:r>
-            <a:r>
-              <a:rPr lang="en-US" altLang="ko-KR" dirty="0" err="1" smtClean="0"/>
-              <a:t>sql</a:t>
-            </a:r>
-            <a:r>
-              <a:rPr lang="ko-KR" altLang="en-US" dirty="0" smtClean="0"/>
-              <a:t>문이 </a:t>
-            </a:r>
-            <a:r>
-              <a:rPr lang="ko-KR" altLang="en-US" dirty="0" err="1" smtClean="0"/>
-              <a:t>편집되서</a:t>
-            </a:r>
-            <a:r>
-              <a:rPr lang="ko-KR" altLang="en-US" dirty="0" smtClean="0"/>
-              <a:t> 데이터베이스로 저장이 됩니다</a:t>
-            </a:r>
-            <a:r>
-              <a:rPr lang="en-US" altLang="ko-KR" dirty="0" smtClean="0"/>
-              <a:t>.</a:t>
-            </a:r>
-          </a:p>
-          <a:p>
-            <a:r>
-              <a:rPr lang="ko-KR" altLang="en-US" dirty="0" smtClean="0"/>
-              <a:t>부서번호나 직급은 여러 개를 선택할 수 있게 처음에 </a:t>
-            </a:r>
-            <a:r>
-              <a:rPr lang="ko-KR" altLang="en-US" dirty="0" err="1" smtClean="0"/>
-              <a:t>입력할때는</a:t>
-            </a:r>
-            <a:r>
-              <a:rPr lang="ko-KR" altLang="en-US" dirty="0" smtClean="0"/>
+              <a:t>퇴사</a:t>
+            </a:r>
+            <a:r>
+              <a:rPr lang="ko-KR" altLang="en-US" baseline="0" dirty="0" smtClean="0"/>
+              <a:t> 신청 후 승인되거나 </a:t>
+            </a:r>
+            <a:r>
+              <a:rPr lang="ko-KR" altLang="en-US" baseline="0" dirty="0" err="1" smtClean="0"/>
+              <a:t>취소되었을때</a:t>
+            </a:r>
+            <a:r>
+              <a:rPr lang="en-US" altLang="ko-KR" baseline="0" dirty="0" smtClean="0"/>
+              <a:t>, </a:t>
+            </a:r>
+            <a:r>
+              <a:rPr lang="ko-KR" altLang="en-US" baseline="0" dirty="0" smtClean="0"/>
+              <a:t>퇴사가 </a:t>
+            </a:r>
+            <a:r>
+              <a:rPr lang="ko-KR" altLang="en-US" baseline="0" dirty="0" err="1" smtClean="0"/>
+              <a:t>완료됐을때</a:t>
+            </a:r>
+            <a:r>
+              <a:rPr lang="ko-KR" altLang="en-US" baseline="0" dirty="0" smtClean="0"/>
               <a:t> </a:t>
             </a:r>
             <a:r>
-              <a:rPr lang="en-US" altLang="ko-KR" dirty="0" smtClean="0"/>
-              <a:t>and </a:t>
-            </a:r>
-            <a:r>
-              <a:rPr lang="ko-KR" altLang="en-US" dirty="0" smtClean="0"/>
-              <a:t>문이 추가되고</a:t>
-            </a:r>
-            <a:r>
-              <a:rPr lang="en-US" altLang="ko-KR" dirty="0" smtClean="0"/>
-              <a:t>, </a:t>
-            </a:r>
-            <a:r>
-              <a:rPr lang="ko-KR" altLang="en-US" dirty="0" smtClean="0"/>
-              <a:t>추가로 </a:t>
-            </a:r>
-            <a:r>
-              <a:rPr lang="ko-KR" altLang="en-US" dirty="0" err="1" smtClean="0"/>
-              <a:t>입력할땐</a:t>
-            </a:r>
-            <a:r>
-              <a:rPr lang="ko-KR" altLang="en-US" dirty="0" smtClean="0"/>
-              <a:t> </a:t>
-            </a:r>
-            <a:r>
-              <a:rPr lang="en-US" altLang="ko-KR" dirty="0" smtClean="0"/>
-              <a:t>or</a:t>
-            </a:r>
-            <a:r>
               <a:rPr lang="en-US" altLang="ko-KR" baseline="0" dirty="0" smtClean="0"/>
-              <a:t> </a:t>
+              <a:t>update </a:t>
             </a:r>
             <a:r>
               <a:rPr lang="ko-KR" altLang="en-US" baseline="0" dirty="0" smtClean="0"/>
-              <a:t>가 입력되게 했습니다</a:t>
+              <a:t>명령으로 상태를 변경할 수 있습니다</a:t>
+            </a:r>
+            <a:r>
+              <a:rPr lang="en-US" altLang="ko-KR" baseline="0" dirty="0" smtClean="0"/>
+              <a:t>. </a:t>
             </a:r>
             <a:endParaRPr lang="ko-KR" altLang="en-US" dirty="0"/>
           </a:p>
@@ -10309,7 +10252,7 @@
             <a:fld id="{0217327B-F913-468E-89AE-6D76E5DDF623}" type="slidenum">
               <a:rPr lang="ko-KR" altLang="en-US" smtClean="0"/>
               <a:pPr/>
-              <a:t>14</a:t>
+              <a:t>10</a:t>
             </a:fld>
             <a:endParaRPr lang="ko-KR" altLang="en-US"/>
           </a:p>
@@ -10318,7 +10261,7 @@
     </p:spTree>
     <p:extLst>
       <p:ext uri="{BB962C8B-B14F-4D97-AF65-F5344CB8AC3E}">
-        <p14:creationId xmlns:p14="http://schemas.microsoft.com/office/powerpoint/2010/main" val="498083455"/>
+        <p14:creationId xmlns:p14="http://schemas.microsoft.com/office/powerpoint/2010/main" val="3507157977"/>
       </p:ext>
     </p:extLst>
   </p:cSld>
@@ -10374,21 +10317,63 @@
           <a:p>
             <a:r>
               <a:rPr lang="ko-KR" altLang="en-US" dirty="0" smtClean="0"/>
-              <a:t>사내교육 검색기능입니다</a:t>
+              <a:t>승인된 퇴사 신청서 중 퇴사하기로 한 날짜가 지나면 사원을 </a:t>
+            </a:r>
+            <a:r>
+              <a:rPr lang="ko-KR" altLang="en-US" dirty="0" err="1" smtClean="0"/>
+              <a:t>한명한명</a:t>
+            </a:r>
+            <a:r>
+              <a:rPr lang="ko-KR" altLang="en-US" dirty="0" smtClean="0"/>
+              <a:t> 입력하지 않아도 한번에 상태를 변경할 수 있는 자동 퇴사 처리 </a:t>
+            </a:r>
+            <a:r>
+              <a:rPr lang="ko-KR" altLang="en-US" dirty="0" err="1" smtClean="0"/>
+              <a:t>메소드</a:t>
+            </a:r>
+            <a:r>
+              <a:rPr lang="ko-KR" altLang="en-US" dirty="0" smtClean="0"/>
+              <a:t> 입니다</a:t>
             </a:r>
             <a:r>
               <a:rPr lang="en-US" altLang="ko-KR" dirty="0" smtClean="0"/>
               <a:t>. </a:t>
             </a:r>
+          </a:p>
+          <a:p>
+            <a:r>
+              <a:rPr lang="en-US" altLang="ko-KR" dirty="0" smtClean="0"/>
+              <a:t>State</a:t>
+            </a:r>
             <a:r>
               <a:rPr lang="ko-KR" altLang="en-US" dirty="0" smtClean="0"/>
-              <a:t>복리후생 입력과 비슷한 </a:t>
-            </a:r>
-            <a:r>
-              <a:rPr lang="ko-KR" altLang="en-US" smtClean="0"/>
-              <a:t>방식으로 입력할 수 있고 아직 날짜가 지나지 않은 교육만 검색할 수 있도록 했습니다</a:t>
-            </a:r>
-            <a:endParaRPr lang="ko-KR" altLang="en-US"/>
+              <a:t>가 승인이고 </a:t>
+            </a:r>
+            <a:r>
+              <a:rPr lang="ko-KR" altLang="en-US" dirty="0" err="1" smtClean="0"/>
+              <a:t>퇴사신청일이</a:t>
+            </a:r>
+            <a:r>
+              <a:rPr lang="ko-KR" altLang="en-US" dirty="0" smtClean="0"/>
+              <a:t> </a:t>
+            </a:r>
+            <a:r>
+              <a:rPr lang="en-US" altLang="ko-KR" dirty="0" err="1" smtClean="0"/>
+              <a:t>sysdate</a:t>
+            </a:r>
+            <a:r>
+              <a:rPr lang="ko-KR" altLang="en-US" dirty="0" smtClean="0"/>
+              <a:t>보다 작은 날짜에서 </a:t>
+            </a:r>
+            <a:r>
+              <a:rPr lang="en-US" altLang="ko-KR" dirty="0" smtClean="0"/>
+              <a:t>state</a:t>
+            </a:r>
+            <a:r>
+              <a:rPr lang="ko-KR" altLang="en-US" dirty="0" smtClean="0"/>
+              <a:t>를 퇴사로 업데이트 합니다 </a:t>
+            </a:r>
+            <a:endParaRPr lang="ko-KR" altLang="en-US" dirty="0"/>
           </a:p>
         </p:txBody>
       </p:sp>
@@ -10410,7 +10395,7 @@
             <a:fld id="{0217327B-F913-468E-89AE-6D76E5DDF623}" type="slidenum">
               <a:rPr lang="ko-KR" altLang="en-US" smtClean="0"/>
               <a:pPr/>
-              <a:t>15</a:t>
+              <a:t>11</a:t>
             </a:fld>
             <a:endParaRPr lang="ko-KR" altLang="en-US"/>
           </a:p>
@@ -10419,7 +10404,7 @@
     </p:spTree>
     <p:extLst>
       <p:ext uri="{BB962C8B-B14F-4D97-AF65-F5344CB8AC3E}">
-        <p14:creationId xmlns:p14="http://schemas.microsoft.com/office/powerpoint/2010/main" val="1996841784"/>
+        <p14:creationId xmlns:p14="http://schemas.microsoft.com/office/powerpoint/2010/main" val="3776237879"/>
       </p:ext>
     </p:extLst>
   </p:cSld>
@@ -10495,7 +10480,736 @@
             <a:fld id="{0217327B-F913-468E-89AE-6D76E5DDF623}" type="slidenum">
               <a:rPr lang="ko-KR" altLang="en-US" smtClean="0"/>
               <a:pPr/>
+              <a:t>12</a:t>
+            </a:fld>
+            <a:endParaRPr lang="ko-KR" altLang="en-US"/>
+          </a:p>
+        </p:txBody>
+      </p:sp>
+    </p:spTree>
+    <p:extLst>
+      <p:ext uri="{BB962C8B-B14F-4D97-AF65-F5344CB8AC3E}">
+        <p14:creationId xmlns:p14="http://schemas.microsoft.com/office/powerpoint/2010/main" val="1452661676"/>
+      </p:ext>
+    </p:extLst>
+  </p:cSld>
+  <p:clrMapOvr>
+    <a:masterClrMapping/>
+  </p:clrMapOvr>
+</p:notes>
+</file>
+
+<file path=ppt/notesSlides/notesSlide13.xml><?xml version="1.0" encoding="utf-8"?>
+<p:notes xmlns:a="http://schemas.openxmlformats.org/drawingml/2006/main" xmlns:r="http://schemas.openxmlformats.org/officeDocument/2006/relationships" xmlns:p="http://schemas.openxmlformats.org/presentationml/2006/main">
+  <p:cSld>
+    <p:spTree>
+      <p:nvGrpSpPr>
+        <p:cNvPr id="1" name=""/>
+        <p:cNvGrpSpPr/>
+        <p:nvPr/>
+      </p:nvGrpSpPr>
+      <p:grpSpPr>
+        <a:xfrm>
+          <a:off x="0" y="0"/>
+          <a:ext cx="0" cy="0"/>
+          <a:chOff x="0" y="0"/>
+          <a:chExt cx="0" cy="0"/>
+        </a:xfrm>
+      </p:grpSpPr>
+      <p:sp>
+        <p:nvSpPr>
+          <p:cNvPr id="2" name="슬라이드 이미지 개체 틀 1"/>
+          <p:cNvSpPr>
+            <a:spLocks noGrp="1" noRot="1" noChangeAspect="1"/>
+          </p:cNvSpPr>
+          <p:nvPr>
+            <p:ph type="sldImg"/>
+          </p:nvPr>
+        </p:nvSpPr>
+        <p:spPr/>
+      </p:sp>
+      <p:sp>
+        <p:nvSpPr>
+          <p:cNvPr id="3" name="슬라이드 노트 개체 틀 2"/>
+          <p:cNvSpPr>
+            <a:spLocks noGrp="1"/>
+          </p:cNvSpPr>
+          <p:nvPr>
+            <p:ph type="body" idx="1"/>
+          </p:nvPr>
+        </p:nvSpPr>
+        <p:spPr/>
+        <p:txBody>
+          <a:bodyPr/>
+          <a:lstStyle/>
+          <a:p>
+            <a:r>
+              <a:rPr lang="ko-KR" altLang="en-US" dirty="0" smtClean="0"/>
+              <a:t>일단 이 파트는 교육과 복지 테이블이 있고 신청을 하면 목록번호와 자신의 사원번호가 신청자목록에 저장되도록 구성했습니다</a:t>
+            </a:r>
+            <a:endParaRPr lang="ko-KR" altLang="en-US" dirty="0"/>
+          </a:p>
+        </p:txBody>
+      </p:sp>
+      <p:sp>
+        <p:nvSpPr>
+          <p:cNvPr id="4" name="슬라이드 번호 개체 틀 3"/>
+          <p:cNvSpPr>
+            <a:spLocks noGrp="1"/>
+          </p:cNvSpPr>
+          <p:nvPr>
+            <p:ph type="sldNum" sz="quarter" idx="10"/>
+          </p:nvPr>
+        </p:nvSpPr>
+        <p:spPr/>
+        <p:txBody>
+          <a:bodyPr/>
+          <a:lstStyle/>
+          <a:p>
+            <a:fld id="{0217327B-F913-468E-89AE-6D76E5DDF623}" type="slidenum">
+              <a:rPr lang="ko-KR" altLang="en-US" smtClean="0"/>
+              <a:pPr/>
+              <a:t>13</a:t>
+            </a:fld>
+            <a:endParaRPr lang="ko-KR" altLang="en-US"/>
+          </a:p>
+        </p:txBody>
+      </p:sp>
+    </p:spTree>
+    <p:extLst>
+      <p:ext uri="{BB962C8B-B14F-4D97-AF65-F5344CB8AC3E}">
+        <p14:creationId xmlns:p14="http://schemas.microsoft.com/office/powerpoint/2010/main" val="2022807975"/>
+      </p:ext>
+    </p:extLst>
+  </p:cSld>
+  <p:clrMapOvr>
+    <a:masterClrMapping/>
+  </p:clrMapOvr>
+</p:notes>
+</file>
+
+<file path=ppt/notesSlides/notesSlide14.xml><?xml version="1.0" encoding="utf-8"?>
+<p:notes xmlns:a="http://schemas.openxmlformats.org/drawingml/2006/main" xmlns:r="http://schemas.openxmlformats.org/officeDocument/2006/relationships" xmlns:p="http://schemas.openxmlformats.org/presentationml/2006/main">
+  <p:cSld>
+    <p:spTree>
+      <p:nvGrpSpPr>
+        <p:cNvPr id="1" name=""/>
+        <p:cNvGrpSpPr/>
+        <p:nvPr/>
+      </p:nvGrpSpPr>
+      <p:grpSpPr>
+        <a:xfrm>
+          <a:off x="0" y="0"/>
+          <a:ext cx="0" cy="0"/>
+          <a:chOff x="0" y="0"/>
+          <a:chExt cx="0" cy="0"/>
+        </a:xfrm>
+      </p:grpSpPr>
+      <p:sp>
+        <p:nvSpPr>
+          <p:cNvPr id="2" name="슬라이드 이미지 개체 틀 1"/>
+          <p:cNvSpPr>
+            <a:spLocks noGrp="1" noRot="1" noChangeAspect="1"/>
+          </p:cNvSpPr>
+          <p:nvPr>
+            <p:ph type="sldImg"/>
+          </p:nvPr>
+        </p:nvSpPr>
+        <p:spPr/>
+      </p:sp>
+      <p:sp>
+        <p:nvSpPr>
+          <p:cNvPr id="3" name="슬라이드 노트 개체 틀 2"/>
+          <p:cNvSpPr>
+            <a:spLocks noGrp="1"/>
+          </p:cNvSpPr>
+          <p:nvPr>
+            <p:ph type="body" idx="1"/>
+          </p:nvPr>
+        </p:nvSpPr>
+        <p:spPr/>
+        <p:txBody>
+          <a:bodyPr/>
+          <a:lstStyle/>
+          <a:p>
+            <a:r>
+              <a:rPr lang="ko-KR" altLang="en-US" dirty="0" smtClean="0"/>
+              <a:t>다음은 복리후생 등록 기능입니다</a:t>
+            </a:r>
+            <a:r>
+              <a:rPr lang="en-US" altLang="ko-KR" dirty="0" smtClean="0"/>
+              <a:t>. </a:t>
+            </a:r>
+            <a:r>
+              <a:rPr lang="ko-KR" altLang="en-US" dirty="0" smtClean="0"/>
+              <a:t>기본정보를 입력하고 </a:t>
+            </a:r>
+            <a:r>
+              <a:rPr lang="ko-KR" altLang="en-US" dirty="0" err="1" smtClean="0"/>
+              <a:t>신청가능한</a:t>
+            </a:r>
+            <a:r>
+              <a:rPr lang="ko-KR" altLang="en-US" dirty="0" smtClean="0"/>
+              <a:t> 조건을 </a:t>
+            </a:r>
+            <a:r>
+              <a:rPr lang="en-US" altLang="ko-KR" dirty="0" err="1" smtClean="0"/>
+              <a:t>sql</a:t>
+            </a:r>
+            <a:r>
+              <a:rPr lang="ko-KR" altLang="en-US" dirty="0" smtClean="0"/>
+              <a:t>문으로 만들어서 테이블의 요소로 저장하게 했습니다</a:t>
+            </a:r>
+            <a:r>
+              <a:rPr lang="en-US" altLang="ko-KR" dirty="0" smtClean="0"/>
+              <a:t>.</a:t>
+            </a:r>
+            <a:endParaRPr lang="ko-KR" altLang="en-US" dirty="0"/>
+          </a:p>
+        </p:txBody>
+      </p:sp>
+      <p:sp>
+        <p:nvSpPr>
+          <p:cNvPr id="4" name="슬라이드 번호 개체 틀 3"/>
+          <p:cNvSpPr>
+            <a:spLocks noGrp="1"/>
+          </p:cNvSpPr>
+          <p:nvPr>
+            <p:ph type="sldNum" sz="quarter" idx="10"/>
+          </p:nvPr>
+        </p:nvSpPr>
+        <p:spPr/>
+        <p:txBody>
+          <a:bodyPr/>
+          <a:lstStyle/>
+          <a:p>
+            <a:fld id="{0217327B-F913-468E-89AE-6D76E5DDF623}" type="slidenum">
+              <a:rPr lang="ko-KR" altLang="en-US" smtClean="0"/>
+              <a:pPr/>
+              <a:t>14</a:t>
+            </a:fld>
+            <a:endParaRPr lang="ko-KR" altLang="en-US"/>
+          </a:p>
+        </p:txBody>
+      </p:sp>
+    </p:spTree>
+    <p:extLst>
+      <p:ext uri="{BB962C8B-B14F-4D97-AF65-F5344CB8AC3E}">
+        <p14:creationId xmlns:p14="http://schemas.microsoft.com/office/powerpoint/2010/main" val="155156572"/>
+      </p:ext>
+    </p:extLst>
+  </p:cSld>
+  <p:clrMapOvr>
+    <a:masterClrMapping/>
+  </p:clrMapOvr>
+</p:notes>
+</file>
+
+<file path=ppt/notesSlides/notesSlide15.xml><?xml version="1.0" encoding="utf-8"?>
+<p:notes xmlns:a="http://schemas.openxmlformats.org/drawingml/2006/main" xmlns:r="http://schemas.openxmlformats.org/officeDocument/2006/relationships" xmlns:p="http://schemas.openxmlformats.org/presentationml/2006/main">
+  <p:cSld>
+    <p:spTree>
+      <p:nvGrpSpPr>
+        <p:cNvPr id="1" name=""/>
+        <p:cNvGrpSpPr/>
+        <p:nvPr/>
+      </p:nvGrpSpPr>
+      <p:grpSpPr>
+        <a:xfrm>
+          <a:off x="0" y="0"/>
+          <a:ext cx="0" cy="0"/>
+          <a:chOff x="0" y="0"/>
+          <a:chExt cx="0" cy="0"/>
+        </a:xfrm>
+      </p:grpSpPr>
+      <p:sp>
+        <p:nvSpPr>
+          <p:cNvPr id="2" name="슬라이드 이미지 개체 틀 1"/>
+          <p:cNvSpPr>
+            <a:spLocks noGrp="1" noRot="1" noChangeAspect="1"/>
+          </p:cNvSpPr>
+          <p:nvPr>
+            <p:ph type="sldImg"/>
+          </p:nvPr>
+        </p:nvSpPr>
+        <p:spPr/>
+      </p:sp>
+      <p:sp>
+        <p:nvSpPr>
+          <p:cNvPr id="3" name="슬라이드 노트 개체 틀 2"/>
+          <p:cNvSpPr>
+            <a:spLocks noGrp="1"/>
+          </p:cNvSpPr>
+          <p:nvPr>
+            <p:ph type="body" idx="1"/>
+          </p:nvPr>
+        </p:nvSpPr>
+        <p:spPr/>
+        <p:txBody>
+          <a:bodyPr/>
+          <a:lstStyle/>
+          <a:p>
+            <a:r>
+              <a:rPr lang="ko-KR" altLang="en-US" dirty="0" smtClean="0"/>
+              <a:t>신청조건을 저장하기 위해서 복리후생을 </a:t>
+            </a:r>
+            <a:r>
+              <a:rPr lang="ko-KR" altLang="en-US" dirty="0" err="1" smtClean="0"/>
+              <a:t>신청할때</a:t>
+            </a:r>
+            <a:r>
+              <a:rPr lang="ko-KR" altLang="en-US" dirty="0" smtClean="0"/>
+              <a:t> 사용하는 </a:t>
+            </a:r>
+            <a:r>
+              <a:rPr lang="en-US" altLang="ko-KR" dirty="0" err="1" smtClean="0"/>
+              <a:t>sql</a:t>
+            </a:r>
+            <a:r>
+              <a:rPr lang="ko-KR" altLang="en-US" dirty="0" smtClean="0"/>
+              <a:t>문 자체를 저장하기로 했습니다</a:t>
+            </a:r>
+            <a:r>
+              <a:rPr lang="en-US" altLang="ko-KR" dirty="0" smtClean="0"/>
+              <a:t>.</a:t>
+            </a:r>
+          </a:p>
+          <a:p>
+            <a:r>
+              <a:rPr lang="ko-KR" altLang="en-US" dirty="0" smtClean="0"/>
+              <a:t>그래서 필터라는</a:t>
+            </a:r>
+            <a:r>
+              <a:rPr lang="ko-KR" altLang="en-US" baseline="0" dirty="0" smtClean="0"/>
+              <a:t> </a:t>
+            </a:r>
+            <a:r>
+              <a:rPr lang="ko-KR" altLang="en-US" baseline="0" dirty="0" err="1" smtClean="0"/>
+              <a:t>스트링에</a:t>
+            </a:r>
+            <a:r>
+              <a:rPr lang="ko-KR" altLang="en-US" baseline="0" dirty="0" smtClean="0"/>
+              <a:t> 기본 신청문장을 넣고 조건을 선택해서 스위치 케이스가 실행되면 그 조건을 필터 문장 뒤에 추가합니다</a:t>
+            </a:r>
+            <a:r>
+              <a:rPr lang="en-US" altLang="ko-KR" baseline="0" dirty="0" smtClean="0"/>
+              <a:t>.</a:t>
+            </a:r>
+            <a:endParaRPr lang="en-US" altLang="ko-KR" dirty="0" smtClean="0"/>
+          </a:p>
+          <a:p>
+            <a:r>
+              <a:rPr lang="ko-KR" altLang="en-US" dirty="0" smtClean="0"/>
+              <a:t>부서번호나 </a:t>
+            </a:r>
+            <a:r>
+              <a:rPr lang="ko-KR" altLang="en-US" dirty="0" smtClean="0"/>
+              <a:t>직급은 여러 개를 선택할 수 있게 처음에 </a:t>
+            </a:r>
+            <a:r>
+              <a:rPr lang="ko-KR" altLang="en-US" dirty="0" err="1" smtClean="0"/>
+              <a:t>입력할때는</a:t>
+            </a:r>
+            <a:r>
+              <a:rPr lang="ko-KR" altLang="en-US" dirty="0" smtClean="0"/>
+              <a:t> </a:t>
+            </a:r>
+            <a:r>
+              <a:rPr lang="en-US" altLang="ko-KR" dirty="0" smtClean="0"/>
+              <a:t>and </a:t>
+            </a:r>
+            <a:r>
+              <a:rPr lang="ko-KR" altLang="en-US" dirty="0" smtClean="0"/>
+              <a:t>문이 추가되고</a:t>
+            </a:r>
+            <a:r>
+              <a:rPr lang="en-US" altLang="ko-KR" dirty="0" smtClean="0"/>
+              <a:t>, </a:t>
+            </a:r>
+            <a:r>
+              <a:rPr lang="ko-KR" altLang="en-US" dirty="0" smtClean="0"/>
+              <a:t>추가로 </a:t>
+            </a:r>
+            <a:r>
+              <a:rPr lang="ko-KR" altLang="en-US" dirty="0" err="1" smtClean="0"/>
+              <a:t>입력할땐</a:t>
+            </a:r>
+            <a:r>
+              <a:rPr lang="ko-KR" altLang="en-US" dirty="0" smtClean="0"/>
+              <a:t> </a:t>
+            </a:r>
+            <a:r>
+              <a:rPr lang="en-US" altLang="ko-KR" dirty="0" smtClean="0"/>
+              <a:t>or</a:t>
+            </a:r>
+            <a:r>
+              <a:rPr lang="en-US" altLang="ko-KR" baseline="0" dirty="0" smtClean="0"/>
+              <a:t> </a:t>
+            </a:r>
+            <a:r>
+              <a:rPr lang="ko-KR" altLang="en-US" baseline="0" dirty="0" smtClean="0"/>
+              <a:t>가 입력되게 했습니다</a:t>
+            </a:r>
+            <a:endParaRPr lang="en-US" altLang="ko-KR" baseline="0" dirty="0" smtClean="0"/>
+          </a:p>
+          <a:p>
+            <a:r>
+              <a:rPr lang="ko-KR" altLang="en-US" baseline="0" dirty="0" smtClean="0"/>
+              <a:t>이렇게 만들어진 필터 </a:t>
+            </a:r>
+            <a:r>
+              <a:rPr lang="ko-KR" altLang="en-US" baseline="0" dirty="0" smtClean="0"/>
+              <a:t>문장과 기본정보를 함께 등록합니다</a:t>
+            </a:r>
+            <a:endParaRPr lang="ko-KR" altLang="en-US" dirty="0"/>
+          </a:p>
+        </p:txBody>
+      </p:sp>
+      <p:sp>
+        <p:nvSpPr>
+          <p:cNvPr id="4" name="슬라이드 번호 개체 틀 3"/>
+          <p:cNvSpPr>
+            <a:spLocks noGrp="1"/>
+          </p:cNvSpPr>
+          <p:nvPr>
+            <p:ph type="sldNum" sz="quarter" idx="10"/>
+          </p:nvPr>
+        </p:nvSpPr>
+        <p:spPr/>
+        <p:txBody>
+          <a:bodyPr/>
+          <a:lstStyle/>
+          <a:p>
+            <a:fld id="{0217327B-F913-468E-89AE-6D76E5DDF623}" type="slidenum">
+              <a:rPr lang="ko-KR" altLang="en-US" smtClean="0"/>
+              <a:pPr/>
+              <a:t>15</a:t>
+            </a:fld>
+            <a:endParaRPr lang="ko-KR" altLang="en-US"/>
+          </a:p>
+        </p:txBody>
+      </p:sp>
+    </p:spTree>
+    <p:extLst>
+      <p:ext uri="{BB962C8B-B14F-4D97-AF65-F5344CB8AC3E}">
+        <p14:creationId xmlns:p14="http://schemas.microsoft.com/office/powerpoint/2010/main" val="498083455"/>
+      </p:ext>
+    </p:extLst>
+  </p:cSld>
+  <p:clrMapOvr>
+    <a:masterClrMapping/>
+  </p:clrMapOvr>
+</p:notes>
+</file>
+
+<file path=ppt/notesSlides/notesSlide16.xml><?xml version="1.0" encoding="utf-8"?>
+<p:notes xmlns:a="http://schemas.openxmlformats.org/drawingml/2006/main" xmlns:r="http://schemas.openxmlformats.org/officeDocument/2006/relationships" xmlns:p="http://schemas.openxmlformats.org/presentationml/2006/main">
+  <p:cSld>
+    <p:spTree>
+      <p:nvGrpSpPr>
+        <p:cNvPr id="1" name=""/>
+        <p:cNvGrpSpPr/>
+        <p:nvPr/>
+      </p:nvGrpSpPr>
+      <p:grpSpPr>
+        <a:xfrm>
+          <a:off x="0" y="0"/>
+          <a:ext cx="0" cy="0"/>
+          <a:chOff x="0" y="0"/>
+          <a:chExt cx="0" cy="0"/>
+        </a:xfrm>
+      </p:grpSpPr>
+      <p:sp>
+        <p:nvSpPr>
+          <p:cNvPr id="2" name="슬라이드 이미지 개체 틀 1"/>
+          <p:cNvSpPr>
+            <a:spLocks noGrp="1" noRot="1" noChangeAspect="1"/>
+          </p:cNvSpPr>
+          <p:nvPr>
+            <p:ph type="sldImg"/>
+          </p:nvPr>
+        </p:nvSpPr>
+        <p:spPr/>
+      </p:sp>
+      <p:sp>
+        <p:nvSpPr>
+          <p:cNvPr id="3" name="슬라이드 노트 개체 틀 2"/>
+          <p:cNvSpPr>
+            <a:spLocks noGrp="1"/>
+          </p:cNvSpPr>
+          <p:nvPr>
+            <p:ph type="body" idx="1"/>
+          </p:nvPr>
+        </p:nvSpPr>
+        <p:spPr/>
+        <p:txBody>
+          <a:bodyPr/>
+          <a:lstStyle/>
+          <a:p>
+            <a:r>
+              <a:rPr lang="ko-KR" altLang="en-US" dirty="0" smtClean="0"/>
+              <a:t>사내교육 검색기능입니다</a:t>
+            </a:r>
+            <a:r>
+              <a:rPr lang="en-US" altLang="ko-KR" dirty="0" smtClean="0"/>
+              <a:t>. </a:t>
+            </a:r>
+            <a:r>
+              <a:rPr lang="ko-KR" altLang="en-US" dirty="0" smtClean="0"/>
+              <a:t>아직 날짜가 지나지 않은 교육만 검색할 수 있도록 했습니다</a:t>
+            </a:r>
+            <a:endParaRPr lang="ko-KR" altLang="en-US" dirty="0"/>
+          </a:p>
+        </p:txBody>
+      </p:sp>
+      <p:sp>
+        <p:nvSpPr>
+          <p:cNvPr id="4" name="슬라이드 번호 개체 틀 3"/>
+          <p:cNvSpPr>
+            <a:spLocks noGrp="1"/>
+          </p:cNvSpPr>
+          <p:nvPr>
+            <p:ph type="sldNum" sz="quarter" idx="10"/>
+          </p:nvPr>
+        </p:nvSpPr>
+        <p:spPr/>
+        <p:txBody>
+          <a:bodyPr/>
+          <a:lstStyle/>
+          <a:p>
+            <a:fld id="{0217327B-F913-468E-89AE-6D76E5DDF623}" type="slidenum">
+              <a:rPr lang="ko-KR" altLang="en-US" smtClean="0"/>
+              <a:pPr/>
               <a:t>16</a:t>
+            </a:fld>
+            <a:endParaRPr lang="ko-KR" altLang="en-US"/>
+          </a:p>
+        </p:txBody>
+      </p:sp>
+    </p:spTree>
+    <p:extLst>
+      <p:ext uri="{BB962C8B-B14F-4D97-AF65-F5344CB8AC3E}">
+        <p14:creationId xmlns:p14="http://schemas.microsoft.com/office/powerpoint/2010/main" val="1996841784"/>
+      </p:ext>
+    </p:extLst>
+  </p:cSld>
+  <p:clrMapOvr>
+    <a:masterClrMapping/>
+  </p:clrMapOvr>
+</p:notes>
+</file>
+
+<file path=ppt/notesSlides/notesSlide17.xml><?xml version="1.0" encoding="utf-8"?>
+<p:notes xmlns:a="http://schemas.openxmlformats.org/drawingml/2006/main" xmlns:r="http://schemas.openxmlformats.org/officeDocument/2006/relationships" xmlns:p="http://schemas.openxmlformats.org/presentationml/2006/main">
+  <p:cSld>
+    <p:spTree>
+      <p:nvGrpSpPr>
+        <p:cNvPr id="1" name=""/>
+        <p:cNvGrpSpPr/>
+        <p:nvPr/>
+      </p:nvGrpSpPr>
+      <p:grpSpPr>
+        <a:xfrm>
+          <a:off x="0" y="0"/>
+          <a:ext cx="0" cy="0"/>
+          <a:chOff x="0" y="0"/>
+          <a:chExt cx="0" cy="0"/>
+        </a:xfrm>
+      </p:grpSpPr>
+      <p:sp>
+        <p:nvSpPr>
+          <p:cNvPr id="2" name="슬라이드 이미지 개체 틀 1"/>
+          <p:cNvSpPr>
+            <a:spLocks noGrp="1" noRot="1" noChangeAspect="1"/>
+          </p:cNvSpPr>
+          <p:nvPr>
+            <p:ph type="sldImg"/>
+          </p:nvPr>
+        </p:nvSpPr>
+        <p:spPr/>
+      </p:sp>
+      <p:sp>
+        <p:nvSpPr>
+          <p:cNvPr id="3" name="슬라이드 노트 개체 틀 2"/>
+          <p:cNvSpPr>
+            <a:spLocks noGrp="1"/>
+          </p:cNvSpPr>
+          <p:nvPr>
+            <p:ph type="body" idx="1"/>
+          </p:nvPr>
+        </p:nvSpPr>
+        <p:spPr/>
+        <p:txBody>
+          <a:bodyPr/>
+          <a:lstStyle/>
+          <a:p>
+            <a:r>
+              <a:rPr lang="ko-KR" altLang="en-US" dirty="0" err="1" smtClean="0"/>
+              <a:t>신청할때는</a:t>
+            </a:r>
+            <a:r>
+              <a:rPr lang="ko-KR" altLang="en-US" dirty="0" smtClean="0"/>
+              <a:t> 교육번호를 입력합니다</a:t>
+            </a:r>
+            <a:r>
+              <a:rPr lang="en-US" altLang="ko-KR" dirty="0" smtClean="0"/>
+              <a:t>.</a:t>
+            </a:r>
+          </a:p>
+          <a:p>
+            <a:r>
+              <a:rPr lang="ko-KR" altLang="en-US" dirty="0" smtClean="0"/>
+              <a:t>교육테이블을 업데이트하는 </a:t>
+            </a:r>
+            <a:r>
+              <a:rPr lang="en-US" altLang="ko-KR" dirty="0" smtClean="0"/>
+              <a:t>SQL</a:t>
+            </a:r>
+            <a:r>
+              <a:rPr lang="ko-KR" altLang="en-US" dirty="0" smtClean="0"/>
+              <a:t>문은 신청인원을 확인하고 아직 신청 </a:t>
+            </a:r>
+            <a:r>
+              <a:rPr lang="ko-KR" altLang="en-US" dirty="0" err="1" smtClean="0"/>
+              <a:t>가능할때만</a:t>
+            </a:r>
+            <a:r>
+              <a:rPr lang="ko-KR" altLang="en-US" dirty="0" smtClean="0"/>
+              <a:t> 신청인원이 추가되게 했습니다</a:t>
+            </a:r>
+            <a:endParaRPr lang="en-US" altLang="ko-KR" dirty="0" smtClean="0"/>
+          </a:p>
+          <a:p>
+            <a:r>
+              <a:rPr lang="ko-KR" altLang="en-US" dirty="0" smtClean="0"/>
+              <a:t>그리고 중복신청을 방지하기 위해 </a:t>
+            </a:r>
+            <a:r>
+              <a:rPr lang="ko-KR" altLang="en-US" dirty="0" smtClean="0"/>
+              <a:t>신청자목록 테이블에 </a:t>
+            </a:r>
+            <a:r>
+              <a:rPr lang="en-US" altLang="ko-KR" dirty="0" smtClean="0"/>
+              <a:t>not </a:t>
+            </a:r>
+            <a:r>
+              <a:rPr lang="en-US" altLang="ko-KR" dirty="0" smtClean="0"/>
+              <a:t>exists </a:t>
+            </a:r>
+            <a:r>
+              <a:rPr lang="ko-KR" altLang="en-US" dirty="0" smtClean="0"/>
+              <a:t>기능을 써서 확인하고 중복이 없어야 </a:t>
+            </a:r>
+            <a:r>
+              <a:rPr lang="en-US" altLang="ko-KR" dirty="0" smtClean="0"/>
+              <a:t>insert </a:t>
+            </a:r>
+            <a:r>
+              <a:rPr lang="ko-KR" altLang="en-US" dirty="0" smtClean="0"/>
+              <a:t>합니다</a:t>
+            </a:r>
+            <a:r>
+              <a:rPr lang="en-US" altLang="ko-KR" dirty="0" smtClean="0"/>
+              <a:t>.</a:t>
+            </a:r>
+          </a:p>
+          <a:p>
+            <a:r>
+              <a:rPr lang="ko-KR" altLang="en-US" dirty="0" err="1" smtClean="0"/>
+              <a:t>두가지</a:t>
+            </a:r>
+            <a:r>
+              <a:rPr lang="ko-KR" altLang="en-US" dirty="0" smtClean="0"/>
+              <a:t> 문장의 값이 다 </a:t>
+            </a:r>
+            <a:r>
+              <a:rPr lang="en-US" altLang="ko-KR" dirty="0" smtClean="0"/>
+              <a:t>1</a:t>
+            </a:r>
+            <a:r>
+              <a:rPr lang="ko-KR" altLang="en-US" dirty="0" smtClean="0"/>
+              <a:t>이 되어야 제대로 신청이 </a:t>
+            </a:r>
+            <a:r>
+              <a:rPr lang="ko-KR" altLang="en-US" dirty="0" err="1" smtClean="0"/>
+              <a:t>된거기</a:t>
+            </a:r>
+            <a:r>
+              <a:rPr lang="ko-KR" altLang="en-US" dirty="0" smtClean="0"/>
+              <a:t> 때문에 </a:t>
+            </a:r>
+            <a:r>
+              <a:rPr lang="ko-KR" altLang="en-US" dirty="0" err="1" smtClean="0"/>
+              <a:t>합했을때</a:t>
+            </a:r>
+            <a:r>
+              <a:rPr lang="ko-KR" altLang="en-US" dirty="0" smtClean="0"/>
+              <a:t> </a:t>
+            </a:r>
+            <a:r>
+              <a:rPr lang="en-US" altLang="ko-KR" dirty="0" smtClean="0"/>
+              <a:t>2</a:t>
+            </a:r>
+            <a:r>
+              <a:rPr lang="ko-KR" altLang="en-US" dirty="0" smtClean="0"/>
+              <a:t>가 되야 </a:t>
+            </a:r>
+            <a:r>
+              <a:rPr lang="ko-KR" altLang="en-US" dirty="0" err="1" smtClean="0"/>
+              <a:t>커밋하고</a:t>
+            </a:r>
+            <a:r>
+              <a:rPr lang="en-US" altLang="ko-KR" dirty="0" smtClean="0"/>
+              <a:t>,</a:t>
+            </a:r>
+          </a:p>
+          <a:p>
+            <a:r>
+              <a:rPr lang="ko-KR" altLang="en-US" dirty="0" smtClean="0"/>
+              <a:t>실제 신청인원과 데이터베이스 상 신청인원이 달라지지 않게 하기 위해 </a:t>
+            </a:r>
+            <a:r>
+              <a:rPr lang="en-US" altLang="ko-KR" dirty="0" smtClean="0"/>
+              <a:t>2</a:t>
+            </a:r>
+            <a:r>
+              <a:rPr lang="ko-KR" altLang="en-US" dirty="0" smtClean="0"/>
+              <a:t>가 </a:t>
+            </a:r>
+            <a:r>
+              <a:rPr lang="ko-KR" altLang="en-US" dirty="0" err="1" smtClean="0"/>
+              <a:t>아닐때는</a:t>
+            </a:r>
+            <a:r>
+              <a:rPr lang="ko-KR" altLang="en-US" dirty="0" smtClean="0"/>
+              <a:t> 추가로 롤백 명령을 주었습니다</a:t>
+            </a:r>
+            <a:r>
+              <a:rPr lang="en-US" altLang="ko-KR" dirty="0" smtClean="0"/>
+              <a:t>.</a:t>
+            </a:r>
+          </a:p>
+        </p:txBody>
+      </p:sp>
+      <p:sp>
+        <p:nvSpPr>
+          <p:cNvPr id="4" name="슬라이드 번호 개체 틀 3"/>
+          <p:cNvSpPr>
+            <a:spLocks noGrp="1"/>
+          </p:cNvSpPr>
+          <p:nvPr>
+            <p:ph type="sldNum" sz="quarter" idx="10"/>
+          </p:nvPr>
+        </p:nvSpPr>
+        <p:spPr/>
+        <p:txBody>
+          <a:bodyPr/>
+          <a:lstStyle/>
+          <a:p>
+            <a:fld id="{0217327B-F913-468E-89AE-6D76E5DDF623}" type="slidenum">
+              <a:rPr lang="ko-KR" altLang="en-US" smtClean="0"/>
+              <a:pPr/>
+              <a:t>17</a:t>
             </a:fld>
             <a:endParaRPr lang="ko-KR" altLang="en-US"/>
           </a:p>
@@ -10515,6 +11229,334 @@
 </file>
 
 <file path=ppt/notesSlides/notesSlide2.xml><?xml version="1.0" encoding="utf-8"?>
+<p:notes xmlns:a="http://schemas.openxmlformats.org/drawingml/2006/main" xmlns:r="http://schemas.openxmlformats.org/officeDocument/2006/relationships" xmlns:p="http://schemas.openxmlformats.org/presentationml/2006/main">
+  <p:cSld>
+    <p:spTree>
+      <p:nvGrpSpPr>
+        <p:cNvPr id="1" name=""/>
+        <p:cNvGrpSpPr/>
+        <p:nvPr/>
+      </p:nvGrpSpPr>
+      <p:grpSpPr>
+        <a:xfrm>
+          <a:off x="0" y="0"/>
+          <a:ext cx="0" cy="0"/>
+          <a:chOff x="0" y="0"/>
+          <a:chExt cx="0" cy="0"/>
+        </a:xfrm>
+      </p:grpSpPr>
+      <p:sp>
+        <p:nvSpPr>
+          <p:cNvPr id="2" name="슬라이드 이미지 개체 틀 1"/>
+          <p:cNvSpPr>
+            <a:spLocks noGrp="1" noRot="1" noChangeAspect="1"/>
+          </p:cNvSpPr>
+          <p:nvPr>
+            <p:ph type="sldImg"/>
+          </p:nvPr>
+        </p:nvSpPr>
+        <p:spPr/>
+      </p:sp>
+      <p:sp>
+        <p:nvSpPr>
+          <p:cNvPr id="3" name="슬라이드 노트 개체 틀 2"/>
+          <p:cNvSpPr>
+            <a:spLocks noGrp="1"/>
+          </p:cNvSpPr>
+          <p:nvPr>
+            <p:ph type="body" idx="1"/>
+          </p:nvPr>
+        </p:nvSpPr>
+        <p:spPr/>
+        <p:txBody>
+          <a:bodyPr/>
+          <a:lstStyle/>
+          <a:p>
+            <a:r>
+              <a:rPr lang="ko-KR" altLang="en-US" dirty="0" smtClean="0"/>
+              <a:t>위에는 일정계획이고 아래는 일일 진행 내용입니다</a:t>
+            </a:r>
+            <a:endParaRPr lang="en-US" altLang="ko-KR" dirty="0" smtClean="0"/>
+          </a:p>
+          <a:p>
+            <a:r>
+              <a:rPr lang="ko-KR" altLang="en-US" dirty="0" smtClean="0"/>
+              <a:t>파란 원은 </a:t>
+            </a:r>
+            <a:r>
+              <a:rPr lang="ko-KR" altLang="en-US" dirty="0" err="1" smtClean="0"/>
+              <a:t>일일계획을</a:t>
+            </a:r>
+            <a:r>
+              <a:rPr lang="ko-KR" altLang="en-US" dirty="0" smtClean="0"/>
+              <a:t> 얼마나 달성했는지 나타내고</a:t>
+            </a:r>
+            <a:r>
+              <a:rPr lang="en-US" altLang="ko-KR" dirty="0" smtClean="0"/>
+              <a:t>,</a:t>
+            </a:r>
+            <a:r>
+              <a:rPr lang="en-US" altLang="ko-KR" baseline="0" dirty="0" smtClean="0"/>
+              <a:t> </a:t>
+            </a:r>
+            <a:r>
+              <a:rPr lang="ko-KR" altLang="en-US" baseline="0" dirty="0" err="1" smtClean="0"/>
+              <a:t>노란원은</a:t>
+            </a:r>
+            <a:r>
+              <a:rPr lang="ko-KR" altLang="en-US" baseline="0" dirty="0" smtClean="0"/>
+              <a:t> 전체 진행률입니다</a:t>
+            </a:r>
+            <a:r>
+              <a:rPr lang="en-US" altLang="ko-KR" baseline="0" dirty="0" smtClean="0"/>
+              <a:t>.</a:t>
+            </a:r>
+          </a:p>
+          <a:p>
+            <a:r>
+              <a:rPr lang="ko-KR" altLang="en-US" baseline="0" dirty="0" smtClean="0"/>
+              <a:t>주중에 조금씩 밀리고 있었는데 주말에 </a:t>
+            </a:r>
+            <a:r>
+              <a:rPr lang="ko-KR" altLang="en-US" baseline="0" dirty="0" err="1" smtClean="0"/>
+              <a:t>여유있게</a:t>
+            </a:r>
+            <a:r>
+              <a:rPr lang="ko-KR" altLang="en-US" baseline="0" dirty="0" smtClean="0"/>
+              <a:t> 계획을 잡아서 일정을 따라잡았습니다</a:t>
+            </a:r>
+            <a:endParaRPr lang="ko-KR" altLang="en-US" dirty="0"/>
+          </a:p>
+        </p:txBody>
+      </p:sp>
+      <p:sp>
+        <p:nvSpPr>
+          <p:cNvPr id="4" name="슬라이드 번호 개체 틀 3"/>
+          <p:cNvSpPr>
+            <a:spLocks noGrp="1"/>
+          </p:cNvSpPr>
+          <p:nvPr>
+            <p:ph type="sldNum" sz="quarter" idx="10"/>
+          </p:nvPr>
+        </p:nvSpPr>
+        <p:spPr/>
+        <p:txBody>
+          <a:bodyPr/>
+          <a:lstStyle/>
+          <a:p>
+            <a:fld id="{0217327B-F913-468E-89AE-6D76E5DDF623}" type="slidenum">
+              <a:rPr lang="ko-KR" altLang="en-US" smtClean="0"/>
+              <a:pPr/>
+              <a:t>2</a:t>
+            </a:fld>
+            <a:endParaRPr lang="ko-KR" altLang="en-US"/>
+          </a:p>
+        </p:txBody>
+      </p:sp>
+    </p:spTree>
+    <p:extLst>
+      <p:ext uri="{BB962C8B-B14F-4D97-AF65-F5344CB8AC3E}">
+        <p14:creationId xmlns:p14="http://schemas.microsoft.com/office/powerpoint/2010/main" val="3892456977"/>
+      </p:ext>
+    </p:extLst>
+  </p:cSld>
+  <p:clrMapOvr>
+    <a:masterClrMapping/>
+  </p:clrMapOvr>
+</p:notes>
+</file>
+
+<file path=ppt/notesSlides/notesSlide3.xml><?xml version="1.0" encoding="utf-8"?>
+<p:notes xmlns:a="http://schemas.openxmlformats.org/drawingml/2006/main" xmlns:r="http://schemas.openxmlformats.org/officeDocument/2006/relationships" xmlns:p="http://schemas.openxmlformats.org/presentationml/2006/main">
+  <p:cSld>
+    <p:spTree>
+      <p:nvGrpSpPr>
+        <p:cNvPr id="1" name=""/>
+        <p:cNvGrpSpPr/>
+        <p:nvPr/>
+      </p:nvGrpSpPr>
+      <p:grpSpPr>
+        <a:xfrm>
+          <a:off x="0" y="0"/>
+          <a:ext cx="0" cy="0"/>
+          <a:chOff x="0" y="0"/>
+          <a:chExt cx="0" cy="0"/>
+        </a:xfrm>
+      </p:grpSpPr>
+      <p:sp>
+        <p:nvSpPr>
+          <p:cNvPr id="2" name="슬라이드 이미지 개체 틀 1"/>
+          <p:cNvSpPr>
+            <a:spLocks noGrp="1" noRot="1" noChangeAspect="1"/>
+          </p:cNvSpPr>
+          <p:nvPr>
+            <p:ph type="sldImg"/>
+          </p:nvPr>
+        </p:nvSpPr>
+        <p:spPr/>
+      </p:sp>
+      <p:sp>
+        <p:nvSpPr>
+          <p:cNvPr id="3" name="슬라이드 노트 개체 틀 2"/>
+          <p:cNvSpPr>
+            <a:spLocks noGrp="1"/>
+          </p:cNvSpPr>
+          <p:nvPr>
+            <p:ph type="body" idx="1"/>
+          </p:nvPr>
+        </p:nvSpPr>
+        <p:spPr/>
+        <p:txBody>
+          <a:bodyPr/>
+          <a:lstStyle/>
+          <a:p>
+            <a:endParaRPr lang="ko-KR" altLang="en-US" dirty="0"/>
+          </a:p>
+        </p:txBody>
+      </p:sp>
+      <p:sp>
+        <p:nvSpPr>
+          <p:cNvPr id="4" name="슬라이드 번호 개체 틀 3"/>
+          <p:cNvSpPr>
+            <a:spLocks noGrp="1"/>
+          </p:cNvSpPr>
+          <p:nvPr>
+            <p:ph type="sldNum" sz="quarter" idx="10"/>
+          </p:nvPr>
+        </p:nvSpPr>
+        <p:spPr/>
+        <p:txBody>
+          <a:bodyPr/>
+          <a:lstStyle/>
+          <a:p>
+            <a:fld id="{0217327B-F913-468E-89AE-6D76E5DDF623}" type="slidenum">
+              <a:rPr lang="ko-KR" altLang="en-US" smtClean="0"/>
+              <a:pPr/>
+              <a:t>3</a:t>
+            </a:fld>
+            <a:endParaRPr lang="ko-KR" altLang="en-US"/>
+          </a:p>
+        </p:txBody>
+      </p:sp>
+    </p:spTree>
+    <p:extLst>
+      <p:ext uri="{BB962C8B-B14F-4D97-AF65-F5344CB8AC3E}">
+        <p14:creationId xmlns:p14="http://schemas.microsoft.com/office/powerpoint/2010/main" val="1905157811"/>
+      </p:ext>
+    </p:extLst>
+  </p:cSld>
+  <p:clrMapOvr>
+    <a:masterClrMapping/>
+  </p:clrMapOvr>
+</p:notes>
+</file>
+
+<file path=ppt/notesSlides/notesSlide4.xml><?xml version="1.0" encoding="utf-8"?>
+<p:notes xmlns:a="http://schemas.openxmlformats.org/drawingml/2006/main" xmlns:r="http://schemas.openxmlformats.org/officeDocument/2006/relationships" xmlns:p="http://schemas.openxmlformats.org/presentationml/2006/main">
+  <p:cSld>
+    <p:spTree>
+      <p:nvGrpSpPr>
+        <p:cNvPr id="1" name=""/>
+        <p:cNvGrpSpPr/>
+        <p:nvPr/>
+      </p:nvGrpSpPr>
+      <p:grpSpPr>
+        <a:xfrm>
+          <a:off x="0" y="0"/>
+          <a:ext cx="0" cy="0"/>
+          <a:chOff x="0" y="0"/>
+          <a:chExt cx="0" cy="0"/>
+        </a:xfrm>
+      </p:grpSpPr>
+      <p:sp>
+        <p:nvSpPr>
+          <p:cNvPr id="2" name="슬라이드 이미지 개체 틀 1"/>
+          <p:cNvSpPr>
+            <a:spLocks noGrp="1" noRot="1" noChangeAspect="1"/>
+          </p:cNvSpPr>
+          <p:nvPr>
+            <p:ph type="sldImg"/>
+          </p:nvPr>
+        </p:nvSpPr>
+        <p:spPr/>
+      </p:sp>
+      <p:sp>
+        <p:nvSpPr>
+          <p:cNvPr id="3" name="슬라이드 노트 개체 틀 2"/>
+          <p:cNvSpPr>
+            <a:spLocks noGrp="1"/>
+          </p:cNvSpPr>
+          <p:nvPr>
+            <p:ph type="body" idx="1"/>
+          </p:nvPr>
+        </p:nvSpPr>
+        <p:spPr/>
+        <p:txBody>
+          <a:bodyPr/>
+          <a:lstStyle/>
+          <a:p>
+            <a:r>
+              <a:rPr lang="ko-KR" altLang="en-US" dirty="0" smtClean="0"/>
+              <a:t>데이터베이스 테이블입니다</a:t>
+            </a:r>
+            <a:r>
+              <a:rPr lang="en-US" altLang="ko-KR" dirty="0" smtClean="0"/>
+              <a:t>. </a:t>
+            </a:r>
+            <a:r>
+              <a:rPr lang="ko-KR" altLang="en-US" dirty="0" smtClean="0"/>
+              <a:t>최대한 간결하게 </a:t>
+            </a:r>
+            <a:r>
+              <a:rPr lang="ko-KR" altLang="en-US" dirty="0" err="1" smtClean="0"/>
+              <a:t>만드는것에</a:t>
+            </a:r>
+            <a:r>
+              <a:rPr lang="ko-KR" altLang="en-US" dirty="0" smtClean="0"/>
+              <a:t> 중점을 두고 설계했습니다</a:t>
+            </a:r>
+            <a:endParaRPr lang="ko-KR" altLang="en-US" dirty="0"/>
+          </a:p>
+        </p:txBody>
+      </p:sp>
+      <p:sp>
+        <p:nvSpPr>
+          <p:cNvPr id="4" name="슬라이드 번호 개체 틀 3"/>
+          <p:cNvSpPr>
+            <a:spLocks noGrp="1"/>
+          </p:cNvSpPr>
+          <p:nvPr>
+            <p:ph type="sldNum" sz="quarter" idx="10"/>
+          </p:nvPr>
+        </p:nvSpPr>
+        <p:spPr/>
+        <p:txBody>
+          <a:bodyPr/>
+          <a:lstStyle/>
+          <a:p>
+            <a:fld id="{0217327B-F913-468E-89AE-6D76E5DDF623}" type="slidenum">
+              <a:rPr lang="ko-KR" altLang="en-US" smtClean="0"/>
+              <a:pPr/>
+              <a:t>4</a:t>
+            </a:fld>
+            <a:endParaRPr lang="ko-KR" altLang="en-US"/>
+          </a:p>
+        </p:txBody>
+      </p:sp>
+    </p:spTree>
+    <p:extLst>
+      <p:ext uri="{BB962C8B-B14F-4D97-AF65-F5344CB8AC3E}">
+        <p14:creationId xmlns:p14="http://schemas.microsoft.com/office/powerpoint/2010/main" val="891148893"/>
+      </p:ext>
+    </p:extLst>
+  </p:cSld>
+  <p:clrMapOvr>
+    <a:masterClrMapping/>
+  </p:clrMapOvr>
+</p:notes>
+</file>
+
+<file path=ppt/notesSlides/notesSlide5.xml><?xml version="1.0" encoding="utf-8"?>
 <p:notes xmlns:a="http://schemas.openxmlformats.org/drawingml/2006/main" xmlns:r="http://schemas.openxmlformats.org/officeDocument/2006/relationships" xmlns:p="http://schemas.openxmlformats.org/presentationml/2006/main">
   <p:cSld>
     <p:spTree>
@@ -10599,7 +11641,7 @@
 </p:notes>
 </file>
 
-<file path=ppt/notesSlides/notesSlide3.xml><?xml version="1.0" encoding="utf-8"?>
+<file path=ppt/notesSlides/notesSlide6.xml><?xml version="1.0" encoding="utf-8"?>
 <p:notes xmlns:a="http://schemas.openxmlformats.org/drawingml/2006/main" xmlns:r="http://schemas.openxmlformats.org/officeDocument/2006/relationships" xmlns:p="http://schemas.openxmlformats.org/presentationml/2006/main">
   <p:cSld>
     <p:spTree>
@@ -10739,7 +11781,7 @@
 </p:notes>
 </file>
 
-<file path=ppt/notesSlides/notesSlide4.xml><?xml version="1.0" encoding="utf-8"?>
+<file path=ppt/notesSlides/notesSlide7.xml><?xml version="1.0" encoding="utf-8"?>
 <p:notes xmlns:a="http://schemas.openxmlformats.org/drawingml/2006/main" xmlns:r="http://schemas.openxmlformats.org/officeDocument/2006/relationships" xmlns:p="http://schemas.openxmlformats.org/presentationml/2006/main">
   <p:cSld>
     <p:spTree>
@@ -10785,34 +11827,6 @@
           <a:p>
             <a:r>
               <a:rPr lang="ko-KR" altLang="en-US" baseline="0" dirty="0" smtClean="0"/>
-              <a:t>검색결과를 </a:t>
-            </a:r>
-            <a:r>
-              <a:rPr lang="en-US" altLang="ko-KR" baseline="0" dirty="0" err="1" smtClean="0"/>
-              <a:t>vo</a:t>
-            </a:r>
-            <a:r>
-              <a:rPr lang="en-US" altLang="ko-KR" baseline="0" dirty="0" smtClean="0"/>
-              <a:t> </a:t>
-            </a:r>
-            <a:r>
-              <a:rPr lang="ko-KR" altLang="en-US" baseline="0" dirty="0" smtClean="0"/>
-              <a:t>리스트로 저장하는 검색 </a:t>
-            </a:r>
-            <a:r>
-              <a:rPr lang="ko-KR" altLang="en-US" baseline="0" dirty="0" err="1" smtClean="0"/>
-              <a:t>메소드</a:t>
-            </a:r>
-            <a:r>
-              <a:rPr lang="ko-KR" altLang="en-US" baseline="0" dirty="0" smtClean="0"/>
-              <a:t> 입니다</a:t>
-            </a:r>
-            <a:r>
-              <a:rPr lang="en-US" altLang="ko-KR" baseline="0" dirty="0" smtClean="0"/>
-              <a:t>. </a:t>
-            </a:r>
-            <a:r>
-              <a:rPr lang="ko-KR" altLang="en-US" baseline="0" dirty="0" smtClean="0"/>
               <a:t>먼저 </a:t>
             </a:r>
             <a:r>
@@ -10895,7 +11909,7 @@
 </p:notes>
 </file>
 
-<file path=ppt/notesSlides/notesSlide5.xml><?xml version="1.0" encoding="utf-8"?>
+<file path=ppt/notesSlides/notesSlide8.xml><?xml version="1.0" encoding="utf-8"?>
 <p:notes xmlns:a="http://schemas.openxmlformats.org/drawingml/2006/main" xmlns:r="http://schemas.openxmlformats.org/officeDocument/2006/relationships" xmlns:p="http://schemas.openxmlformats.org/presentationml/2006/main">
   <p:cSld>
     <p:spTree>
@@ -10994,7 +12008,7 @@
             </a:r>
             <a:r>
               <a:rPr lang="ko-KR" altLang="en-US" baseline="0" dirty="0" smtClean="0"/>
-              <a:t> 조건이 선택되면 실행되는 </a:t>
+              <a:t> 조건이 선택되면 실행되는 케이스에 따라 </a:t>
             </a:r>
             <a:r>
               <a:rPr lang="en-US" altLang="ko-KR" baseline="0" dirty="0" smtClean="0"/>
@@ -11040,6 +12054,14 @@
               <a:t>search line </a:t>
             </a:r>
             <a:r>
+              <a:rPr lang="ko-KR" altLang="en-US" baseline="0" dirty="0" smtClean="0"/>
+              <a:t>뒤에</a:t>
+            </a:r>
+            <a:r>
+              <a:rPr lang="en-US" altLang="ko-KR" baseline="0" dirty="0" smtClean="0"/>
+              <a:t> </a:t>
+            </a:r>
+            <a:r>
               <a:rPr lang="ko-KR" altLang="en-US" baseline="0" dirty="0" err="1" smtClean="0"/>
               <a:t>추가되록</a:t>
             </a:r>
@@ -11071,8 +12093,24 @@
               <a:defRPr/>
             </a:pPr>
             <a:r>
+              <a:rPr lang="en-US" altLang="ko-KR" baseline="0" dirty="0" smtClean="0"/>
+              <a:t>Set</a:t>
+            </a:r>
+            <a:r>
+              <a:rPr lang="ko-KR" altLang="en-US" baseline="0" dirty="0" err="1" smtClean="0"/>
+              <a:t>메소드를</a:t>
+            </a:r>
+            <a:r>
               <a:rPr lang="ko-KR" altLang="en-US" baseline="0" dirty="0" smtClean="0"/>
-              <a:t>그리고 필터카운트랑 검색조건에 넘버링이 되도록 했습니다</a:t>
+              <a:t> </a:t>
+            </a:r>
+            <a:r>
+              <a:rPr lang="ko-KR" altLang="en-US" baseline="0" dirty="0" err="1" smtClean="0"/>
+              <a:t>실행할때</a:t>
+            </a:r>
+            <a:r>
+              <a:rPr lang="ko-KR" altLang="en-US" baseline="0" dirty="0" smtClean="0"/>
+              <a:t> 필터카운트랑 검색조건에 넘버링이 되도록 했습니다</a:t>
             </a:r>
             <a:r>
               <a:rPr lang="en-US" altLang="ko-KR" baseline="0" dirty="0" smtClean="0"/>
@@ -11168,435 +12206,6 @@
     <p:extLst>
       <p:ext uri="{BB962C8B-B14F-4D97-AF65-F5344CB8AC3E}">
         <p14:creationId xmlns:p14="http://schemas.microsoft.com/office/powerpoint/2010/main" val="2536540529"/>
-      </p:ext>
-    </p:extLst>
-  </p:cSld>
-  <p:clrMapOvr>
-    <a:masterClrMapping/>
-  </p:clrMapOvr>
-</p:notes>
-</file>
-
-<file path=ppt/notesSlides/notesSlide6.xml><?xml version="1.0" encoding="utf-8"?>
-<p:notes xmlns:a="http://schemas.openxmlformats.org/drawingml/2006/main" xmlns:r="http://schemas.openxmlformats.org/officeDocument/2006/relationships" xmlns:p="http://schemas.openxmlformats.org/presentationml/2006/main">
-  <p:cSld>
-    <p:spTree>
-      <p:nvGrpSpPr>
-        <p:cNvPr id="1" name=""/>
-        <p:cNvGrpSpPr/>
-        <p:nvPr/>
-      </p:nvGrpSpPr>
-      <p:grpSpPr>
-        <a:xfrm>
-          <a:off x="0" y="0"/>
-          <a:ext cx="0" cy="0"/>
-          <a:chOff x="0" y="0"/>
-          <a:chExt cx="0" cy="0"/>
-        </a:xfrm>
-      </p:grpSpPr>
-      <p:sp>
-        <p:nvSpPr>
-          <p:cNvPr id="2" name="슬라이드 이미지 개체 틀 1"/>
-          <p:cNvSpPr>
-            <a:spLocks noGrp="1" noRot="1" noChangeAspect="1"/>
-          </p:cNvSpPr>
-          <p:nvPr>
-            <p:ph type="sldImg"/>
-          </p:nvPr>
-        </p:nvSpPr>
-        <p:spPr/>
-      </p:sp>
-      <p:sp>
-        <p:nvSpPr>
-          <p:cNvPr id="3" name="슬라이드 노트 개체 틀 2"/>
-          <p:cNvSpPr>
-            <a:spLocks noGrp="1"/>
-          </p:cNvSpPr>
-          <p:nvPr>
-            <p:ph type="body" idx="1"/>
-          </p:nvPr>
-        </p:nvSpPr>
-        <p:spPr/>
-        <p:txBody>
-          <a:bodyPr/>
-          <a:lstStyle/>
-          <a:p>
-            <a:r>
-              <a:rPr lang="ko-KR" altLang="en-US" baseline="0" dirty="0" err="1" smtClean="0"/>
-              <a:t>검색메소드에서</a:t>
-            </a:r>
-            <a:r>
-              <a:rPr lang="ko-KR" altLang="en-US" baseline="0" dirty="0" smtClean="0"/>
-              <a:t> 검색조건에 맞게 변경된 </a:t>
-            </a:r>
-            <a:r>
-              <a:rPr lang="en-US" altLang="ko-KR" baseline="0" dirty="0" err="1" smtClean="0"/>
-              <a:t>sql</a:t>
-            </a:r>
-            <a:r>
-              <a:rPr lang="ko-KR" altLang="en-US" baseline="0" dirty="0" smtClean="0"/>
-              <a:t>문을 가져오고</a:t>
-            </a:r>
-            <a:endParaRPr lang="en-US" altLang="ko-KR" baseline="0" dirty="0" smtClean="0"/>
-          </a:p>
-          <a:p>
-            <a:r>
-              <a:rPr lang="en-US" altLang="ko-KR" baseline="0" dirty="0" smtClean="0"/>
-              <a:t>Prepared statement</a:t>
-            </a:r>
-            <a:r>
-              <a:rPr lang="ko-KR" altLang="en-US" baseline="0" dirty="0" smtClean="0"/>
-              <a:t>에 조건을 </a:t>
-            </a:r>
-            <a:r>
-              <a:rPr lang="ko-KR" altLang="en-US" baseline="0" dirty="0" err="1" smtClean="0"/>
-              <a:t>입력할때</a:t>
-            </a:r>
-            <a:endParaRPr lang="en-US" altLang="ko-KR" baseline="0" dirty="0" smtClean="0"/>
-          </a:p>
-          <a:p>
-            <a:r>
-              <a:rPr lang="ko-KR" altLang="en-US" baseline="0" dirty="0" smtClean="0"/>
-              <a:t>검색조건이 설정되었는지 안되었는지 넘버링을 통해 구분해서 검색을 실행합니다</a:t>
-            </a:r>
-            <a:r>
-              <a:rPr lang="en-US" altLang="ko-KR" baseline="0" dirty="0" smtClean="0"/>
-              <a:t>.</a:t>
-            </a:r>
-          </a:p>
-          <a:p>
-            <a:r>
-              <a:rPr lang="ko-KR" altLang="en-US" baseline="0" dirty="0" smtClean="0"/>
-              <a:t>그리고</a:t>
-            </a:r>
-            <a:r>
-              <a:rPr lang="en-US" altLang="ko-KR" baseline="0" dirty="0" smtClean="0"/>
-              <a:t> </a:t>
-            </a:r>
-            <a:r>
-              <a:rPr lang="ko-KR" altLang="en-US" baseline="0" dirty="0" smtClean="0"/>
-              <a:t>나온 값은 리스트에 저장해서 </a:t>
-            </a:r>
-            <a:r>
-              <a:rPr lang="en-US" altLang="ko-KR" baseline="0" dirty="0" smtClean="0"/>
-              <a:t>for</a:t>
-            </a:r>
-            <a:r>
-              <a:rPr lang="ko-KR" altLang="en-US" baseline="0" dirty="0" smtClean="0"/>
-              <a:t>문으로 출력하도록 했습니다</a:t>
-            </a:r>
-            <a:endParaRPr lang="en-US" altLang="ko-KR" baseline="0" dirty="0" smtClean="0"/>
-          </a:p>
-        </p:txBody>
-      </p:sp>
-      <p:sp>
-        <p:nvSpPr>
-          <p:cNvPr id="4" name="슬라이드 번호 개체 틀 3"/>
-          <p:cNvSpPr>
-            <a:spLocks noGrp="1"/>
-          </p:cNvSpPr>
-          <p:nvPr>
-            <p:ph type="sldNum" sz="quarter" idx="10"/>
-          </p:nvPr>
-        </p:nvSpPr>
-        <p:spPr/>
-        <p:txBody>
-          <a:bodyPr/>
-          <a:lstStyle/>
-          <a:p>
-            <a:fld id="{0217327B-F913-468E-89AE-6D76E5DDF623}" type="slidenum">
-              <a:rPr lang="ko-KR" altLang="en-US" smtClean="0"/>
-              <a:pPr/>
-              <a:t>9</a:t>
-            </a:fld>
-            <a:endParaRPr lang="ko-KR" altLang="en-US"/>
-          </a:p>
-        </p:txBody>
-      </p:sp>
-    </p:spTree>
-    <p:extLst>
-      <p:ext uri="{BB962C8B-B14F-4D97-AF65-F5344CB8AC3E}">
-        <p14:creationId xmlns:p14="http://schemas.microsoft.com/office/powerpoint/2010/main" val="2488888731"/>
-      </p:ext>
-    </p:extLst>
-  </p:cSld>
-  <p:clrMapOvr>
-    <a:masterClrMapping/>
-  </p:clrMapOvr>
-</p:notes>
-</file>
-
-<file path=ppt/notesSlides/notesSlide7.xml><?xml version="1.0" encoding="utf-8"?>
-<p:notes xmlns:a="http://schemas.openxmlformats.org/drawingml/2006/main" xmlns:r="http://schemas.openxmlformats.org/officeDocument/2006/relationships" xmlns:p="http://schemas.openxmlformats.org/presentationml/2006/main">
-  <p:cSld>
-    <p:spTree>
-      <p:nvGrpSpPr>
-        <p:cNvPr id="1" name=""/>
-        <p:cNvGrpSpPr/>
-        <p:nvPr/>
-      </p:nvGrpSpPr>
-      <p:grpSpPr>
-        <a:xfrm>
-          <a:off x="0" y="0"/>
-          <a:ext cx="0" cy="0"/>
-          <a:chOff x="0" y="0"/>
-          <a:chExt cx="0" cy="0"/>
-        </a:xfrm>
-      </p:grpSpPr>
-      <p:sp>
-        <p:nvSpPr>
-          <p:cNvPr id="2" name="슬라이드 이미지 개체 틀 1"/>
-          <p:cNvSpPr>
-            <a:spLocks noGrp="1" noRot="1" noChangeAspect="1"/>
-          </p:cNvSpPr>
-          <p:nvPr>
-            <p:ph type="sldImg"/>
-          </p:nvPr>
-        </p:nvSpPr>
-        <p:spPr/>
-      </p:sp>
-      <p:sp>
-        <p:nvSpPr>
-          <p:cNvPr id="3" name="슬라이드 노트 개체 틀 2"/>
-          <p:cNvSpPr>
-            <a:spLocks noGrp="1"/>
-          </p:cNvSpPr>
-          <p:nvPr>
-            <p:ph type="body" idx="1"/>
-          </p:nvPr>
-        </p:nvSpPr>
-        <p:spPr/>
-        <p:txBody>
-          <a:bodyPr/>
-          <a:lstStyle/>
-          <a:p>
-            <a:r>
-              <a:rPr lang="ko-KR" altLang="en-US" dirty="0" smtClean="0"/>
-              <a:t>퇴사 상태 변경 </a:t>
-            </a:r>
-            <a:r>
-              <a:rPr lang="ko-KR" altLang="en-US" dirty="0" err="1" smtClean="0"/>
-              <a:t>메소드입니다</a:t>
-            </a:r>
-            <a:r>
-              <a:rPr lang="en-US" altLang="ko-KR" dirty="0" smtClean="0"/>
-              <a:t>. </a:t>
-            </a:r>
-            <a:r>
-              <a:rPr lang="ko-KR" altLang="en-US" dirty="0" smtClean="0"/>
-              <a:t>퇴사</a:t>
-            </a:r>
-            <a:r>
-              <a:rPr lang="ko-KR" altLang="en-US" baseline="0" dirty="0" smtClean="0"/>
-              <a:t> 신청 후 승인되거나 </a:t>
-            </a:r>
-            <a:r>
-              <a:rPr lang="ko-KR" altLang="en-US" baseline="0" dirty="0" err="1" smtClean="0"/>
-              <a:t>취소되었을때</a:t>
-            </a:r>
-            <a:r>
-              <a:rPr lang="en-US" altLang="ko-KR" baseline="0" dirty="0" smtClean="0"/>
-              <a:t>, </a:t>
-            </a:r>
-            <a:r>
-              <a:rPr lang="ko-KR" altLang="en-US" baseline="0" dirty="0" smtClean="0"/>
-              <a:t>퇴사가 </a:t>
-            </a:r>
-            <a:r>
-              <a:rPr lang="ko-KR" altLang="en-US" baseline="0" dirty="0" err="1" smtClean="0"/>
-              <a:t>완료됐을때</a:t>
-            </a:r>
-            <a:r>
-              <a:rPr lang="ko-KR" altLang="en-US" baseline="0" dirty="0" smtClean="0"/>
-              <a:t> </a:t>
-            </a:r>
-            <a:r>
-              <a:rPr lang="en-US" altLang="ko-KR" baseline="0" dirty="0" smtClean="0"/>
-              <a:t>update </a:t>
-            </a:r>
-            <a:r>
-              <a:rPr lang="ko-KR" altLang="en-US" baseline="0" dirty="0" smtClean="0"/>
-              <a:t>명령으로 상태를 변경할 수 있습니다</a:t>
-            </a:r>
-            <a:r>
-              <a:rPr lang="en-US" altLang="ko-KR" baseline="0" dirty="0" smtClean="0"/>
-              <a:t>. </a:t>
-            </a:r>
-            <a:endParaRPr lang="ko-KR" altLang="en-US" dirty="0"/>
-          </a:p>
-        </p:txBody>
-      </p:sp>
-      <p:sp>
-        <p:nvSpPr>
-          <p:cNvPr id="4" name="슬라이드 번호 개체 틀 3"/>
-          <p:cNvSpPr>
-            <a:spLocks noGrp="1"/>
-          </p:cNvSpPr>
-          <p:nvPr>
-            <p:ph type="sldNum" sz="quarter" idx="10"/>
-          </p:nvPr>
-        </p:nvSpPr>
-        <p:spPr/>
-        <p:txBody>
-          <a:bodyPr/>
-          <a:lstStyle/>
-          <a:p>
-            <a:fld id="{0217327B-F913-468E-89AE-6D76E5DDF623}" type="slidenum">
-              <a:rPr lang="ko-KR" altLang="en-US" smtClean="0"/>
-              <a:pPr/>
-              <a:t>10</a:t>
-            </a:fld>
-            <a:endParaRPr lang="ko-KR" altLang="en-US"/>
-          </a:p>
-        </p:txBody>
-      </p:sp>
-    </p:spTree>
-    <p:extLst>
-      <p:ext uri="{BB962C8B-B14F-4D97-AF65-F5344CB8AC3E}">
-        <p14:creationId xmlns:p14="http://schemas.microsoft.com/office/powerpoint/2010/main" val="3507157977"/>
-      </p:ext>
-    </p:extLst>
-  </p:cSld>
-  <p:clrMapOvr>
-    <a:masterClrMapping/>
-  </p:clrMapOvr>
-</p:notes>
-</file>
-
-<file path=ppt/notesSlides/notesSlide8.xml><?xml version="1.0" encoding="utf-8"?>
-<p:notes xmlns:a="http://schemas.openxmlformats.org/drawingml/2006/main" xmlns:r="http://schemas.openxmlformats.org/officeDocument/2006/relationships" xmlns:p="http://schemas.openxmlformats.org/presentationml/2006/main">
-  <p:cSld>
-    <p:spTree>
-      <p:nvGrpSpPr>
-        <p:cNvPr id="1" name=""/>
-        <p:cNvGrpSpPr/>
-        <p:nvPr/>
-      </p:nvGrpSpPr>
-      <p:grpSpPr>
-        <a:xfrm>
-          <a:off x="0" y="0"/>
-          <a:ext cx="0" cy="0"/>
-          <a:chOff x="0" y="0"/>
-          <a:chExt cx="0" cy="0"/>
-        </a:xfrm>
-      </p:grpSpPr>
-      <p:sp>
-        <p:nvSpPr>
-          <p:cNvPr id="2" name="슬라이드 이미지 개체 틀 1"/>
-          <p:cNvSpPr>
-            <a:spLocks noGrp="1" noRot="1" noChangeAspect="1"/>
-          </p:cNvSpPr>
-          <p:nvPr>
-            <p:ph type="sldImg"/>
-          </p:nvPr>
-        </p:nvSpPr>
-        <p:spPr/>
-      </p:sp>
-      <p:sp>
-        <p:nvSpPr>
-          <p:cNvPr id="3" name="슬라이드 노트 개체 틀 2"/>
-          <p:cNvSpPr>
-            <a:spLocks noGrp="1"/>
-          </p:cNvSpPr>
-          <p:nvPr>
-            <p:ph type="body" idx="1"/>
-          </p:nvPr>
-        </p:nvSpPr>
-        <p:spPr/>
-        <p:txBody>
-          <a:bodyPr/>
-          <a:lstStyle/>
-          <a:p>
-            <a:r>
-              <a:rPr lang="ko-KR" altLang="en-US" dirty="0" smtClean="0"/>
-              <a:t>승인된 퇴사 신청서 중 퇴사하기로 한 날짜가 지나면 사원을 </a:t>
-            </a:r>
-            <a:r>
-              <a:rPr lang="ko-KR" altLang="en-US" dirty="0" err="1" smtClean="0"/>
-              <a:t>한명한명</a:t>
-            </a:r>
-            <a:r>
-              <a:rPr lang="ko-KR" altLang="en-US" dirty="0" smtClean="0"/>
-              <a:t> 입력하지 않아도 한번에 상태를 변경할 수 있는 자동 퇴사 처리 </a:t>
-            </a:r>
-            <a:r>
-              <a:rPr lang="ko-KR" altLang="en-US" dirty="0" err="1" smtClean="0"/>
-              <a:t>메소드</a:t>
-            </a:r>
-            <a:r>
-              <a:rPr lang="ko-KR" altLang="en-US" dirty="0" smtClean="0"/>
-              <a:t> 입니다</a:t>
-            </a:r>
-            <a:r>
-              <a:rPr lang="en-US" altLang="ko-KR" dirty="0" smtClean="0"/>
-              <a:t>. </a:t>
-            </a:r>
-          </a:p>
-          <a:p>
-            <a:r>
-              <a:rPr lang="en-US" altLang="ko-KR" dirty="0" smtClean="0"/>
-              <a:t>State</a:t>
-            </a:r>
-            <a:r>
-              <a:rPr lang="ko-KR" altLang="en-US" dirty="0" smtClean="0"/>
-              <a:t>가 승인이고 </a:t>
-            </a:r>
-            <a:r>
-              <a:rPr lang="ko-KR" altLang="en-US" dirty="0" err="1" smtClean="0"/>
-              <a:t>퇴사신청일이</a:t>
-            </a:r>
-            <a:r>
-              <a:rPr lang="ko-KR" altLang="en-US" dirty="0" smtClean="0"/>
-              <a:t> </a:t>
-            </a:r>
-            <a:r>
-              <a:rPr lang="en-US" altLang="ko-KR" dirty="0" err="1" smtClean="0"/>
-              <a:t>sysdate</a:t>
-            </a:r>
-            <a:r>
-              <a:rPr lang="ko-KR" altLang="en-US" dirty="0" smtClean="0"/>
-              <a:t>보다 작은 날짜에서 </a:t>
-            </a:r>
-            <a:r>
-              <a:rPr lang="en-US" altLang="ko-KR" dirty="0" smtClean="0"/>
-              <a:t>state</a:t>
-            </a:r>
-            <a:r>
-              <a:rPr lang="ko-KR" altLang="en-US" dirty="0" smtClean="0"/>
-              <a:t>를 퇴사로 업데이트 합니다 </a:t>
-            </a:r>
-            <a:endParaRPr lang="ko-KR" altLang="en-US" dirty="0"/>
-          </a:p>
-        </p:txBody>
-      </p:sp>
-      <p:sp>
-        <p:nvSpPr>
-          <p:cNvPr id="4" name="슬라이드 번호 개체 틀 3"/>
-          <p:cNvSpPr>
-            <a:spLocks noGrp="1"/>
-          </p:cNvSpPr>
-          <p:nvPr>
-            <p:ph type="sldNum" sz="quarter" idx="10"/>
-          </p:nvPr>
-        </p:nvSpPr>
-        <p:spPr/>
-        <p:txBody>
-          <a:bodyPr/>
-          <a:lstStyle/>
-          <a:p>
-            <a:fld id="{0217327B-F913-468E-89AE-6D76E5DDF623}" type="slidenum">
-              <a:rPr lang="ko-KR" altLang="en-US" smtClean="0"/>
-              <a:pPr/>
-              <a:t>11</a:t>
-            </a:fld>
-            <a:endParaRPr lang="ko-KR" altLang="en-US"/>
-          </a:p>
-        </p:txBody>
-      </p:sp>
-    </p:spTree>
-    <p:extLst>
-      <p:ext uri="{BB962C8B-B14F-4D97-AF65-F5344CB8AC3E}">
-        <p14:creationId xmlns:p14="http://schemas.microsoft.com/office/powerpoint/2010/main" val="3776237879"/>
       </p:ext>
     </p:extLst>
   </p:cSld>
@@ -11651,38 +12260,70 @@
           <a:lstStyle/>
           <a:p>
             <a:r>
-              <a:rPr lang="ko-KR" altLang="en-US" dirty="0" smtClean="0"/>
-              <a:t>다음은 복리후생 등록 기능입니다</a:t>
-            </a:r>
-            <a:r>
-              <a:rPr lang="en-US" altLang="ko-KR" dirty="0" smtClean="0"/>
-              <a:t>. </a:t>
-            </a:r>
-            <a:r>
-              <a:rPr lang="ko-KR" altLang="en-US" dirty="0" smtClean="0"/>
-              <a:t>기본정보를 입력하고 </a:t>
-            </a:r>
-            <a:r>
-              <a:rPr lang="ko-KR" altLang="en-US" dirty="0" err="1" smtClean="0"/>
-              <a:t>신청가능한</a:t>
-            </a:r>
-            <a:r>
-              <a:rPr lang="ko-KR" altLang="en-US" dirty="0" smtClean="0"/>
-              <a:t> 조건을 </a:t>
-            </a:r>
-            <a:r>
-              <a:rPr lang="en-US" altLang="ko-KR" dirty="0" err="1" smtClean="0"/>
+              <a:rPr lang="ko-KR" altLang="en-US" baseline="0" dirty="0" err="1" smtClean="0"/>
+              <a:t>검색메소드에서</a:t>
+            </a:r>
+            <a:r>
+              <a:rPr lang="ko-KR" altLang="en-US" baseline="0" dirty="0" smtClean="0"/>
+              <a:t> 검색조건에 맞게 변경된 </a:t>
+            </a:r>
+            <a:r>
+              <a:rPr lang="en-US" altLang="ko-KR" baseline="0" dirty="0" err="1" smtClean="0"/>
               <a:t>sql</a:t>
             </a:r>
             <a:r>
-              <a:rPr lang="ko-KR" altLang="en-US" dirty="0" smtClean="0"/>
-              <a:t>문으로 만들어서 테이블의 요소로 저장하게 했습니다</a:t>
-            </a:r>
-            <a:r>
-              <a:rPr lang="en-US" altLang="ko-KR" dirty="0" smtClean="0"/>
+              <a:rPr lang="ko-KR" altLang="en-US" baseline="0" dirty="0" smtClean="0"/>
+              <a:t>문을 가져오고</a:t>
+            </a:r>
+            <a:endParaRPr lang="en-US" altLang="ko-KR" baseline="0" dirty="0" smtClean="0"/>
+          </a:p>
+          <a:p>
+            <a:r>
+              <a:rPr lang="en-US" altLang="ko-KR" baseline="0" dirty="0" smtClean="0"/>
+              <a:t>Prepared statement</a:t>
+            </a:r>
+            <a:r>
+              <a:rPr lang="ko-KR" altLang="en-US" baseline="0" dirty="0" smtClean="0"/>
+              <a:t>에 조건을 </a:t>
+            </a:r>
+            <a:r>
+              <a:rPr lang="ko-KR" altLang="en-US" baseline="0" dirty="0" err="1" smtClean="0"/>
+              <a:t>입력할때</a:t>
+            </a:r>
+            <a:endParaRPr lang="en-US" altLang="ko-KR" baseline="0" dirty="0" smtClean="0"/>
+          </a:p>
+          <a:p>
+            <a:r>
+              <a:rPr lang="ko-KR" altLang="en-US" baseline="0" dirty="0" smtClean="0"/>
+              <a:t>검색조건이 설정되었는지 안되었는지 넘버링을 통해 구분해서 검색을 실행합니다</a:t>
+            </a:r>
+            <a:r>
+              <a:rPr lang="en-US" altLang="ko-KR" baseline="0" dirty="0" smtClean="0"/>
               <a:t>.</a:t>
             </a:r>
-            <a:endParaRPr lang="ko-KR" altLang="en-US" dirty="0"/>
+          </a:p>
+          <a:p>
+            <a:r>
+              <a:rPr lang="ko-KR" altLang="en-US" baseline="0" dirty="0" smtClean="0"/>
+              <a:t>그리고</a:t>
+            </a:r>
+            <a:r>
+              <a:rPr lang="en-US" altLang="ko-KR" baseline="0" dirty="0" smtClean="0"/>
+              <a:t> </a:t>
+            </a:r>
+            <a:r>
+              <a:rPr lang="ko-KR" altLang="en-US" baseline="0" dirty="0" smtClean="0"/>
+              <a:t>나온 값은 리스트에 저장해서 </a:t>
+            </a:r>
+            <a:r>
+              <a:rPr lang="en-US" altLang="ko-KR" baseline="0" dirty="0" smtClean="0"/>
+              <a:t>for</a:t>
+            </a:r>
+            <a:r>
+              <a:rPr lang="ko-KR" altLang="en-US" baseline="0" dirty="0" smtClean="0"/>
+              <a:t>문으로 출력하도록 했습니다</a:t>
+            </a:r>
+            <a:endParaRPr lang="en-US" altLang="ko-KR" baseline="0" dirty="0" smtClean="0"/>
           </a:p>
         </p:txBody>
       </p:sp>
@@ -11704,7 +12345,7 @@
             <a:fld id="{0217327B-F913-468E-89AE-6D76E5DDF623}" type="slidenum">
               <a:rPr lang="ko-KR" altLang="en-US" smtClean="0"/>
               <a:pPr/>
-              <a:t>13</a:t>
+              <a:t>9</a:t>
             </a:fld>
             <a:endParaRPr lang="ko-KR" altLang="en-US"/>
           </a:p>
@@ -11713,7 +12354,7 @@
     </p:spTree>
     <p:extLst>
       <p:ext uri="{BB962C8B-B14F-4D97-AF65-F5344CB8AC3E}">
-        <p14:creationId xmlns:p14="http://schemas.microsoft.com/office/powerpoint/2010/main" val="155156572"/>
+        <p14:creationId xmlns:p14="http://schemas.microsoft.com/office/powerpoint/2010/main" val="2488888731"/>
       </p:ext>
     </p:extLst>
   </p:cSld>
@@ -11902,9 +12543,8 @@
           <a:bodyPr/>
           <a:lstStyle/>
           <a:p>
-            <a:fld id="{1554ACBD-FE76-428F-92B7-8CF735459289}" type="datetimeFigureOut">
+            <a:fld id="{84934931-49AD-4F81-85BC-853DD233692A}" type="datetime1">
               <a:rPr lang="ko-KR" altLang="en-US" smtClean="0"/>
-              <a:pPr/>
               <a:t>2022-10-28</a:t>
             </a:fld>
             <a:endParaRPr lang="ko-KR" altLang="en-US"/>
@@ -12076,9 +12716,8 @@
           <a:bodyPr/>
           <a:lstStyle/>
           <a:p>
-            <a:fld id="{1554ACBD-FE76-428F-92B7-8CF735459289}" type="datetimeFigureOut">
+            <a:fld id="{C8E94F8B-87A6-4AD6-AC7E-EDFCDEFCCFD4}" type="datetime1">
               <a:rPr lang="ko-KR" altLang="en-US" smtClean="0"/>
-              <a:pPr/>
               <a:t>2022-10-28</a:t>
             </a:fld>
             <a:endParaRPr lang="ko-KR" altLang="en-US"/>
@@ -12260,9 +12899,8 @@
           <a:bodyPr/>
           <a:lstStyle/>
           <a:p>
-            <a:fld id="{1554ACBD-FE76-428F-92B7-8CF735459289}" type="datetimeFigureOut">
+            <a:fld id="{E709CB9F-5AAA-48A7-8B37-5CB5E8B58173}" type="datetime1">
               <a:rPr lang="ko-KR" altLang="en-US" smtClean="0"/>
-              <a:pPr/>
               <a:t>2022-10-28</a:t>
             </a:fld>
             <a:endParaRPr lang="ko-KR" altLang="en-US"/>
@@ -12398,9 +13036,8 @@
           <a:bodyPr/>
           <a:lstStyle/>
           <a:p>
-            <a:fld id="{1554ACBD-FE76-428F-92B7-8CF735459289}" type="datetimeFigureOut">
+            <a:fld id="{98907AA8-EDAB-494C-AC38-6C13FA45A173}" type="datetime1">
               <a:rPr lang="ko-KR" altLang="en-US" smtClean="0"/>
-              <a:pPr/>
               <a:t>2022-10-28</a:t>
             </a:fld>
             <a:endParaRPr lang="ko-KR" altLang="en-US"/>
@@ -12825,9 +13462,8 @@
           <a:bodyPr/>
           <a:lstStyle/>
           <a:p>
-            <a:fld id="{1554ACBD-FE76-428F-92B7-8CF735459289}" type="datetimeFigureOut">
+            <a:fld id="{6C084F20-AD51-4BBC-AD68-65941E414C44}" type="datetime1">
               <a:rPr lang="ko-KR" altLang="en-US" smtClean="0"/>
-              <a:pPr/>
               <a:t>2022-10-28</a:t>
             </a:fld>
             <a:endParaRPr lang="ko-KR" altLang="en-US"/>
@@ -13122,9 +13758,8 @@
           <a:bodyPr/>
           <a:lstStyle/>
           <a:p>
-            <a:fld id="{1554ACBD-FE76-428F-92B7-8CF735459289}" type="datetimeFigureOut">
+            <a:fld id="{DB97A3A1-FFD9-4BDA-9BD2-879CDA90D4A0}" type="datetime1">
               <a:rPr lang="ko-KR" altLang="en-US" smtClean="0"/>
-              <a:pPr/>
               <a:t>2022-10-28</a:t>
             </a:fld>
             <a:endParaRPr lang="ko-KR" altLang="en-US"/>
@@ -13548,9 +14183,8 @@
           <a:bodyPr/>
           <a:lstStyle/>
           <a:p>
-            <a:fld id="{1554ACBD-FE76-428F-92B7-8CF735459289}" type="datetimeFigureOut">
+            <a:fld id="{6E4140DC-8FD2-4754-AEAE-1941B8C8DEEC}" type="datetime1">
               <a:rPr lang="ko-KR" altLang="en-US" smtClean="0"/>
-              <a:pPr/>
               <a:t>2022-10-28</a:t>
             </a:fld>
             <a:endParaRPr lang="ko-KR" altLang="en-US"/>
@@ -13670,9 +14304,8 @@
           <a:bodyPr/>
           <a:lstStyle/>
           <a:p>
-            <a:fld id="{1554ACBD-FE76-428F-92B7-8CF735459289}" type="datetimeFigureOut">
+            <a:fld id="{D92890D5-1FE4-43DC-853A-D37D7EA58D42}" type="datetime1">
               <a:rPr lang="ko-KR" altLang="en-US" smtClean="0"/>
-              <a:pPr/>
               <a:t>2022-10-28</a:t>
             </a:fld>
             <a:endParaRPr lang="ko-KR" altLang="en-US"/>
@@ -13769,9 +14402,8 @@
           <a:bodyPr/>
           <a:lstStyle/>
           <a:p>
-            <a:fld id="{1554ACBD-FE76-428F-92B7-8CF735459289}" type="datetimeFigureOut">
+            <a:fld id="{D6081D2D-A673-491C-A1E6-48545AB3775D}" type="datetime1">
               <a:rPr lang="ko-KR" altLang="en-US" smtClean="0"/>
-              <a:pPr/>
               <a:t>2022-10-28</a:t>
             </a:fld>
             <a:endParaRPr lang="ko-KR" altLang="en-US"/>
@@ -14200,9 +14832,8 @@
           <a:bodyPr/>
           <a:lstStyle/>
           <a:p>
-            <a:fld id="{1554ACBD-FE76-428F-92B7-8CF735459289}" type="datetimeFigureOut">
+            <a:fld id="{82744B0E-68E1-4D72-B4F8-71A203AED164}" type="datetime1">
               <a:rPr lang="ko-KR" altLang="en-US" smtClean="0"/>
-              <a:pPr/>
               <a:t>2022-10-28</a:t>
             </a:fld>
             <a:endParaRPr lang="ko-KR" altLang="en-US"/>
@@ -14457,9 +15088,8 @@
           <a:bodyPr/>
           <a:lstStyle/>
           <a:p>
-            <a:fld id="{1554ACBD-FE76-428F-92B7-8CF735459289}" type="datetimeFigureOut">
+            <a:fld id="{4722BD82-37CE-4596-A84E-AFC0F9FD9EAE}" type="datetime1">
               <a:rPr lang="ko-KR" altLang="en-US" smtClean="0"/>
-              <a:pPr/>
               <a:t>2022-10-28</a:t>
             </a:fld>
             <a:endParaRPr lang="ko-KR" altLang="en-US"/>
@@ -14670,9 +15300,8 @@
             </a:lvl1pPr>
           </a:lstStyle>
           <a:p>
-            <a:fld id="{1554ACBD-FE76-428F-92B7-8CF735459289}" type="datetimeFigureOut">
+            <a:fld id="{34281E82-A5BC-4F45-ADF3-CF810E32BE20}" type="datetime1">
               <a:rPr lang="ko-KR" altLang="en-US" smtClean="0"/>
-              <a:pPr/>
               <a:t>2022-10-28</a:t>
             </a:fld>
             <a:endParaRPr lang="ko-KR" altLang="en-US"/>
@@ -14781,6 +15410,7 @@
       </p:par>
     </p:tnLst>
   </p:timing>
+  <p:hf hdr="0" ftr="0" dt="0"/>
   <p:txStyles>
     <p:titleStyle>
       <a:lvl1pPr algn="ctr" defTabSz="914400" rtl="0" eaLnBrk="1" latinLnBrk="1" hangingPunct="1">
@@ -15431,7 +16061,7 @@
             <p:nvPr/>
           </p:nvPicPr>
           <p:blipFill>
-            <a:blip r:embed="rId2" cstate="print"/>
+            <a:blip r:embed="rId3" cstate="print"/>
             <a:srcRect l="34969" t="7785" r="35058" b="63671"/>
             <a:stretch>
               <a:fillRect/>
@@ -15503,7 +16133,7 @@
           <p:nvPr/>
         </p:nvPicPr>
         <p:blipFill>
-          <a:blip r:embed="rId3" cstate="print"/>
+          <a:blip r:embed="rId4" cstate="print"/>
           <a:srcRect l="34969" t="7785" r="35058" b="63671"/>
           <a:stretch>
             <a:fillRect/>
@@ -16331,7 +16961,7 @@
             <p:nvPr/>
           </p:nvPicPr>
           <p:blipFill>
-            <a:blip r:embed="rId3" cstate="print"/>
+            <a:blip r:embed="rId4" cstate="print"/>
             <a:srcRect l="34969" t="7785" r="35058" b="63671"/>
             <a:stretch>
               <a:fillRect/>
@@ -16690,7 +17320,7 @@
           <p:nvPr/>
         </p:nvPicPr>
         <p:blipFill>
-          <a:blip r:embed="rId4" cstate="print"/>
+          <a:blip r:embed="rId5" cstate="print"/>
           <a:srcRect l="18754" r="72590" b="71384"/>
           <a:stretch>
             <a:fillRect/>
@@ -16761,7 +17391,7 @@
           <p:nvPr/>
         </p:nvPicPr>
         <p:blipFill>
-          <a:blip r:embed="rId4" cstate="print"/>
+          <a:blip r:embed="rId5" cstate="print"/>
           <a:srcRect l="78853" t="50000" r="13934" b="28538"/>
           <a:stretch>
             <a:fillRect/>
@@ -16786,7 +17416,7 @@
           <p:nvPr/>
         </p:nvPicPr>
         <p:blipFill>
-          <a:blip r:embed="rId4" cstate="print"/>
+          <a:blip r:embed="rId5" cstate="print"/>
           <a:srcRect l="75018" t="7154" r="16326" b="71384"/>
           <a:stretch>
             <a:fillRect/>
@@ -16811,7 +17441,7 @@
           <p:nvPr/>
         </p:nvPicPr>
         <p:blipFill>
-          <a:blip r:embed="rId4" cstate="print"/>
+          <a:blip r:embed="rId5" cstate="print"/>
           <a:srcRect r="91837" b="71462"/>
           <a:stretch>
             <a:fillRect/>
@@ -16931,7 +17561,7 @@
             <p:nvPr/>
           </p:nvPicPr>
           <p:blipFill>
-            <a:blip r:embed="rId2" cstate="print"/>
+            <a:blip r:embed="rId3" cstate="print"/>
             <a:srcRect l="34969" t="7785" r="35058" b="63671"/>
             <a:stretch>
               <a:fillRect/>
@@ -16957,7 +17587,7 @@
           <p:nvPr/>
         </p:nvPicPr>
         <p:blipFill>
-          <a:blip r:embed="rId4" cstate="print"/>
+          <a:blip r:embed="rId5" cstate="print"/>
           <a:srcRect l="9931" t="24623" r="82856" b="50338"/>
           <a:stretch>
             <a:fillRect/>
@@ -16982,7 +17612,7 @@
           <p:nvPr/>
         </p:nvPicPr>
         <p:blipFill>
-          <a:blip r:embed="rId4" cstate="print"/>
+          <a:blip r:embed="rId5" cstate="print"/>
           <a:srcRect l="11541" t="57233" r="79803" b="21305"/>
           <a:stretch>
             <a:fillRect/>
@@ -17040,6 +17670,30 @@
           <a:lstStyle/>
           <a:p>
             <a:pPr algn="ctr"/>
+            <a:endParaRPr lang="ko-KR" altLang="en-US"/>
+          </a:p>
+        </p:txBody>
+      </p:sp>
+      <p:sp>
+        <p:nvSpPr>
+          <p:cNvPr id="2" name="슬라이드 번호 개체 틀 1"/>
+          <p:cNvSpPr>
+            <a:spLocks noGrp="1"/>
+          </p:cNvSpPr>
+          <p:nvPr>
+            <p:ph type="sldNum" sz="quarter" idx="12"/>
+          </p:nvPr>
+        </p:nvSpPr>
+        <p:spPr/>
+        <p:txBody>
+          <a:bodyPr/>
+          <a:lstStyle/>
+          <a:p>
+            <a:fld id="{9A932D3B-E778-4CD4-BF04-29FCFDFE760D}" type="slidenum">
+              <a:rPr lang="ko-KR" altLang="en-US" smtClean="0"/>
+              <a:pPr/>
+              <a:t>1</a:t>
+            </a:fld>
             <a:endParaRPr lang="ko-KR" altLang="en-US"/>
           </a:p>
         </p:txBody>
@@ -17365,6 +18019,30 @@
           </a:ln>
         </p:spPr>
       </p:pic>
+      <p:sp>
+        <p:nvSpPr>
+          <p:cNvPr id="10" name="슬라이드 번호 개체 틀 9"/>
+          <p:cNvSpPr>
+            <a:spLocks noGrp="1"/>
+          </p:cNvSpPr>
+          <p:nvPr>
+            <p:ph type="sldNum" sz="quarter" idx="12"/>
+          </p:nvPr>
+        </p:nvSpPr>
+        <p:spPr/>
+        <p:txBody>
+          <a:bodyPr/>
+          <a:lstStyle/>
+          <a:p>
+            <a:fld id="{9A932D3B-E778-4CD4-BF04-29FCFDFE760D}" type="slidenum">
+              <a:rPr lang="ko-KR" altLang="en-US" smtClean="0"/>
+              <a:pPr/>
+              <a:t>10</a:t>
+            </a:fld>
+            <a:endParaRPr lang="ko-KR" altLang="en-US"/>
+          </a:p>
+        </p:txBody>
+      </p:sp>
     </p:spTree>
     <p:extLst>
       <p:ext uri="{BB962C8B-B14F-4D97-AF65-F5344CB8AC3E}">
@@ -17668,6 +18346,30 @@
           </a:prstGeom>
         </p:spPr>
       </p:pic>
+      <p:sp>
+        <p:nvSpPr>
+          <p:cNvPr id="9" name="슬라이드 번호 개체 틀 8"/>
+          <p:cNvSpPr>
+            <a:spLocks noGrp="1"/>
+          </p:cNvSpPr>
+          <p:nvPr>
+            <p:ph type="sldNum" sz="quarter" idx="12"/>
+          </p:nvPr>
+        </p:nvSpPr>
+        <p:spPr/>
+        <p:txBody>
+          <a:bodyPr/>
+          <a:lstStyle/>
+          <a:p>
+            <a:fld id="{9A932D3B-E778-4CD4-BF04-29FCFDFE760D}" type="slidenum">
+              <a:rPr lang="ko-KR" altLang="en-US" smtClean="0"/>
+              <a:pPr/>
+              <a:t>11</a:t>
+            </a:fld>
+            <a:endParaRPr lang="ko-KR" altLang="en-US"/>
+          </a:p>
+        </p:txBody>
+      </p:sp>
     </p:spTree>
     <p:extLst>
       <p:ext uri="{BB962C8B-B14F-4D97-AF65-F5344CB8AC3E}">
@@ -17746,6 +18448,30 @@
           </a:p>
         </p:txBody>
       </p:sp>
+      <p:sp>
+        <p:nvSpPr>
+          <p:cNvPr id="2" name="슬라이드 번호 개체 틀 1"/>
+          <p:cNvSpPr>
+            <a:spLocks noGrp="1"/>
+          </p:cNvSpPr>
+          <p:nvPr>
+            <p:ph type="sldNum" sz="quarter" idx="12"/>
+          </p:nvPr>
+        </p:nvSpPr>
+        <p:spPr/>
+        <p:txBody>
+          <a:bodyPr/>
+          <a:lstStyle/>
+          <a:p>
+            <a:fld id="{9A932D3B-E778-4CD4-BF04-29FCFDFE760D}" type="slidenum">
+              <a:rPr lang="ko-KR" altLang="en-US" smtClean="0"/>
+              <a:pPr/>
+              <a:t>12</a:t>
+            </a:fld>
+            <a:endParaRPr lang="ko-KR" altLang="en-US"/>
+          </a:p>
+        </p:txBody>
+      </p:sp>
     </p:spTree>
     <p:extLst>
       <p:ext uri="{BB962C8B-B14F-4D97-AF65-F5344CB8AC3E}">
@@ -17767,6 +18493,140 @@
 </file>
 
 <file path=ppt/slides/slide13.xml><?xml version="1.0" encoding="utf-8"?>
+<p:sld xmlns:a="http://schemas.openxmlformats.org/drawingml/2006/main" xmlns:r="http://schemas.openxmlformats.org/officeDocument/2006/relationships" xmlns:p="http://schemas.openxmlformats.org/presentationml/2006/main">
+  <p:cSld>
+    <p:spTree>
+      <p:nvGrpSpPr>
+        <p:cNvPr id="1" name=""/>
+        <p:cNvGrpSpPr/>
+        <p:nvPr/>
+      </p:nvGrpSpPr>
+      <p:grpSpPr>
+        <a:xfrm>
+          <a:off x="0" y="0"/>
+          <a:ext cx="0" cy="0"/>
+          <a:chOff x="0" y="0"/>
+          <a:chExt cx="0" cy="0"/>
+        </a:xfrm>
+      </p:grpSpPr>
+      <p:sp>
+        <p:nvSpPr>
+          <p:cNvPr id="3" name="슬라이드 번호 개체 틀 2"/>
+          <p:cNvSpPr>
+            <a:spLocks noGrp="1"/>
+          </p:cNvSpPr>
+          <p:nvPr>
+            <p:ph type="sldNum" sz="quarter" idx="12"/>
+          </p:nvPr>
+        </p:nvSpPr>
+        <p:spPr/>
+        <p:txBody>
+          <a:bodyPr/>
+          <a:lstStyle/>
+          <a:p>
+            <a:fld id="{9A932D3B-E778-4CD4-BF04-29FCFDFE760D}" type="slidenum">
+              <a:rPr lang="ko-KR" altLang="en-US" smtClean="0"/>
+              <a:pPr/>
+              <a:t>13</a:t>
+            </a:fld>
+            <a:endParaRPr lang="ko-KR" altLang="en-US"/>
+          </a:p>
+        </p:txBody>
+      </p:sp>
+      <p:sp>
+        <p:nvSpPr>
+          <p:cNvPr id="4" name="제목 3"/>
+          <p:cNvSpPr>
+            <a:spLocks noGrp="1"/>
+          </p:cNvSpPr>
+          <p:nvPr>
+            <p:ph type="title"/>
+          </p:nvPr>
+        </p:nvSpPr>
+        <p:spPr/>
+        <p:txBody>
+          <a:bodyPr/>
+          <a:lstStyle/>
+          <a:p>
+            <a:r>
+              <a:rPr lang="ko-KR" altLang="en-US" dirty="0" smtClean="0"/>
+              <a:t>복지</a:t>
+            </a:r>
+            <a:r>
+              <a:rPr lang="en-US" altLang="ko-KR" dirty="0" smtClean="0"/>
+              <a:t>/</a:t>
+            </a:r>
+            <a:r>
+              <a:rPr lang="ko-KR" altLang="en-US" dirty="0" smtClean="0"/>
+              <a:t>교육</a:t>
+            </a:r>
+            <a:endParaRPr lang="ko-KR" altLang="en-US" dirty="0"/>
+          </a:p>
+        </p:txBody>
+      </p:sp>
+      <p:sp>
+        <p:nvSpPr>
+          <p:cNvPr id="5" name="텍스트 개체 틀 4"/>
+          <p:cNvSpPr>
+            <a:spLocks noGrp="1"/>
+          </p:cNvSpPr>
+          <p:nvPr>
+            <p:ph type="body" sz="quarter" idx="13"/>
+          </p:nvPr>
+        </p:nvSpPr>
+        <p:spPr/>
+        <p:txBody>
+          <a:bodyPr>
+            <a:normAutofit lnSpcReduction="10000"/>
+          </a:bodyPr>
+          <a:lstStyle/>
+          <a:p>
+            <a:r>
+              <a:rPr lang="ko-KR" altLang="en-US" dirty="0" smtClean="0"/>
+              <a:t>테이블 구조</a:t>
+            </a:r>
+            <a:endParaRPr lang="ko-KR" altLang="en-US" dirty="0"/>
+          </a:p>
+        </p:txBody>
+      </p:sp>
+      <p:pic>
+        <p:nvPicPr>
+          <p:cNvPr id="8" name="그림 7"/>
+          <p:cNvPicPr>
+            <a:picLocks noChangeAspect="1"/>
+          </p:cNvPicPr>
+          <p:nvPr/>
+        </p:nvPicPr>
+        <p:blipFill>
+          <a:blip r:embed="rId3"/>
+          <a:stretch>
+            <a:fillRect/>
+          </a:stretch>
+        </p:blipFill>
+        <p:spPr>
+          <a:xfrm>
+            <a:off x="1733873" y="1275606"/>
+            <a:ext cx="5904136" cy="3407705"/>
+          </a:xfrm>
+          <a:prstGeom prst="rect">
+            <a:avLst/>
+          </a:prstGeom>
+        </p:spPr>
+      </p:pic>
+    </p:spTree>
+    <p:extLst>
+      <p:ext uri="{BB962C8B-B14F-4D97-AF65-F5344CB8AC3E}">
+        <p14:creationId xmlns:p14="http://schemas.microsoft.com/office/powerpoint/2010/main" val="2278131705"/>
+      </p:ext>
+    </p:extLst>
+  </p:cSld>
+  <p:clrMapOvr>
+    <a:masterClrMapping/>
+  </p:clrMapOvr>
+</p:sld>
+</file>
+
+<file path=ppt/slides/slide14.xml><?xml version="1.0" encoding="utf-8"?>
 <p:sld xmlns:a="http://schemas.openxmlformats.org/drawingml/2006/main" xmlns:r="http://schemas.openxmlformats.org/officeDocument/2006/relationships" xmlns:p="http://schemas.openxmlformats.org/presentationml/2006/main">
   <p:cSld>
     <p:spTree>
@@ -18018,6 +18878,30 @@
           </a:p>
         </p:txBody>
       </p:sp>
+      <p:sp>
+        <p:nvSpPr>
+          <p:cNvPr id="4" name="슬라이드 번호 개체 틀 3"/>
+          <p:cNvSpPr>
+            <a:spLocks noGrp="1"/>
+          </p:cNvSpPr>
+          <p:nvPr>
+            <p:ph type="sldNum" sz="quarter" idx="12"/>
+          </p:nvPr>
+        </p:nvSpPr>
+        <p:spPr/>
+        <p:txBody>
+          <a:bodyPr/>
+          <a:lstStyle/>
+          <a:p>
+            <a:fld id="{9A932D3B-E778-4CD4-BF04-29FCFDFE760D}" type="slidenum">
+              <a:rPr lang="ko-KR" altLang="en-US" smtClean="0"/>
+              <a:pPr/>
+              <a:t>14</a:t>
+            </a:fld>
+            <a:endParaRPr lang="ko-KR" altLang="en-US"/>
+          </a:p>
+        </p:txBody>
+      </p:sp>
     </p:spTree>
     <p:extLst>
       <p:ext uri="{BB962C8B-B14F-4D97-AF65-F5344CB8AC3E}">
@@ -18038,7 +18922,7 @@
 </p:sld>
 </file>
 
-<file path=ppt/slides/slide14.xml><?xml version="1.0" encoding="utf-8"?>
+<file path=ppt/slides/slide15.xml><?xml version="1.0" encoding="utf-8"?>
 <p:sld xmlns:a="http://schemas.openxmlformats.org/drawingml/2006/main" xmlns:r="http://schemas.openxmlformats.org/officeDocument/2006/relationships" xmlns:p="http://schemas.openxmlformats.org/presentationml/2006/main">
   <p:cSld>
     <p:spTree>
@@ -18325,6 +19209,30 @@
           </a:p>
         </p:txBody>
       </p:sp>
+      <p:sp>
+        <p:nvSpPr>
+          <p:cNvPr id="5" name="슬라이드 번호 개체 틀 4"/>
+          <p:cNvSpPr>
+            <a:spLocks noGrp="1"/>
+          </p:cNvSpPr>
+          <p:nvPr>
+            <p:ph type="sldNum" sz="quarter" idx="12"/>
+          </p:nvPr>
+        </p:nvSpPr>
+        <p:spPr/>
+        <p:txBody>
+          <a:bodyPr/>
+          <a:lstStyle/>
+          <a:p>
+            <a:fld id="{9A932D3B-E778-4CD4-BF04-29FCFDFE760D}" type="slidenum">
+              <a:rPr lang="ko-KR" altLang="en-US" smtClean="0"/>
+              <a:pPr/>
+              <a:t>15</a:t>
+            </a:fld>
+            <a:endParaRPr lang="ko-KR" altLang="en-US"/>
+          </a:p>
+        </p:txBody>
+      </p:sp>
     </p:spTree>
     <p:extLst>
       <p:ext uri="{BB962C8B-B14F-4D97-AF65-F5344CB8AC3E}">
@@ -18345,7 +19253,7 @@
 </p:sld>
 </file>
 
-<file path=ppt/slides/slide15.xml><?xml version="1.0" encoding="utf-8"?>
+<file path=ppt/slides/slide16.xml><?xml version="1.0" encoding="utf-8"?>
 <p:sld xmlns:a="http://schemas.openxmlformats.org/drawingml/2006/main" xmlns:r="http://schemas.openxmlformats.org/officeDocument/2006/relationships" xmlns:p="http://schemas.openxmlformats.org/presentationml/2006/main">
   <p:cSld>
     <p:spTree>
@@ -18619,6 +19527,30 @@
           </a:p>
         </p:txBody>
       </p:sp>
+      <p:sp>
+        <p:nvSpPr>
+          <p:cNvPr id="4" name="슬라이드 번호 개체 틀 3"/>
+          <p:cNvSpPr>
+            <a:spLocks noGrp="1"/>
+          </p:cNvSpPr>
+          <p:nvPr>
+            <p:ph type="sldNum" sz="quarter" idx="12"/>
+          </p:nvPr>
+        </p:nvSpPr>
+        <p:spPr/>
+        <p:txBody>
+          <a:bodyPr/>
+          <a:lstStyle/>
+          <a:p>
+            <a:fld id="{9A932D3B-E778-4CD4-BF04-29FCFDFE760D}" type="slidenum">
+              <a:rPr lang="ko-KR" altLang="en-US" smtClean="0"/>
+              <a:pPr/>
+              <a:t>16</a:t>
+            </a:fld>
+            <a:endParaRPr lang="ko-KR" altLang="en-US"/>
+          </a:p>
+        </p:txBody>
+      </p:sp>
     </p:spTree>
     <p:extLst>
       <p:ext uri="{BB962C8B-B14F-4D97-AF65-F5344CB8AC3E}">
@@ -18639,7 +19571,7 @@
 </p:sld>
 </file>
 
-<file path=ppt/slides/slide16.xml><?xml version="1.0" encoding="utf-8"?>
+<file path=ppt/slides/slide17.xml><?xml version="1.0" encoding="utf-8"?>
 <p:sld xmlns:a="http://schemas.openxmlformats.org/drawingml/2006/main" xmlns:r="http://schemas.openxmlformats.org/officeDocument/2006/relationships" xmlns:p="http://schemas.openxmlformats.org/presentationml/2006/main">
   <p:cSld>
     <p:spTree>
@@ -18873,16 +19805,15 @@
           </p:cNvPicPr>
           <p:nvPr/>
         </p:nvPicPr>
-        <p:blipFill>
+        <p:blipFill rotWithShape="1">
           <a:blip r:embed="rId4"/>
-          <a:stretch>
-            <a:fillRect/>
-          </a:stretch>
+          <a:srcRect t="27435"/>
+          <a:stretch/>
         </p:blipFill>
         <p:spPr>
           <a:xfrm>
-            <a:off x="1142264" y="1897434"/>
-            <a:ext cx="7560840" cy="883056"/>
+            <a:off x="1115616" y="1900984"/>
+            <a:ext cx="7560840" cy="640788"/>
           </a:xfrm>
           <a:prstGeom prst="rect">
             <a:avLst/>
@@ -18891,7 +19822,7 @@
       </p:pic>
       <p:pic>
         <p:nvPicPr>
-          <p:cNvPr id="4" name="그림 3"/>
+          <p:cNvPr id="5" name="그림 4"/>
           <p:cNvPicPr>
             <a:picLocks noChangeAspect="1"/>
           </p:cNvPicPr>
@@ -18905,14 +19836,226 @@
         </p:blipFill>
         <p:spPr>
           <a:xfrm>
-            <a:off x="1137506" y="2875384"/>
-            <a:ext cx="5317961" cy="2268116"/>
+            <a:off x="1097667" y="2836569"/>
+            <a:ext cx="6264696" cy="2133488"/>
           </a:xfrm>
           <a:prstGeom prst="rect">
             <a:avLst/>
           </a:prstGeom>
         </p:spPr>
       </p:pic>
+      <p:sp>
+        <p:nvSpPr>
+          <p:cNvPr id="6" name="슬라이드 번호 개체 틀 5"/>
+          <p:cNvSpPr>
+            <a:spLocks noGrp="1"/>
+          </p:cNvSpPr>
+          <p:nvPr>
+            <p:ph type="sldNum" sz="quarter" idx="12"/>
+          </p:nvPr>
+        </p:nvSpPr>
+        <p:spPr/>
+        <p:txBody>
+          <a:bodyPr/>
+          <a:lstStyle/>
+          <a:p>
+            <a:fld id="{9A932D3B-E778-4CD4-BF04-29FCFDFE760D}" type="slidenum">
+              <a:rPr lang="ko-KR" altLang="en-US" smtClean="0"/>
+              <a:pPr/>
+              <a:t>17</a:t>
+            </a:fld>
+            <a:endParaRPr lang="ko-KR" altLang="en-US"/>
+          </a:p>
+        </p:txBody>
+      </p:sp>
+      <p:sp>
+        <p:nvSpPr>
+          <p:cNvPr id="12" name="직사각형 11"/>
+          <p:cNvSpPr/>
+          <p:nvPr/>
+        </p:nvSpPr>
+        <p:spPr>
+          <a:xfrm>
+            <a:off x="6804248" y="1878441"/>
+            <a:ext cx="1872208" cy="261262"/>
+          </a:xfrm>
+          <a:prstGeom prst="rect">
+            <a:avLst/>
+          </a:prstGeom>
+          <a:noFill/>
+          <a:ln>
+            <a:solidFill>
+              <a:srgbClr val="C00000"/>
+            </a:solidFill>
+          </a:ln>
+        </p:spPr>
+        <p:style>
+          <a:lnRef idx="2">
+            <a:schemeClr val="accent1">
+              <a:shade val="50000"/>
+            </a:schemeClr>
+          </a:lnRef>
+          <a:fillRef idx="1">
+            <a:schemeClr val="accent1"/>
+          </a:fillRef>
+          <a:effectRef idx="0">
+            <a:schemeClr val="accent1"/>
+          </a:effectRef>
+          <a:fontRef idx="minor">
+            <a:schemeClr val="lt1"/>
+          </a:fontRef>
+        </p:style>
+        <p:txBody>
+          <a:bodyPr rtlCol="0" anchor="ctr"/>
+          <a:lstStyle/>
+          <a:p>
+            <a:pPr algn="ctr"/>
+            <a:endParaRPr lang="ko-KR" altLang="en-US"/>
+          </a:p>
+        </p:txBody>
+      </p:sp>
+      <p:sp>
+        <p:nvSpPr>
+          <p:cNvPr id="13" name="직사각형 12"/>
+          <p:cNvSpPr/>
+          <p:nvPr/>
+        </p:nvSpPr>
+        <p:spPr>
+          <a:xfrm>
+            <a:off x="1756488" y="2348279"/>
+            <a:ext cx="1195512" cy="222121"/>
+          </a:xfrm>
+          <a:prstGeom prst="rect">
+            <a:avLst/>
+          </a:prstGeom>
+          <a:noFill/>
+          <a:ln>
+            <a:solidFill>
+              <a:srgbClr val="C00000"/>
+            </a:solidFill>
+          </a:ln>
+        </p:spPr>
+        <p:style>
+          <a:lnRef idx="2">
+            <a:schemeClr val="accent1">
+              <a:shade val="50000"/>
+            </a:schemeClr>
+          </a:lnRef>
+          <a:fillRef idx="1">
+            <a:schemeClr val="accent1"/>
+          </a:fillRef>
+          <a:effectRef idx="0">
+            <a:schemeClr val="accent1"/>
+          </a:effectRef>
+          <a:fontRef idx="minor">
+            <a:schemeClr val="lt1"/>
+          </a:fontRef>
+        </p:style>
+        <p:txBody>
+          <a:bodyPr rtlCol="0" anchor="ctr"/>
+          <a:lstStyle/>
+          <a:p>
+            <a:pPr algn="ctr"/>
+            <a:endParaRPr lang="ko-KR" altLang="en-US"/>
+          </a:p>
+        </p:txBody>
+      </p:sp>
+      <p:sp>
+        <p:nvSpPr>
+          <p:cNvPr id="14" name="TextBox 13"/>
+          <p:cNvSpPr txBox="1"/>
+          <p:nvPr/>
+        </p:nvSpPr>
+        <p:spPr>
+          <a:xfrm>
+            <a:off x="7956376" y="1593208"/>
+            <a:ext cx="1008112" cy="307777"/>
+          </a:xfrm>
+          <a:prstGeom prst="rect">
+            <a:avLst/>
+          </a:prstGeom>
+          <a:solidFill>
+            <a:schemeClr val="bg1">
+              <a:lumMod val="95000"/>
+              <a:alpha val="50000"/>
+            </a:schemeClr>
+          </a:solidFill>
+        </p:spPr>
+        <p:txBody>
+          <a:bodyPr wrap="square" rtlCol="0">
+            <a:spAutoFit/>
+          </a:bodyPr>
+          <a:lstStyle/>
+          <a:p>
+            <a:pPr algn="ctr"/>
+            <a:r>
+              <a:rPr lang="ko-KR" altLang="en-US" sz="1400" dirty="0" smtClean="0">
+                <a:solidFill>
+                  <a:srgbClr val="C00000"/>
+                </a:solidFill>
+                <a:latin typeface="a아시아헤드1" panose="02020600000000000000" pitchFamily="18" charset="-127"/>
+                <a:ea typeface="a아시아헤드1" panose="02020600000000000000" pitchFamily="18" charset="-127"/>
+              </a:rPr>
+              <a:t>인원확인</a:t>
+            </a:r>
+            <a:endParaRPr lang="en-US" altLang="ko-KR" sz="1600" dirty="0" smtClean="0">
+              <a:solidFill>
+                <a:srgbClr val="C00000"/>
+              </a:solidFill>
+              <a:latin typeface="a아시아헤드1" panose="02020600000000000000" pitchFamily="18" charset="-127"/>
+              <a:ea typeface="a아시아헤드1" panose="02020600000000000000" pitchFamily="18" charset="-127"/>
+            </a:endParaRPr>
+          </a:p>
+        </p:txBody>
+      </p:sp>
+      <p:sp>
+        <p:nvSpPr>
+          <p:cNvPr id="15" name="TextBox 14"/>
+          <p:cNvSpPr txBox="1"/>
+          <p:nvPr/>
+        </p:nvSpPr>
+        <p:spPr>
+          <a:xfrm>
+            <a:off x="2699792" y="2522082"/>
+            <a:ext cx="792088" cy="307777"/>
+          </a:xfrm>
+          <a:prstGeom prst="rect">
+            <a:avLst/>
+          </a:prstGeom>
+          <a:solidFill>
+            <a:schemeClr val="bg1">
+              <a:lumMod val="95000"/>
+              <a:alpha val="50000"/>
+            </a:schemeClr>
+          </a:solidFill>
+        </p:spPr>
+        <p:txBody>
+          <a:bodyPr wrap="square" rtlCol="0">
+            <a:spAutoFit/>
+          </a:bodyPr>
+          <a:lstStyle/>
+          <a:p>
+            <a:pPr algn="ctr"/>
+            <a:r>
+              <a:rPr lang="ko-KR" altLang="en-US" sz="1400" dirty="0" smtClean="0">
+                <a:solidFill>
+                  <a:srgbClr val="C00000"/>
+                </a:solidFill>
+                <a:latin typeface="a아시아헤드1" panose="02020600000000000000" pitchFamily="18" charset="-127"/>
+                <a:ea typeface="a아시아헤드1" panose="02020600000000000000" pitchFamily="18" charset="-127"/>
+              </a:rPr>
+              <a:t>중복확인</a:t>
+            </a:r>
+            <a:endParaRPr lang="en-US" altLang="ko-KR" sz="1600" dirty="0" smtClean="0">
+              <a:solidFill>
+                <a:srgbClr val="C00000"/>
+              </a:solidFill>
+              <a:latin typeface="a아시아헤드1" panose="02020600000000000000" pitchFamily="18" charset="-127"/>
+              <a:ea typeface="a아시아헤드1" panose="02020600000000000000" pitchFamily="18" charset="-127"/>
+            </a:endParaRPr>
+          </a:p>
+        </p:txBody>
+      </p:sp>
     </p:spTree>
     <p:extLst>
       <p:ext uri="{BB962C8B-B14F-4D97-AF65-F5344CB8AC3E}">
@@ -18952,409 +20095,70 @@
       </p:grpSpPr>
       <p:sp>
         <p:nvSpPr>
-          <p:cNvPr id="11" name="직사각형 10"/>
-          <p:cNvSpPr/>
-          <p:nvPr/>
+          <p:cNvPr id="2" name="제목 1"/>
+          <p:cNvSpPr>
+            <a:spLocks noGrp="1"/>
+          </p:cNvSpPr>
+          <p:nvPr>
+            <p:ph type="title"/>
+          </p:nvPr>
         </p:nvSpPr>
-        <p:spPr>
-          <a:xfrm>
-            <a:off x="0" y="51470"/>
-            <a:ext cx="1835696" cy="1933666"/>
-          </a:xfrm>
-          <a:prstGeom prst="rect">
-            <a:avLst/>
-          </a:prstGeom>
-          <a:solidFill>
-            <a:srgbClr val="DF2D32"/>
-          </a:solidFill>
-          <a:ln>
-            <a:noFill/>
-          </a:ln>
-        </p:spPr>
-        <p:style>
-          <a:lnRef idx="2">
-            <a:schemeClr val="accent1">
-              <a:shade val="50000"/>
-            </a:schemeClr>
-          </a:lnRef>
-          <a:fillRef idx="1">
-            <a:schemeClr val="accent1"/>
-          </a:fillRef>
-          <a:effectRef idx="0">
-            <a:schemeClr val="accent1"/>
-          </a:effectRef>
-          <a:fontRef idx="minor">
-            <a:schemeClr val="lt1"/>
-          </a:fontRef>
-        </p:style>
+        <p:spPr/>
         <p:txBody>
-          <a:bodyPr rtlCol="0" anchor="ctr"/>
+          <a:bodyPr/>
           <a:lstStyle/>
           <a:p>
-            <a:pPr algn="ctr"/>
-            <a:endParaRPr lang="ko-KR" altLang="en-US"/>
+            <a:r>
+              <a:rPr lang="ko-KR" altLang="en-US" dirty="0" smtClean="0"/>
+              <a:t>소개</a:t>
+            </a:r>
+            <a:endParaRPr lang="ko-KR" altLang="en-US" dirty="0"/>
           </a:p>
         </p:txBody>
       </p:sp>
       <p:sp>
         <p:nvSpPr>
-          <p:cNvPr id="10" name="직사각형 9"/>
-          <p:cNvSpPr/>
-          <p:nvPr/>
+          <p:cNvPr id="3" name="텍스트 개체 틀 2"/>
+          <p:cNvSpPr>
+            <a:spLocks noGrp="1"/>
+          </p:cNvSpPr>
+          <p:nvPr>
+            <p:ph type="body" sz="quarter" idx="13"/>
+          </p:nvPr>
         </p:nvSpPr>
-        <p:spPr>
-          <a:xfrm>
-            <a:off x="0" y="0"/>
-            <a:ext cx="9144000" cy="411510"/>
-          </a:xfrm>
-          <a:prstGeom prst="rect">
-            <a:avLst/>
-          </a:prstGeom>
-          <a:solidFill>
-            <a:srgbClr val="FFF100"/>
-          </a:solidFill>
-          <a:ln>
-            <a:noFill/>
-          </a:ln>
-        </p:spPr>
-        <p:style>
-          <a:lnRef idx="2">
-            <a:schemeClr val="accent1">
-              <a:shade val="50000"/>
-            </a:schemeClr>
-          </a:lnRef>
-          <a:fillRef idx="1">
-            <a:schemeClr val="accent1"/>
-          </a:fillRef>
-          <a:effectRef idx="0">
-            <a:schemeClr val="accent1"/>
-          </a:effectRef>
-          <a:fontRef idx="minor">
-            <a:schemeClr val="lt1"/>
-          </a:fontRef>
-        </p:style>
+        <p:spPr/>
         <p:txBody>
-          <a:bodyPr rtlCol="0" anchor="ctr"/>
+          <a:bodyPr>
+            <a:normAutofit lnSpcReduction="10000"/>
+          </a:bodyPr>
           <a:lstStyle/>
           <a:p>
-            <a:pPr algn="ctr"/>
-            <a:endParaRPr lang="ko-KR" altLang="en-US"/>
+            <a:r>
+              <a:rPr lang="en-US" altLang="ko-KR" sz="1400" dirty="0"/>
+              <a:t>- </a:t>
+            </a:r>
+            <a:r>
+              <a:rPr lang="ko-KR" altLang="en-US" sz="1400" dirty="0"/>
+              <a:t>일정 계획</a:t>
+            </a:r>
+          </a:p>
+          <a:p>
+            <a:endParaRPr lang="ko-KR" altLang="en-US" dirty="0"/>
           </a:p>
         </p:txBody>
       </p:sp>
-      <p:grpSp>
-        <p:nvGrpSpPr>
-          <p:cNvPr id="15" name="그룹 14"/>
-          <p:cNvGrpSpPr/>
-          <p:nvPr/>
-        </p:nvGrpSpPr>
-        <p:grpSpPr>
-          <a:xfrm>
-            <a:off x="0" y="474226"/>
-            <a:ext cx="1835696" cy="1737484"/>
-            <a:chOff x="0" y="474226"/>
-            <a:chExt cx="1835696" cy="1737484"/>
-          </a:xfrm>
-        </p:grpSpPr>
-        <p:sp>
-          <p:nvSpPr>
-            <p:cNvPr id="19" name="직사각형 18"/>
-            <p:cNvSpPr/>
-            <p:nvPr/>
-          </p:nvSpPr>
-          <p:spPr>
-            <a:xfrm>
-              <a:off x="0" y="895029"/>
-              <a:ext cx="1835696" cy="1316681"/>
-            </a:xfrm>
-            <a:prstGeom prst="rect">
-              <a:avLst/>
-            </a:prstGeom>
-            <a:solidFill>
-              <a:srgbClr val="C00000"/>
-            </a:solidFill>
-            <a:ln>
-              <a:noFill/>
-            </a:ln>
-          </p:spPr>
-          <p:style>
-            <a:lnRef idx="2">
-              <a:schemeClr val="accent1">
-                <a:shade val="50000"/>
-              </a:schemeClr>
-            </a:lnRef>
-            <a:fillRef idx="1">
-              <a:schemeClr val="accent1"/>
-            </a:fillRef>
-            <a:effectRef idx="0">
-              <a:schemeClr val="accent1"/>
-            </a:effectRef>
-            <a:fontRef idx="minor">
-              <a:schemeClr val="lt1"/>
-            </a:fontRef>
-          </p:style>
-          <p:txBody>
-            <a:bodyPr rtlCol="0" anchor="ctr"/>
-            <a:lstStyle/>
-            <a:p>
-              <a:pPr algn="ctr"/>
-              <a:endParaRPr lang="ko-KR" altLang="en-US"/>
-            </a:p>
-          </p:txBody>
-        </p:sp>
-        <p:cxnSp>
-          <p:nvCxnSpPr>
-            <p:cNvPr id="14" name="직선 연결선 13"/>
-            <p:cNvCxnSpPr/>
-            <p:nvPr/>
-          </p:nvCxnSpPr>
-          <p:spPr>
-            <a:xfrm>
-              <a:off x="0" y="1311175"/>
-              <a:ext cx="1835696" cy="0"/>
-            </a:xfrm>
-            <a:prstGeom prst="line">
-              <a:avLst/>
-            </a:prstGeom>
-            <a:ln>
-              <a:solidFill>
-                <a:schemeClr val="bg1"/>
-              </a:solidFill>
-            </a:ln>
-          </p:spPr>
-          <p:style>
-            <a:lnRef idx="1">
-              <a:schemeClr val="accent1"/>
-            </a:lnRef>
-            <a:fillRef idx="0">
-              <a:schemeClr val="accent1"/>
-            </a:fillRef>
-            <a:effectRef idx="0">
-              <a:schemeClr val="accent1"/>
-            </a:effectRef>
-            <a:fontRef idx="minor">
-              <a:schemeClr val="tx1"/>
-            </a:fontRef>
-          </p:style>
-        </p:cxnSp>
-        <p:sp>
-          <p:nvSpPr>
-            <p:cNvPr id="22" name="TextBox 21"/>
-            <p:cNvSpPr txBox="1"/>
-            <p:nvPr/>
-          </p:nvSpPr>
-          <p:spPr>
-            <a:xfrm>
-              <a:off x="107504" y="474226"/>
-              <a:ext cx="1584176" cy="369332"/>
-            </a:xfrm>
-            <a:prstGeom prst="rect">
-              <a:avLst/>
-            </a:prstGeom>
-            <a:noFill/>
-            <a:ln>
-              <a:noFill/>
-            </a:ln>
-          </p:spPr>
-          <p:txBody>
-            <a:bodyPr wrap="square" rtlCol="0">
-              <a:spAutoFit/>
-            </a:bodyPr>
-            <a:lstStyle/>
-            <a:p>
-              <a:r>
-                <a:rPr lang="ko-KR" altLang="en-US" dirty="0" smtClean="0">
-                  <a:solidFill>
-                    <a:schemeClr val="bg1"/>
-                  </a:solidFill>
-                  <a:latin typeface="a아시아헤드1" pitchFamily="18" charset="-127"/>
-                  <a:ea typeface="a아시아헤드1" pitchFamily="18" charset="-127"/>
-                </a:rPr>
-                <a:t>소개</a:t>
-              </a:r>
-              <a:endParaRPr lang="ko-KR" altLang="en-US" dirty="0">
-                <a:solidFill>
-                  <a:schemeClr val="bg1"/>
-                </a:solidFill>
-                <a:latin typeface="a아시아헤드1" pitchFamily="18" charset="-127"/>
-                <a:ea typeface="a아시아헤드1" pitchFamily="18" charset="-127"/>
-              </a:endParaRPr>
-            </a:p>
-          </p:txBody>
-        </p:sp>
-        <p:sp>
-          <p:nvSpPr>
-            <p:cNvPr id="13" name="TextBox 12"/>
-            <p:cNvSpPr txBox="1"/>
-            <p:nvPr/>
-          </p:nvSpPr>
-          <p:spPr>
-            <a:xfrm>
-              <a:off x="107504" y="915566"/>
-              <a:ext cx="1440160" cy="323165"/>
-            </a:xfrm>
-            <a:prstGeom prst="rect">
-              <a:avLst/>
-            </a:prstGeom>
-            <a:noFill/>
-          </p:spPr>
-          <p:txBody>
-            <a:bodyPr wrap="square" rtlCol="0">
-              <a:spAutoFit/>
-            </a:bodyPr>
-            <a:lstStyle/>
-            <a:p>
-              <a:r>
-                <a:rPr lang="en-US" altLang="ko-KR" sz="1500" dirty="0" smtClean="0">
-                  <a:solidFill>
-                    <a:schemeClr val="bg1"/>
-                  </a:solidFill>
-                  <a:latin typeface="a아시아헤드1" pitchFamily="18" charset="-127"/>
-                  <a:ea typeface="a아시아헤드1" pitchFamily="18" charset="-127"/>
-                </a:rPr>
-                <a:t>- </a:t>
-              </a:r>
-              <a:r>
-                <a:rPr lang="ko-KR" altLang="en-US" sz="1500" dirty="0" smtClean="0">
-                  <a:solidFill>
-                    <a:schemeClr val="bg1"/>
-                  </a:solidFill>
-                  <a:latin typeface="a아시아헤드1" pitchFamily="18" charset="-127"/>
-                  <a:ea typeface="a아시아헤드1" pitchFamily="18" charset="-127"/>
-                </a:rPr>
-                <a:t>역할 분담</a:t>
-              </a:r>
-              <a:endParaRPr lang="ko-KR" altLang="en-US" sz="1500" dirty="0">
-                <a:solidFill>
-                  <a:schemeClr val="bg1"/>
-                </a:solidFill>
-                <a:latin typeface="a아시아헤드1" pitchFamily="18" charset="-127"/>
-                <a:ea typeface="a아시아헤드1" pitchFamily="18" charset="-127"/>
-              </a:endParaRPr>
-            </a:p>
-          </p:txBody>
-        </p:sp>
-        <p:sp>
-          <p:nvSpPr>
-            <p:cNvPr id="17" name="TextBox 16"/>
-            <p:cNvSpPr txBox="1"/>
-            <p:nvPr/>
-          </p:nvSpPr>
-          <p:spPr>
-            <a:xfrm>
-              <a:off x="107504" y="1383619"/>
-              <a:ext cx="1440160" cy="323165"/>
-            </a:xfrm>
-            <a:prstGeom prst="rect">
-              <a:avLst/>
-            </a:prstGeom>
-            <a:noFill/>
-          </p:spPr>
-          <p:txBody>
-            <a:bodyPr wrap="square" rtlCol="0">
-              <a:spAutoFit/>
-            </a:bodyPr>
-            <a:lstStyle/>
-            <a:p>
-              <a:r>
-                <a:rPr lang="en-US" altLang="ko-KR" sz="1500" dirty="0" smtClean="0">
-                  <a:solidFill>
-                    <a:schemeClr val="bg1"/>
-                  </a:solidFill>
-                  <a:latin typeface="a아시아헤드1" pitchFamily="18" charset="-127"/>
-                  <a:ea typeface="a아시아헤드1" pitchFamily="18" charset="-127"/>
-                </a:rPr>
-                <a:t>- </a:t>
-              </a:r>
-              <a:r>
-                <a:rPr lang="ko-KR" altLang="en-US" sz="1500" dirty="0" smtClean="0">
-                  <a:solidFill>
-                    <a:schemeClr val="bg1"/>
-                  </a:solidFill>
-                  <a:latin typeface="a아시아헤드1" pitchFamily="18" charset="-127"/>
-                  <a:ea typeface="a아시아헤드1" pitchFamily="18" charset="-127"/>
-                </a:rPr>
-                <a:t>일정 계획</a:t>
-              </a:r>
-              <a:endParaRPr lang="ko-KR" altLang="en-US" sz="1500" dirty="0">
-                <a:solidFill>
-                  <a:schemeClr val="bg1"/>
-                </a:solidFill>
-                <a:latin typeface="a아시아헤드1" pitchFamily="18" charset="-127"/>
-                <a:ea typeface="a아시아헤드1" pitchFamily="18" charset="-127"/>
-              </a:endParaRPr>
-            </a:p>
-          </p:txBody>
-        </p:sp>
-        <p:sp>
-          <p:nvSpPr>
-            <p:cNvPr id="12" name="직사각형 11"/>
-            <p:cNvSpPr/>
-            <p:nvPr/>
-          </p:nvSpPr>
-          <p:spPr>
-            <a:xfrm>
-              <a:off x="0" y="1779662"/>
-              <a:ext cx="1835696" cy="432048"/>
-            </a:xfrm>
-            <a:prstGeom prst="rect">
-              <a:avLst/>
-            </a:prstGeom>
-            <a:solidFill>
-              <a:srgbClr val="FFFCD9"/>
-            </a:solidFill>
-            <a:ln>
-              <a:solidFill>
-                <a:srgbClr val="FFFCD9"/>
-              </a:solidFill>
-            </a:ln>
-          </p:spPr>
-          <p:style>
-            <a:lnRef idx="2">
-              <a:schemeClr val="accent1">
-                <a:shade val="50000"/>
-              </a:schemeClr>
-            </a:lnRef>
-            <a:fillRef idx="1">
-              <a:schemeClr val="accent1"/>
-            </a:fillRef>
-            <a:effectRef idx="0">
-              <a:schemeClr val="accent1"/>
-            </a:effectRef>
-            <a:fontRef idx="minor">
-              <a:schemeClr val="lt1"/>
-            </a:fontRef>
-          </p:style>
-          <p:txBody>
-            <a:bodyPr rtlCol="0" anchor="ctr"/>
-            <a:lstStyle/>
-            <a:p>
-              <a:pPr algn="ctr"/>
-              <a:endParaRPr lang="ko-KR" altLang="en-US" dirty="0">
-                <a:solidFill>
-                  <a:srgbClr val="003D91"/>
-                </a:solidFill>
-              </a:endParaRPr>
-            </a:p>
-          </p:txBody>
-        </p:sp>
-      </p:grpSp>
       <p:graphicFrame>
         <p:nvGraphicFramePr>
-          <p:cNvPr id="24" name="표 23"/>
+          <p:cNvPr id="4" name="표 3"/>
           <p:cNvGraphicFramePr>
             <a:graphicFrameLocks noGrp="1"/>
           </p:cNvGraphicFramePr>
           <p:nvPr>
-            <p:extLst>
-              <p:ext uri="{D42A27DB-BD31-4B8C-83A1-F6EECF244321}">
-                <p14:modId xmlns:p14="http://schemas.microsoft.com/office/powerpoint/2010/main" val="1942747086"/>
-              </p:ext>
-            </p:extLst>
+            <p:extLst/>
           </p:nvPr>
         </p:nvGraphicFramePr>
         <p:xfrm>
-          <a:off x="1835695" y="470072"/>
+          <a:off x="1900144" y="483518"/>
           <a:ext cx="7148049" cy="4352729"/>
         </p:xfrm>
         <a:graphic>
@@ -23924,18 +24728,14 @@
       </p:graphicFrame>
       <p:graphicFrame>
         <p:nvGraphicFramePr>
-          <p:cNvPr id="16" name="차트 15"/>
+          <p:cNvPr id="5" name="차트 4"/>
           <p:cNvGraphicFramePr/>
           <p:nvPr>
-            <p:extLst>
-              <p:ext uri="{D42A27DB-BD31-4B8C-83A1-F6EECF244321}">
-                <p14:modId xmlns:p14="http://schemas.microsoft.com/office/powerpoint/2010/main" val="2251415366"/>
-              </p:ext>
-            </p:extLst>
+            <p:extLst/>
           </p:nvPr>
         </p:nvGraphicFramePr>
         <p:xfrm>
-          <a:off x="3419872" y="2931790"/>
+          <a:off x="3484321" y="2945236"/>
           <a:ext cx="540000" cy="540000"/>
         </p:xfrm>
         <a:graphic>
@@ -23946,18 +24746,14 @@
       </p:graphicFrame>
       <p:graphicFrame>
         <p:nvGraphicFramePr>
-          <p:cNvPr id="21" name="차트 20"/>
+          <p:cNvPr id="6" name="차트 5"/>
           <p:cNvGraphicFramePr/>
           <p:nvPr>
-            <p:extLst>
-              <p:ext uri="{D42A27DB-BD31-4B8C-83A1-F6EECF244321}">
-                <p14:modId xmlns:p14="http://schemas.microsoft.com/office/powerpoint/2010/main" val="908133621"/>
-              </p:ext>
-            </p:extLst>
+            <p:extLst/>
           </p:nvPr>
         </p:nvGraphicFramePr>
         <p:xfrm>
-          <a:off x="4464048" y="2931790"/>
+          <a:off x="4528497" y="2945236"/>
           <a:ext cx="540000" cy="540000"/>
         </p:xfrm>
         <a:graphic>
@@ -23968,18 +24764,14 @@
       </p:graphicFrame>
       <p:graphicFrame>
         <p:nvGraphicFramePr>
-          <p:cNvPr id="23" name="차트 22"/>
+          <p:cNvPr id="7" name="차트 6"/>
           <p:cNvGraphicFramePr/>
           <p:nvPr>
-            <p:extLst>
-              <p:ext uri="{D42A27DB-BD31-4B8C-83A1-F6EECF244321}">
-                <p14:modId xmlns:p14="http://schemas.microsoft.com/office/powerpoint/2010/main" val="1941170748"/>
-              </p:ext>
-            </p:extLst>
+            <p:extLst/>
           </p:nvPr>
         </p:nvGraphicFramePr>
         <p:xfrm>
-          <a:off x="5495679" y="2931790"/>
+          <a:off x="5560128" y="2945236"/>
           <a:ext cx="540000" cy="540000"/>
         </p:xfrm>
         <a:graphic>
@@ -23990,18 +24782,14 @@
       </p:graphicFrame>
       <p:graphicFrame>
         <p:nvGraphicFramePr>
-          <p:cNvPr id="25" name="차트 24"/>
+          <p:cNvPr id="8" name="차트 7"/>
           <p:cNvGraphicFramePr/>
           <p:nvPr>
-            <p:extLst>
-              <p:ext uri="{D42A27DB-BD31-4B8C-83A1-F6EECF244321}">
-                <p14:modId xmlns:p14="http://schemas.microsoft.com/office/powerpoint/2010/main" val="3411003796"/>
-              </p:ext>
-            </p:extLst>
+            <p:extLst/>
           </p:nvPr>
         </p:nvGraphicFramePr>
         <p:xfrm>
-          <a:off x="6503791" y="2931790"/>
+          <a:off x="6568240" y="2945236"/>
           <a:ext cx="540000" cy="540000"/>
         </p:xfrm>
         <a:graphic>
@@ -24012,18 +24800,14 @@
       </p:graphicFrame>
       <p:graphicFrame>
         <p:nvGraphicFramePr>
-          <p:cNvPr id="26" name="차트 25"/>
+          <p:cNvPr id="9" name="차트 8"/>
           <p:cNvGraphicFramePr/>
           <p:nvPr>
-            <p:extLst>
-              <p:ext uri="{D42A27DB-BD31-4B8C-83A1-F6EECF244321}">
-                <p14:modId xmlns:p14="http://schemas.microsoft.com/office/powerpoint/2010/main" val="1667771924"/>
-              </p:ext>
-            </p:extLst>
+            <p:extLst/>
           </p:nvPr>
         </p:nvGraphicFramePr>
         <p:xfrm>
-          <a:off x="7655919" y="2931790"/>
+          <a:off x="7720368" y="2945236"/>
           <a:ext cx="540000" cy="540000"/>
         </p:xfrm>
         <a:graphic>
@@ -24034,18 +24818,14 @@
       </p:graphicFrame>
       <p:graphicFrame>
         <p:nvGraphicFramePr>
-          <p:cNvPr id="27" name="차트 26"/>
+          <p:cNvPr id="10" name="차트 9"/>
           <p:cNvGraphicFramePr/>
           <p:nvPr>
-            <p:extLst>
-              <p:ext uri="{D42A27DB-BD31-4B8C-83A1-F6EECF244321}">
-                <p14:modId xmlns:p14="http://schemas.microsoft.com/office/powerpoint/2010/main" val="2479933421"/>
-              </p:ext>
-            </p:extLst>
+            <p:extLst/>
           </p:nvPr>
         </p:nvGraphicFramePr>
         <p:xfrm>
-          <a:off x="8532440" y="2931790"/>
+          <a:off x="8596889" y="2945236"/>
           <a:ext cx="540000" cy="540000"/>
         </p:xfrm>
         <a:graphic>
@@ -24056,18 +24836,14 @@
       </p:graphicFrame>
       <p:graphicFrame>
         <p:nvGraphicFramePr>
-          <p:cNvPr id="28" name="차트 27"/>
+          <p:cNvPr id="11" name="차트 10"/>
           <p:cNvGraphicFramePr/>
           <p:nvPr>
-            <p:extLst>
-              <p:ext uri="{D42A27DB-BD31-4B8C-83A1-F6EECF244321}">
-                <p14:modId xmlns:p14="http://schemas.microsoft.com/office/powerpoint/2010/main" val="2530984865"/>
-              </p:ext>
-            </p:extLst>
+            <p:extLst/>
           </p:nvPr>
         </p:nvGraphicFramePr>
         <p:xfrm>
-          <a:off x="3419872" y="4371950"/>
+          <a:off x="3484321" y="4385396"/>
           <a:ext cx="540000" cy="540000"/>
         </p:xfrm>
         <a:graphic>
@@ -24078,18 +24854,14 @@
       </p:graphicFrame>
       <p:graphicFrame>
         <p:nvGraphicFramePr>
-          <p:cNvPr id="30" name="차트 29"/>
+          <p:cNvPr id="12" name="차트 11"/>
           <p:cNvGraphicFramePr/>
           <p:nvPr>
-            <p:extLst>
-              <p:ext uri="{D42A27DB-BD31-4B8C-83A1-F6EECF244321}">
-                <p14:modId xmlns:p14="http://schemas.microsoft.com/office/powerpoint/2010/main" val="2254052071"/>
-              </p:ext>
-            </p:extLst>
+            <p:extLst/>
           </p:nvPr>
         </p:nvGraphicFramePr>
         <p:xfrm>
-          <a:off x="5436096" y="4371950"/>
+          <a:off x="5500545" y="4385396"/>
           <a:ext cx="540000" cy="540000"/>
         </p:xfrm>
         <a:graphic>
@@ -24100,18 +24872,14 @@
       </p:graphicFrame>
       <p:graphicFrame>
         <p:nvGraphicFramePr>
-          <p:cNvPr id="31" name="차트 30"/>
+          <p:cNvPr id="13" name="차트 12"/>
           <p:cNvGraphicFramePr/>
           <p:nvPr>
-            <p:extLst>
-              <p:ext uri="{D42A27DB-BD31-4B8C-83A1-F6EECF244321}">
-                <p14:modId xmlns:p14="http://schemas.microsoft.com/office/powerpoint/2010/main" val="1969251436"/>
-              </p:ext>
-            </p:extLst>
+            <p:extLst/>
           </p:nvPr>
         </p:nvGraphicFramePr>
         <p:xfrm>
-          <a:off x="-33955" y="2680196"/>
+          <a:off x="30494" y="2693642"/>
           <a:ext cx="540000" cy="540000"/>
         </p:xfrm>
         <a:graphic>
@@ -24122,13 +24890,13 @@
       </p:graphicFrame>
       <p:sp>
         <p:nvSpPr>
-          <p:cNvPr id="18" name="TextBox 17"/>
+          <p:cNvPr id="14" name="TextBox 13"/>
           <p:cNvSpPr txBox="1"/>
           <p:nvPr/>
         </p:nvSpPr>
         <p:spPr>
           <a:xfrm>
-            <a:off x="366084" y="2787774"/>
+            <a:off x="430533" y="2801220"/>
             <a:ext cx="1476686" cy="307777"/>
           </a:xfrm>
           <a:prstGeom prst="rect">
@@ -24184,18 +24952,14 @@
       </p:sp>
       <p:graphicFrame>
         <p:nvGraphicFramePr>
-          <p:cNvPr id="32" name="차트 31"/>
+          <p:cNvPr id="15" name="차트 14"/>
           <p:cNvGraphicFramePr/>
           <p:nvPr>
-            <p:extLst>
-              <p:ext uri="{D42A27DB-BD31-4B8C-83A1-F6EECF244321}">
-                <p14:modId xmlns:p14="http://schemas.microsoft.com/office/powerpoint/2010/main" val="1857305853"/>
-              </p:ext>
-            </p:extLst>
+            <p:extLst/>
           </p:nvPr>
         </p:nvGraphicFramePr>
         <p:xfrm>
-          <a:off x="-31220" y="3074995"/>
+          <a:off x="33229" y="3088441"/>
           <a:ext cx="540000" cy="540000"/>
         </p:xfrm>
         <a:graphic>
@@ -24206,13 +24970,13 @@
       </p:graphicFrame>
       <p:sp>
         <p:nvSpPr>
-          <p:cNvPr id="33" name="TextBox 32"/>
+          <p:cNvPr id="16" name="TextBox 15"/>
           <p:cNvSpPr txBox="1"/>
           <p:nvPr/>
         </p:nvSpPr>
         <p:spPr>
           <a:xfrm>
-            <a:off x="359010" y="3183382"/>
+            <a:off x="423459" y="3196828"/>
             <a:ext cx="1127232" cy="307777"/>
           </a:xfrm>
           <a:prstGeom prst="rect">
@@ -24248,18 +25012,14 @@
       </p:sp>
       <p:graphicFrame>
         <p:nvGraphicFramePr>
-          <p:cNvPr id="34" name="차트 33"/>
+          <p:cNvPr id="17" name="차트 16"/>
           <p:cNvGraphicFramePr/>
           <p:nvPr>
-            <p:extLst>
-              <p:ext uri="{D42A27DB-BD31-4B8C-83A1-F6EECF244321}">
-                <p14:modId xmlns:p14="http://schemas.microsoft.com/office/powerpoint/2010/main" val="1202112210"/>
-              </p:ext>
-            </p:extLst>
+            <p:extLst/>
           </p:nvPr>
         </p:nvGraphicFramePr>
         <p:xfrm>
-          <a:off x="5148064" y="2941662"/>
+          <a:off x="5212513" y="2955108"/>
           <a:ext cx="540000" cy="540000"/>
         </p:xfrm>
         <a:graphic>
@@ -24270,18 +25030,14 @@
       </p:graphicFrame>
       <p:graphicFrame>
         <p:nvGraphicFramePr>
-          <p:cNvPr id="35" name="차트 34"/>
+          <p:cNvPr id="18" name="차트 17"/>
           <p:cNvGraphicFramePr/>
           <p:nvPr>
-            <p:extLst>
-              <p:ext uri="{D42A27DB-BD31-4B8C-83A1-F6EECF244321}">
-                <p14:modId xmlns:p14="http://schemas.microsoft.com/office/powerpoint/2010/main" val="3809626409"/>
-              </p:ext>
-            </p:extLst>
+            <p:extLst/>
           </p:nvPr>
         </p:nvGraphicFramePr>
         <p:xfrm>
-          <a:off x="7308304" y="2941662"/>
+          <a:off x="7372753" y="2955108"/>
           <a:ext cx="540000" cy="540000"/>
         </p:xfrm>
         <a:graphic>
@@ -24292,18 +25048,14 @@
       </p:graphicFrame>
       <p:graphicFrame>
         <p:nvGraphicFramePr>
-          <p:cNvPr id="36" name="차트 35"/>
+          <p:cNvPr id="19" name="차트 18"/>
           <p:cNvGraphicFramePr/>
           <p:nvPr>
-            <p:extLst>
-              <p:ext uri="{D42A27DB-BD31-4B8C-83A1-F6EECF244321}">
-                <p14:modId xmlns:p14="http://schemas.microsoft.com/office/powerpoint/2010/main" val="1607810900"/>
-              </p:ext>
-            </p:extLst>
+            <p:extLst/>
           </p:nvPr>
         </p:nvGraphicFramePr>
         <p:xfrm>
-          <a:off x="3059832" y="4371950"/>
+          <a:off x="3124281" y="4385396"/>
           <a:ext cx="540000" cy="540000"/>
         </p:xfrm>
         <a:graphic>
@@ -24312,7 +25064,36 @@
           </a:graphicData>
         </a:graphic>
       </p:graphicFrame>
+      <p:sp>
+        <p:nvSpPr>
+          <p:cNvPr id="20" name="슬라이드 번호 개체 틀 19"/>
+          <p:cNvSpPr>
+            <a:spLocks noGrp="1"/>
+          </p:cNvSpPr>
+          <p:nvPr>
+            <p:ph type="sldNum" sz="quarter" idx="12"/>
+          </p:nvPr>
+        </p:nvSpPr>
+        <p:spPr/>
+        <p:txBody>
+          <a:bodyPr/>
+          <a:lstStyle/>
+          <a:p>
+            <a:fld id="{9A932D3B-E778-4CD4-BF04-29FCFDFE760D}" type="slidenum">
+              <a:rPr lang="ko-KR" altLang="en-US" smtClean="0"/>
+              <a:pPr/>
+              <a:t>2</a:t>
+            </a:fld>
+            <a:endParaRPr lang="ko-KR" altLang="en-US"/>
+          </a:p>
+        </p:txBody>
+      </p:sp>
     </p:spTree>
+    <p:extLst>
+      <p:ext uri="{BB962C8B-B14F-4D97-AF65-F5344CB8AC3E}">
+        <p14:creationId xmlns:p14="http://schemas.microsoft.com/office/powerpoint/2010/main" val="3403476385"/>
+      </p:ext>
+    </p:extLst>
   </p:cSld>
   <p:clrMapOvr>
     <a:masterClrMapping/>
@@ -24346,320 +25127,66 @@
       </p:grpSpPr>
       <p:sp>
         <p:nvSpPr>
-          <p:cNvPr id="10" name="직사각형 9"/>
-          <p:cNvSpPr/>
-          <p:nvPr/>
+          <p:cNvPr id="2" name="제목 1"/>
+          <p:cNvSpPr>
+            <a:spLocks noGrp="1"/>
+          </p:cNvSpPr>
+          <p:nvPr>
+            <p:ph type="title"/>
+          </p:nvPr>
         </p:nvSpPr>
-        <p:spPr>
-          <a:xfrm>
-            <a:off x="0" y="0"/>
-            <a:ext cx="9144000" cy="411510"/>
-          </a:xfrm>
-          <a:prstGeom prst="rect">
-            <a:avLst/>
-          </a:prstGeom>
-          <a:solidFill>
-            <a:srgbClr val="FFF100"/>
-          </a:solidFill>
-          <a:ln>
-            <a:noFill/>
-          </a:ln>
-        </p:spPr>
-        <p:style>
-          <a:lnRef idx="2">
-            <a:schemeClr val="accent1">
-              <a:shade val="50000"/>
-            </a:schemeClr>
-          </a:lnRef>
-          <a:fillRef idx="1">
-            <a:schemeClr val="accent1"/>
-          </a:fillRef>
-          <a:effectRef idx="0">
-            <a:schemeClr val="accent1"/>
-          </a:effectRef>
-          <a:fontRef idx="minor">
-            <a:schemeClr val="lt1"/>
-          </a:fontRef>
-        </p:style>
+        <p:spPr/>
         <p:txBody>
-          <a:bodyPr rtlCol="0" anchor="ctr"/>
+          <a:bodyPr/>
           <a:lstStyle/>
           <a:p>
-            <a:pPr algn="ctr"/>
-            <a:endParaRPr lang="ko-KR" altLang="en-US"/>
+            <a:r>
+              <a:rPr lang="ko-KR" altLang="en-US" dirty="0"/>
+              <a:t>소개</a:t>
+            </a:r>
           </a:p>
         </p:txBody>
       </p:sp>
-      <p:grpSp>
-        <p:nvGrpSpPr>
-          <p:cNvPr id="2" name="그룹 1">
-            <a:extLst>
-              <a:ext uri="{FF2B5EF4-FFF2-40B4-BE49-F238E27FC236}">
-                <a16:creationId xmlns:a16="http://schemas.microsoft.com/office/drawing/2014/main" xmlns="" id="{81F6280F-207A-44D1-0456-D7E0F2995A26}"/>
-              </a:ext>
-            </a:extLst>
-          </p:cNvPr>
-          <p:cNvGrpSpPr/>
-          <p:nvPr/>
-        </p:nvGrpSpPr>
-        <p:grpSpPr>
-          <a:xfrm>
-            <a:off x="0" y="0"/>
-            <a:ext cx="1839889" cy="806202"/>
-            <a:chOff x="0" y="-9754"/>
-            <a:chExt cx="1839889" cy="806202"/>
-          </a:xfrm>
-        </p:grpSpPr>
-        <p:cxnSp>
-          <p:nvCxnSpPr>
-            <p:cNvPr id="4" name="직선 연결선 3">
-              <a:extLst>
-                <a:ext uri="{FF2B5EF4-FFF2-40B4-BE49-F238E27FC236}">
-                  <a16:creationId xmlns:a16="http://schemas.microsoft.com/office/drawing/2014/main" xmlns="" id="{B7F66EE3-7EB3-2849-0715-6908BC8F51A5}"/>
-                </a:ext>
-              </a:extLst>
-            </p:cNvPr>
-            <p:cNvCxnSpPr>
-              <a:cxnSpLocks/>
-            </p:cNvCxnSpPr>
-            <p:nvPr/>
-          </p:nvCxnSpPr>
-          <p:spPr>
-            <a:xfrm>
-              <a:off x="0" y="796448"/>
-              <a:ext cx="1835696" cy="0"/>
-            </a:xfrm>
-            <a:prstGeom prst="line">
-              <a:avLst/>
-            </a:prstGeom>
-            <a:solidFill>
-              <a:srgbClr val="C00000"/>
-            </a:solidFill>
-            <a:ln>
-              <a:solidFill>
-                <a:schemeClr val="bg1"/>
-              </a:solidFill>
-            </a:ln>
-          </p:spPr>
-          <p:style>
-            <a:lnRef idx="1">
-              <a:schemeClr val="accent1"/>
-            </a:lnRef>
-            <a:fillRef idx="0">
-              <a:schemeClr val="accent1"/>
-            </a:fillRef>
-            <a:effectRef idx="0">
-              <a:schemeClr val="accent1"/>
-            </a:effectRef>
-            <a:fontRef idx="minor">
-              <a:schemeClr val="tx1"/>
-            </a:fontRef>
-          </p:style>
-        </p:cxnSp>
-        <p:sp>
-          <p:nvSpPr>
-            <p:cNvPr id="27" name="직사각형 26">
-              <a:extLst>
-                <a:ext uri="{FF2B5EF4-FFF2-40B4-BE49-F238E27FC236}">
-                  <a16:creationId xmlns:a16="http://schemas.microsoft.com/office/drawing/2014/main" xmlns="" id="{92ED0266-E221-8F33-74FD-F8F47222B8BF}"/>
-                </a:ext>
-              </a:extLst>
-            </p:cNvPr>
-            <p:cNvSpPr/>
-            <p:nvPr/>
-          </p:nvSpPr>
-          <p:spPr>
-            <a:xfrm>
-              <a:off x="0" y="-2047"/>
-              <a:ext cx="1835696" cy="798495"/>
-            </a:xfrm>
-            <a:prstGeom prst="rect">
-              <a:avLst/>
-            </a:prstGeom>
-            <a:solidFill>
-              <a:srgbClr val="C00000"/>
-            </a:solidFill>
-            <a:ln>
-              <a:noFill/>
-            </a:ln>
-          </p:spPr>
-          <p:style>
-            <a:lnRef idx="2">
-              <a:schemeClr val="accent1">
-                <a:shade val="50000"/>
-              </a:schemeClr>
-            </a:lnRef>
-            <a:fillRef idx="1">
-              <a:schemeClr val="accent1"/>
-            </a:fillRef>
-            <a:effectRef idx="0">
-              <a:schemeClr val="accent1"/>
-            </a:effectRef>
-            <a:fontRef idx="minor">
-              <a:schemeClr val="lt1"/>
-            </a:fontRef>
-          </p:style>
-          <p:txBody>
-            <a:bodyPr rtlCol="0" anchor="ctr"/>
-            <a:lstStyle/>
-            <a:p>
-              <a:pPr algn="ctr"/>
-              <a:endParaRPr lang="ko-KR" altLang="en-US" dirty="0">
+      <p:sp>
+        <p:nvSpPr>
+          <p:cNvPr id="3" name="텍스트 개체 틀 2"/>
+          <p:cNvSpPr>
+            <a:spLocks noGrp="1"/>
+          </p:cNvSpPr>
+          <p:nvPr>
+            <p:ph type="body" sz="quarter" idx="13"/>
+          </p:nvPr>
+        </p:nvSpPr>
+        <p:spPr/>
+        <p:txBody>
+          <a:bodyPr>
+            <a:normAutofit lnSpcReduction="10000"/>
+          </a:bodyPr>
+          <a:lstStyle/>
+          <a:p>
+            <a:r>
+              <a:rPr lang="en-US" altLang="ko-KR" sz="1400" dirty="0">
                 <a:latin typeface="a시월구일1" panose="02020600000000000000" pitchFamily="18" charset="-127"/>
                 <a:ea typeface="a시월구일1" panose="02020600000000000000" pitchFamily="18" charset="-127"/>
-              </a:endParaRPr>
-            </a:p>
-          </p:txBody>
-        </p:sp>
-        <p:sp>
-          <p:nvSpPr>
-            <p:cNvPr id="29" name="TextBox 28">
-              <a:extLst>
-                <a:ext uri="{FF2B5EF4-FFF2-40B4-BE49-F238E27FC236}">
-                  <a16:creationId xmlns:a16="http://schemas.microsoft.com/office/drawing/2014/main" xmlns="" id="{057F8247-84C5-55FD-EFBA-A038B0157B5E}"/>
-                </a:ext>
-              </a:extLst>
-            </p:cNvPr>
-            <p:cNvSpPr txBox="1"/>
-            <p:nvPr/>
-          </p:nvSpPr>
-          <p:spPr>
-            <a:xfrm>
-              <a:off x="4193" y="-9754"/>
-              <a:ext cx="1835696" cy="369332"/>
-            </a:xfrm>
-            <a:prstGeom prst="rect">
-              <a:avLst/>
-            </a:prstGeom>
-            <a:solidFill>
-              <a:srgbClr val="DF2D32"/>
-            </a:solidFill>
-            <a:ln>
-              <a:noFill/>
-            </a:ln>
-          </p:spPr>
-          <p:txBody>
-            <a:bodyPr wrap="square" rtlCol="0">
-              <a:spAutoFit/>
-            </a:bodyPr>
-            <a:lstStyle/>
-            <a:p>
-              <a:r>
-                <a:rPr lang="ko-KR" altLang="en-US" dirty="0">
-                  <a:solidFill>
-                    <a:schemeClr val="bg1"/>
-                  </a:solidFill>
-                  <a:latin typeface="a시월구일1" panose="02020600000000000000" pitchFamily="18" charset="-127"/>
-                  <a:ea typeface="a시월구일1" panose="02020600000000000000" pitchFamily="18" charset="-127"/>
-                </a:rPr>
-                <a:t>소개</a:t>
-              </a:r>
-            </a:p>
-          </p:txBody>
-        </p:sp>
-        <p:cxnSp>
-          <p:nvCxnSpPr>
-            <p:cNvPr id="32" name="직선 연결선 31">
-              <a:extLst>
-                <a:ext uri="{FF2B5EF4-FFF2-40B4-BE49-F238E27FC236}">
-                  <a16:creationId xmlns:a16="http://schemas.microsoft.com/office/drawing/2014/main" xmlns="" id="{F2C8ABDA-AF35-BCB7-2F82-BC166FEA0698}"/>
-                </a:ext>
-              </a:extLst>
-            </p:cNvPr>
-            <p:cNvCxnSpPr>
-              <a:cxnSpLocks/>
-            </p:cNvCxnSpPr>
-            <p:nvPr/>
-          </p:nvCxnSpPr>
-          <p:spPr>
-            <a:xfrm>
-              <a:off x="0" y="369332"/>
-              <a:ext cx="1835696" cy="0"/>
-            </a:xfrm>
-            <a:prstGeom prst="line">
-              <a:avLst/>
-            </a:prstGeom>
-            <a:solidFill>
-              <a:srgbClr val="C00000"/>
-            </a:solidFill>
-            <a:ln>
-              <a:solidFill>
-                <a:schemeClr val="bg1"/>
-              </a:solidFill>
-            </a:ln>
-          </p:spPr>
-          <p:style>
-            <a:lnRef idx="1">
-              <a:schemeClr val="accent1"/>
-            </a:lnRef>
-            <a:fillRef idx="0">
-              <a:schemeClr val="accent1"/>
-            </a:fillRef>
-            <a:effectRef idx="0">
-              <a:schemeClr val="accent1"/>
-            </a:effectRef>
-            <a:fontRef idx="minor">
-              <a:schemeClr val="tx1"/>
-            </a:fontRef>
-          </p:style>
-        </p:cxnSp>
-        <p:sp>
-          <p:nvSpPr>
-            <p:cNvPr id="63" name="TextBox 62">
-              <a:extLst>
-                <a:ext uri="{FF2B5EF4-FFF2-40B4-BE49-F238E27FC236}">
-                  <a16:creationId xmlns:a16="http://schemas.microsoft.com/office/drawing/2014/main" xmlns="" id="{81DD0C18-5581-EE1C-1832-167FDB739922}"/>
-                </a:ext>
-              </a:extLst>
-            </p:cNvPr>
-            <p:cNvSpPr txBox="1"/>
-            <p:nvPr/>
-          </p:nvSpPr>
-          <p:spPr>
-            <a:xfrm>
-              <a:off x="0" y="411510"/>
-              <a:ext cx="1835696" cy="323165"/>
-            </a:xfrm>
-            <a:prstGeom prst="rect">
-              <a:avLst/>
-            </a:prstGeom>
-            <a:solidFill>
-              <a:srgbClr val="C00000"/>
-            </a:solidFill>
-          </p:spPr>
-          <p:txBody>
-            <a:bodyPr wrap="square" rtlCol="0">
-              <a:spAutoFit/>
-            </a:bodyPr>
-            <a:lstStyle/>
-            <a:p>
-              <a:r>
-                <a:rPr lang="en-US" altLang="ko-KR" sz="1500" dirty="0">
-                  <a:solidFill>
-                    <a:schemeClr val="bg1"/>
-                  </a:solidFill>
-                  <a:latin typeface="a시월구일1" panose="02020600000000000000" pitchFamily="18" charset="-127"/>
-                  <a:ea typeface="a시월구일1" panose="02020600000000000000" pitchFamily="18" charset="-127"/>
-                </a:rPr>
-                <a:t>- </a:t>
-              </a:r>
-              <a:r>
-                <a:rPr lang="ko-KR" altLang="en-US" sz="1500" dirty="0">
-                  <a:solidFill>
-                    <a:schemeClr val="bg1"/>
-                  </a:solidFill>
-                  <a:latin typeface="a시월구일1" panose="02020600000000000000" pitchFamily="18" charset="-127"/>
-                  <a:ea typeface="a시월구일1" panose="02020600000000000000" pitchFamily="18" charset="-127"/>
-                </a:rPr>
-                <a:t>진행률</a:t>
-              </a:r>
-            </a:p>
-          </p:txBody>
-        </p:sp>
-      </p:grpSp>
+              </a:rPr>
+              <a:t>- </a:t>
+            </a:r>
+            <a:r>
+              <a:rPr lang="ko-KR" altLang="en-US" sz="1400" dirty="0">
+                <a:latin typeface="a시월구일1" panose="02020600000000000000" pitchFamily="18" charset="-127"/>
+                <a:ea typeface="a시월구일1" panose="02020600000000000000" pitchFamily="18" charset="-127"/>
+              </a:rPr>
+              <a:t>진행률</a:t>
+            </a:r>
+          </a:p>
+          <a:p>
+            <a:endParaRPr lang="ko-KR" altLang="en-US" dirty="0"/>
+          </a:p>
+        </p:txBody>
+      </p:sp>
       <p:sp>
         <p:nvSpPr>
-          <p:cNvPr id="5" name="직사각형 4">
+          <p:cNvPr id="4" name="직사각형 3">
             <a:extLst>
               <a:ext uri="{FF2B5EF4-FFF2-40B4-BE49-F238E27FC236}">
                 <a16:creationId xmlns:a16="http://schemas.microsoft.com/office/drawing/2014/main" xmlns="" id="{54860E5C-8634-45DF-9199-7FCB4E0BFAFA}"/>
@@ -24671,7 +25198,7 @@
         </p:nvSpPr>
         <p:spPr>
           <a:xfrm>
-            <a:off x="2771800" y="1589416"/>
+            <a:off x="2195736" y="1789762"/>
             <a:ext cx="4653807" cy="180000"/>
           </a:xfrm>
           <a:prstGeom prst="rect">
@@ -24830,7 +25357,7 @@
       </p:sp>
       <p:sp>
         <p:nvSpPr>
-          <p:cNvPr id="6" name="직사각형 5">
+          <p:cNvPr id="5" name="직사각형 4">
             <a:extLst>
               <a:ext uri="{FF2B5EF4-FFF2-40B4-BE49-F238E27FC236}">
                 <a16:creationId xmlns:a16="http://schemas.microsoft.com/office/drawing/2014/main" xmlns="" id="{54860E5C-8634-45DF-9199-7FCB4E0BFAFA}"/>
@@ -24842,7 +25369,7 @@
         </p:nvSpPr>
         <p:spPr>
           <a:xfrm>
-            <a:off x="7380293" y="1485045"/>
+            <a:off x="6804229" y="1685391"/>
             <a:ext cx="69833" cy="365302"/>
           </a:xfrm>
           <a:prstGeom prst="rect">
@@ -24985,7 +25512,7 @@
       </p:sp>
       <p:sp>
         <p:nvSpPr>
-          <p:cNvPr id="8" name="직사각형 7">
+          <p:cNvPr id="6" name="직사각형 5">
             <a:extLst>
               <a:ext uri="{FF2B5EF4-FFF2-40B4-BE49-F238E27FC236}">
                 <a16:creationId xmlns:a16="http://schemas.microsoft.com/office/drawing/2014/main" xmlns="" id="{1AD68242-94FE-B3CD-52D5-E80A13D7AD5E}"/>
@@ -24997,7 +25524,7 @@
         </p:nvSpPr>
         <p:spPr>
           <a:xfrm>
-            <a:off x="2771800" y="2165480"/>
+            <a:off x="2195736" y="2365826"/>
             <a:ext cx="4653807" cy="180000"/>
           </a:xfrm>
           <a:prstGeom prst="rect">
@@ -25156,7 +25683,7 @@
       </p:sp>
       <p:sp>
         <p:nvSpPr>
-          <p:cNvPr id="9" name="직사각형 8">
+          <p:cNvPr id="7" name="직사각형 6">
             <a:extLst>
               <a:ext uri="{FF2B5EF4-FFF2-40B4-BE49-F238E27FC236}">
                 <a16:creationId xmlns:a16="http://schemas.microsoft.com/office/drawing/2014/main" xmlns="" id="{45095770-058E-DDBB-F0FF-9D5A34354B91}"/>
@@ -25168,7 +25695,7 @@
         </p:nvSpPr>
         <p:spPr>
           <a:xfrm>
-            <a:off x="7377464" y="2108541"/>
+            <a:off x="6801400" y="2308887"/>
             <a:ext cx="69833" cy="365302"/>
           </a:xfrm>
           <a:prstGeom prst="rect">
@@ -25311,7 +25838,7 @@
       </p:sp>
       <p:sp>
         <p:nvSpPr>
-          <p:cNvPr id="11" name="직사각형 10">
+          <p:cNvPr id="8" name="직사각형 7">
             <a:extLst>
               <a:ext uri="{FF2B5EF4-FFF2-40B4-BE49-F238E27FC236}">
                 <a16:creationId xmlns:a16="http://schemas.microsoft.com/office/drawing/2014/main" xmlns="" id="{F55913DF-C783-BEEA-398B-3D471B3E3D69}"/>
@@ -25323,7 +25850,7 @@
         </p:nvSpPr>
         <p:spPr>
           <a:xfrm>
-            <a:off x="2771800" y="2759848"/>
+            <a:off x="2195736" y="2960194"/>
             <a:ext cx="4653807" cy="180000"/>
           </a:xfrm>
           <a:prstGeom prst="rect">
@@ -25482,7 +26009,7 @@
       </p:sp>
       <p:sp>
         <p:nvSpPr>
-          <p:cNvPr id="12" name="직사각형 11">
+          <p:cNvPr id="9" name="직사각형 8">
             <a:extLst>
               <a:ext uri="{FF2B5EF4-FFF2-40B4-BE49-F238E27FC236}">
                 <a16:creationId xmlns:a16="http://schemas.microsoft.com/office/drawing/2014/main" xmlns="" id="{E4532801-1DBC-3C3D-55AE-8266F53524D8}"/>
@@ -25494,7 +26021,7 @@
         </p:nvSpPr>
         <p:spPr>
           <a:xfrm>
-            <a:off x="7377463" y="2646730"/>
+            <a:off x="6801399" y="2847076"/>
             <a:ext cx="69833" cy="365302"/>
           </a:xfrm>
           <a:prstGeom prst="rect">
@@ -25637,7 +26164,7 @@
       </p:sp>
       <p:sp>
         <p:nvSpPr>
-          <p:cNvPr id="13" name="직사각형 12">
+          <p:cNvPr id="10" name="직사각형 9">
             <a:extLst>
               <a:ext uri="{FF2B5EF4-FFF2-40B4-BE49-F238E27FC236}">
                 <a16:creationId xmlns:a16="http://schemas.microsoft.com/office/drawing/2014/main" xmlns="" id="{02DB0FF4-639E-85F3-96D8-BB12B942137A}"/>
@@ -25649,7 +26176,7 @@
         </p:nvSpPr>
         <p:spPr>
           <a:xfrm>
-            <a:off x="2771800" y="3356867"/>
+            <a:off x="2195736" y="3557213"/>
             <a:ext cx="4653807" cy="180000"/>
           </a:xfrm>
           <a:prstGeom prst="rect">
@@ -25808,7 +26335,7 @@
       </p:sp>
       <p:sp>
         <p:nvSpPr>
-          <p:cNvPr id="14" name="직사각형 13">
+          <p:cNvPr id="11" name="직사각형 10">
             <a:extLst>
               <a:ext uri="{FF2B5EF4-FFF2-40B4-BE49-F238E27FC236}">
                 <a16:creationId xmlns:a16="http://schemas.microsoft.com/office/drawing/2014/main" xmlns="" id="{5E27EF27-FB79-8470-6387-BE4FCC8201BA}"/>
@@ -25820,7 +26347,7 @@
         </p:nvSpPr>
         <p:spPr>
           <a:xfrm>
-            <a:off x="7377462" y="3264216"/>
+            <a:off x="6801398" y="3464562"/>
             <a:ext cx="69833" cy="365302"/>
           </a:xfrm>
           <a:prstGeom prst="rect">
@@ -25963,7 +26490,7 @@
       </p:sp>
       <p:sp>
         <p:nvSpPr>
-          <p:cNvPr id="15" name="직사각형 14">
+          <p:cNvPr id="12" name="직사각형 11">
             <a:extLst>
               <a:ext uri="{FF2B5EF4-FFF2-40B4-BE49-F238E27FC236}">
                 <a16:creationId xmlns:a16="http://schemas.microsoft.com/office/drawing/2014/main" xmlns="" id="{7FF9B5AE-F5D8-CA40-9891-0CFD94352CF8}"/>
@@ -25975,7 +26502,7 @@
         </p:nvSpPr>
         <p:spPr>
           <a:xfrm>
-            <a:off x="2771800" y="3953886"/>
+            <a:off x="2195736" y="4154232"/>
             <a:ext cx="4653807" cy="180000"/>
           </a:xfrm>
           <a:prstGeom prst="rect">
@@ -26134,7 +26661,7 @@
       </p:sp>
       <p:sp>
         <p:nvSpPr>
-          <p:cNvPr id="16" name="직사각형 15">
+          <p:cNvPr id="13" name="직사각형 12">
             <a:extLst>
               <a:ext uri="{FF2B5EF4-FFF2-40B4-BE49-F238E27FC236}">
                 <a16:creationId xmlns:a16="http://schemas.microsoft.com/office/drawing/2014/main" xmlns="" id="{97B20820-3417-DC70-B4A4-A09E46BD6618}"/>
@@ -26146,7 +26673,7 @@
         </p:nvSpPr>
         <p:spPr>
           <a:xfrm>
-            <a:off x="7377462" y="3881702"/>
+            <a:off x="6801398" y="4082048"/>
             <a:ext cx="69833" cy="365302"/>
           </a:xfrm>
           <a:prstGeom prst="rect">
@@ -26289,7 +26816,7 @@
       </p:sp>
       <p:sp>
         <p:nvSpPr>
-          <p:cNvPr id="19" name="사각형: 둥근 모서리 18">
+          <p:cNvPr id="14" name="사각형: 둥근 모서리 18">
             <a:extLst>
               <a:ext uri="{FF2B5EF4-FFF2-40B4-BE49-F238E27FC236}">
                 <a16:creationId xmlns:a16="http://schemas.microsoft.com/office/drawing/2014/main" xmlns="" id="{4A4CF474-71DA-44AA-96A6-BA13DF6AE7AC}"/>
@@ -26301,7 +26828,7 @@
         </p:nvSpPr>
         <p:spPr>
           <a:xfrm>
-            <a:off x="1520951" y="1538497"/>
+            <a:off x="944887" y="1738843"/>
             <a:ext cx="893926" cy="281837"/>
           </a:xfrm>
           <a:prstGeom prst="roundRect">
@@ -26452,7 +26979,7 @@
       </p:sp>
       <p:sp>
         <p:nvSpPr>
-          <p:cNvPr id="20" name="사각형: 둥근 모서리 19">
+          <p:cNvPr id="15" name="사각형: 둥근 모서리 19">
             <a:extLst>
               <a:ext uri="{FF2B5EF4-FFF2-40B4-BE49-F238E27FC236}">
                 <a16:creationId xmlns:a16="http://schemas.microsoft.com/office/drawing/2014/main" xmlns="" id="{FC4725EF-1A05-1DD7-AB89-9EF2A34A888F}"/>
@@ -26464,7 +26991,7 @@
         </p:nvSpPr>
         <p:spPr>
           <a:xfrm>
-            <a:off x="1520951" y="2114561"/>
+            <a:off x="944887" y="2314907"/>
             <a:ext cx="893926" cy="281837"/>
           </a:xfrm>
           <a:prstGeom prst="roundRect">
@@ -26615,7 +27142,7 @@
       </p:sp>
       <p:sp>
         <p:nvSpPr>
-          <p:cNvPr id="21" name="사각형: 둥근 모서리 20">
+          <p:cNvPr id="16" name="사각형: 둥근 모서리 20">
             <a:extLst>
               <a:ext uri="{FF2B5EF4-FFF2-40B4-BE49-F238E27FC236}">
                 <a16:creationId xmlns:a16="http://schemas.microsoft.com/office/drawing/2014/main" xmlns="" id="{0A5A8926-2F14-F8D1-41E3-3ABEB678B4D2}"/>
@@ -26627,7 +27154,7 @@
         </p:nvSpPr>
         <p:spPr>
           <a:xfrm>
-            <a:off x="1520951" y="2711714"/>
+            <a:off x="944887" y="2912060"/>
             <a:ext cx="893926" cy="281837"/>
           </a:xfrm>
           <a:prstGeom prst="roundRect">
@@ -26800,7 +27327,7 @@
       </p:sp>
       <p:sp>
         <p:nvSpPr>
-          <p:cNvPr id="22" name="사각형: 둥근 모서리 21">
+          <p:cNvPr id="17" name="사각형: 둥근 모서리 21">
             <a:extLst>
               <a:ext uri="{FF2B5EF4-FFF2-40B4-BE49-F238E27FC236}">
                 <a16:creationId xmlns:a16="http://schemas.microsoft.com/office/drawing/2014/main" xmlns="" id="{BB7C5F7B-4AAD-1B95-A2C7-E9FF0DA9F4BA}"/>
@@ -26812,7 +27339,7 @@
         </p:nvSpPr>
         <p:spPr>
           <a:xfrm>
-            <a:off x="1520951" y="3308867"/>
+            <a:off x="944887" y="3509213"/>
             <a:ext cx="893926" cy="281837"/>
           </a:xfrm>
           <a:prstGeom prst="roundRect">
@@ -26963,7 +27490,7 @@
       </p:sp>
       <p:sp>
         <p:nvSpPr>
-          <p:cNvPr id="25" name="사각형: 둥근 모서리 24">
+          <p:cNvPr id="18" name="사각형: 둥근 모서리 24">
             <a:extLst>
               <a:ext uri="{FF2B5EF4-FFF2-40B4-BE49-F238E27FC236}">
                 <a16:creationId xmlns:a16="http://schemas.microsoft.com/office/drawing/2014/main" xmlns="" id="{6DD403BA-C41D-3DEB-62E9-0669BD25B68C}"/>
@@ -26975,7 +27502,7 @@
         </p:nvSpPr>
         <p:spPr>
           <a:xfrm>
-            <a:off x="1520951" y="3906020"/>
+            <a:off x="944887" y="4106366"/>
             <a:ext cx="893926" cy="281837"/>
           </a:xfrm>
           <a:prstGeom prst="roundRect">
@@ -27126,7 +27653,7 @@
       </p:sp>
       <p:sp>
         <p:nvSpPr>
-          <p:cNvPr id="26" name="직사각형 25">
+          <p:cNvPr id="19" name="직사각형 18">
             <a:extLst>
               <a:ext uri="{FF2B5EF4-FFF2-40B4-BE49-F238E27FC236}">
                 <a16:creationId xmlns:a16="http://schemas.microsoft.com/office/drawing/2014/main" xmlns="" id="{0DA7605F-2A7C-A259-3036-37D3D8105916}"/>
@@ -27138,7 +27665,7 @@
         </p:nvSpPr>
         <p:spPr>
           <a:xfrm>
-            <a:off x="2793488" y="4603355"/>
+            <a:off x="2217424" y="4803701"/>
             <a:ext cx="4653807" cy="180000"/>
           </a:xfrm>
           <a:prstGeom prst="rect">
@@ -27297,7 +27824,7 @@
       </p:sp>
       <p:sp>
         <p:nvSpPr>
-          <p:cNvPr id="28" name="직사각형 27">
+          <p:cNvPr id="20" name="직사각형 19">
             <a:extLst>
               <a:ext uri="{FF2B5EF4-FFF2-40B4-BE49-F238E27FC236}">
                 <a16:creationId xmlns:a16="http://schemas.microsoft.com/office/drawing/2014/main" xmlns="" id="{5B454EF7-F26B-AC5E-9A7B-248436289A73}"/>
@@ -27309,7 +27836,7 @@
         </p:nvSpPr>
         <p:spPr>
           <a:xfrm>
-            <a:off x="7377461" y="4510704"/>
+            <a:off x="6801397" y="4711050"/>
             <a:ext cx="69833" cy="365302"/>
           </a:xfrm>
           <a:prstGeom prst="rect">
@@ -27452,7 +27979,7 @@
       </p:sp>
       <p:sp>
         <p:nvSpPr>
-          <p:cNvPr id="30" name="사각형: 둥근 모서리 29">
+          <p:cNvPr id="21" name="사각형: 둥근 모서리 29">
             <a:extLst>
               <a:ext uri="{FF2B5EF4-FFF2-40B4-BE49-F238E27FC236}">
                 <a16:creationId xmlns:a16="http://schemas.microsoft.com/office/drawing/2014/main" xmlns="" id="{F2824901-7A54-B5FA-69B7-3A6A44A3F76C}"/>
@@ -27464,7 +27991,7 @@
         </p:nvSpPr>
         <p:spPr>
           <a:xfrm>
-            <a:off x="1520951" y="4555489"/>
+            <a:off x="944887" y="4755835"/>
             <a:ext cx="893926" cy="281837"/>
           </a:xfrm>
           <a:prstGeom prst="roundRect">
@@ -27615,7 +28142,7 @@
       </p:sp>
       <p:sp>
         <p:nvSpPr>
-          <p:cNvPr id="31" name="직사각형 30">
+          <p:cNvPr id="22" name="직사각형 21">
             <a:extLst>
               <a:ext uri="{FF2B5EF4-FFF2-40B4-BE49-F238E27FC236}">
                 <a16:creationId xmlns:a16="http://schemas.microsoft.com/office/drawing/2014/main" xmlns="" id="{B042348A-ADA5-9249-8483-4913C5C27B99}"/>
@@ -27627,7 +28154,7 @@
         </p:nvSpPr>
         <p:spPr>
           <a:xfrm>
-            <a:off x="2771800" y="1057337"/>
+            <a:off x="2195736" y="1257683"/>
             <a:ext cx="4653807" cy="180000"/>
           </a:xfrm>
           <a:prstGeom prst="rect">
@@ -27786,7 +28313,7 @@
       </p:sp>
       <p:sp>
         <p:nvSpPr>
-          <p:cNvPr id="33" name="직사각형 32">
+          <p:cNvPr id="23" name="직사각형 22">
             <a:extLst>
               <a:ext uri="{FF2B5EF4-FFF2-40B4-BE49-F238E27FC236}">
                 <a16:creationId xmlns:a16="http://schemas.microsoft.com/office/drawing/2014/main" xmlns="" id="{DFAF1748-056C-98A3-13AF-ADBF272B4436}"/>
@@ -27798,7 +28325,7 @@
         </p:nvSpPr>
         <p:spPr>
           <a:xfrm>
-            <a:off x="7372755" y="966138"/>
+            <a:off x="6796691" y="1166484"/>
             <a:ext cx="69833" cy="365302"/>
           </a:xfrm>
           <a:prstGeom prst="rect">
@@ -27941,7 +28468,7 @@
       </p:sp>
       <p:sp>
         <p:nvSpPr>
-          <p:cNvPr id="34" name="사각형: 둥근 모서리 33">
+          <p:cNvPr id="24" name="사각형: 둥근 모서리 33">
             <a:extLst>
               <a:ext uri="{FF2B5EF4-FFF2-40B4-BE49-F238E27FC236}">
                 <a16:creationId xmlns:a16="http://schemas.microsoft.com/office/drawing/2014/main" xmlns="" id="{98C6E6D8-F0B1-4E61-A843-732ED0BEF402}"/>
@@ -27953,7 +28480,7 @@
         </p:nvSpPr>
         <p:spPr>
           <a:xfrm>
-            <a:off x="1520951" y="1006418"/>
+            <a:off x="944887" y="1206764"/>
             <a:ext cx="893926" cy="281837"/>
           </a:xfrm>
           <a:prstGeom prst="roundRect">
@@ -28102,10 +28629,420 @@
           </a:p>
         </p:txBody>
       </p:sp>
+      <p:sp>
+        <p:nvSpPr>
+          <p:cNvPr id="25" name="사각형: 둥근 모서리 33">
+            <a:extLst>
+              <a:ext uri="{FF2B5EF4-FFF2-40B4-BE49-F238E27FC236}">
+                <a16:creationId xmlns:a16="http://schemas.microsoft.com/office/drawing/2014/main" xmlns="" id="{98C6E6D8-F0B1-4E61-A843-732ED0BEF402}"/>
+              </a:ext>
+            </a:extLst>
+          </p:cNvPr>
+          <p:cNvSpPr/>
+          <p:nvPr/>
+        </p:nvSpPr>
+        <p:spPr>
+          <a:xfrm>
+            <a:off x="7092280" y="1206764"/>
+            <a:ext cx="893926" cy="281837"/>
+          </a:xfrm>
+          <a:prstGeom prst="roundRect">
+            <a:avLst>
+              <a:gd name="adj" fmla="val 10689"/>
+            </a:avLst>
+          </a:prstGeom>
+          <a:solidFill>
+            <a:schemeClr val="bg1"/>
+          </a:solidFill>
+          <a:ln w="19050">
+            <a:solidFill>
+              <a:schemeClr val="tx1">
+                <a:lumMod val="75000"/>
+                <a:lumOff val="25000"/>
+              </a:schemeClr>
+            </a:solidFill>
+          </a:ln>
+        </p:spPr>
+        <p:style>
+          <a:lnRef idx="2">
+            <a:schemeClr val="accent1">
+              <a:shade val="50000"/>
+            </a:schemeClr>
+          </a:lnRef>
+          <a:fillRef idx="1">
+            <a:schemeClr val="accent1"/>
+          </a:fillRef>
+          <a:effectRef idx="0">
+            <a:schemeClr val="accent1"/>
+          </a:effectRef>
+          <a:fontRef idx="minor">
+            <a:schemeClr val="lt1"/>
+          </a:fontRef>
+        </p:style>
+        <p:txBody>
+          <a:bodyPr rtlCol="0" anchor="ctr"/>
+          <a:lstStyle>
+            <a:defPPr>
+              <a:defRPr lang="ko-KR"/>
+            </a:defPPr>
+            <a:lvl1pPr marL="0" algn="l" defTabSz="914400" rtl="0" eaLnBrk="1" latinLnBrk="1" hangingPunct="1">
+              <a:defRPr sz="1800" kern="1200">
+                <a:solidFill>
+                  <a:schemeClr val="lt1"/>
+                </a:solidFill>
+                <a:latin typeface="+mn-lt"/>
+                <a:ea typeface="+mn-ea"/>
+                <a:cs typeface="+mn-cs"/>
+              </a:defRPr>
+            </a:lvl1pPr>
+            <a:lvl2pPr marL="457200" algn="l" defTabSz="914400" rtl="0" eaLnBrk="1" latinLnBrk="1" hangingPunct="1">
+              <a:defRPr sz="1800" kern="1200">
+                <a:solidFill>
+                  <a:schemeClr val="lt1"/>
+                </a:solidFill>
+                <a:latin typeface="+mn-lt"/>
+                <a:ea typeface="+mn-ea"/>
+                <a:cs typeface="+mn-cs"/>
+              </a:defRPr>
+            </a:lvl2pPr>
+            <a:lvl3pPr marL="914400" algn="l" defTabSz="914400" rtl="0" eaLnBrk="1" latinLnBrk="1" hangingPunct="1">
+              <a:defRPr sz="1800" kern="1200">
+                <a:solidFill>
+                  <a:schemeClr val="lt1"/>
+                </a:solidFill>
+                <a:latin typeface="+mn-lt"/>
+                <a:ea typeface="+mn-ea"/>
+                <a:cs typeface="+mn-cs"/>
+              </a:defRPr>
+            </a:lvl3pPr>
+            <a:lvl4pPr marL="1371600" algn="l" defTabSz="914400" rtl="0" eaLnBrk="1" latinLnBrk="1" hangingPunct="1">
+              <a:defRPr sz="1800" kern="1200">
+                <a:solidFill>
+                  <a:schemeClr val="lt1"/>
+                </a:solidFill>
+                <a:latin typeface="+mn-lt"/>
+                <a:ea typeface="+mn-ea"/>
+                <a:cs typeface="+mn-cs"/>
+              </a:defRPr>
+            </a:lvl4pPr>
+            <a:lvl5pPr marL="1828800" algn="l" defTabSz="914400" rtl="0" eaLnBrk="1" latinLnBrk="1" hangingPunct="1">
+              <a:defRPr sz="1800" kern="1200">
+                <a:solidFill>
+                  <a:schemeClr val="lt1"/>
+                </a:solidFill>
+                <a:latin typeface="+mn-lt"/>
+                <a:ea typeface="+mn-ea"/>
+                <a:cs typeface="+mn-cs"/>
+              </a:defRPr>
+            </a:lvl5pPr>
+            <a:lvl6pPr marL="2286000" algn="l" defTabSz="914400" rtl="0" eaLnBrk="1" latinLnBrk="1" hangingPunct="1">
+              <a:defRPr sz="1800" kern="1200">
+                <a:solidFill>
+                  <a:schemeClr val="lt1"/>
+                </a:solidFill>
+                <a:latin typeface="+mn-lt"/>
+                <a:ea typeface="+mn-ea"/>
+                <a:cs typeface="+mn-cs"/>
+              </a:defRPr>
+            </a:lvl6pPr>
+            <a:lvl7pPr marL="2743200" algn="l" defTabSz="914400" rtl="0" eaLnBrk="1" latinLnBrk="1" hangingPunct="1">
+              <a:defRPr sz="1800" kern="1200">
+                <a:solidFill>
+                  <a:schemeClr val="lt1"/>
+                </a:solidFill>
+                <a:latin typeface="+mn-lt"/>
+                <a:ea typeface="+mn-ea"/>
+                <a:cs typeface="+mn-cs"/>
+              </a:defRPr>
+            </a:lvl7pPr>
+            <a:lvl8pPr marL="3200400" algn="l" defTabSz="914400" rtl="0" eaLnBrk="1" latinLnBrk="1" hangingPunct="1">
+              <a:defRPr sz="1800" kern="1200">
+                <a:solidFill>
+                  <a:schemeClr val="lt1"/>
+                </a:solidFill>
+                <a:latin typeface="+mn-lt"/>
+                <a:ea typeface="+mn-ea"/>
+                <a:cs typeface="+mn-cs"/>
+              </a:defRPr>
+            </a:lvl8pPr>
+            <a:lvl9pPr marL="3657600" algn="l" defTabSz="914400" rtl="0" eaLnBrk="1" latinLnBrk="1" hangingPunct="1">
+              <a:defRPr sz="1800" kern="1200">
+                <a:solidFill>
+                  <a:schemeClr val="lt1"/>
+                </a:solidFill>
+                <a:latin typeface="+mn-lt"/>
+                <a:ea typeface="+mn-ea"/>
+                <a:cs typeface="+mn-cs"/>
+              </a:defRPr>
+            </a:lvl9pPr>
+          </a:lstStyle>
+          <a:p>
+            <a:pPr algn="ctr"/>
+            <a:r>
+              <a:rPr lang="ko-KR" altLang="en-US" sz="1200" b="1" dirty="0" smtClean="0">
+                <a:solidFill>
+                  <a:prstClr val="black">
+                    <a:lumMod val="75000"/>
+                    <a:lumOff val="25000"/>
+                  </a:prstClr>
+                </a:solidFill>
+              </a:rPr>
+              <a:t>우선순위</a:t>
+            </a:r>
+            <a:endParaRPr lang="ko-KR" altLang="en-US" sz="1200" b="1" dirty="0">
+              <a:solidFill>
+                <a:prstClr val="black">
+                  <a:lumMod val="75000"/>
+                  <a:lumOff val="25000"/>
+                </a:prstClr>
+              </a:solidFill>
+            </a:endParaRPr>
+          </a:p>
+        </p:txBody>
+      </p:sp>
+      <p:sp>
+        <p:nvSpPr>
+          <p:cNvPr id="26" name="TextBox 25"/>
+          <p:cNvSpPr txBox="1"/>
+          <p:nvPr/>
+        </p:nvSpPr>
+        <p:spPr>
+          <a:xfrm>
+            <a:off x="7268175" y="1684200"/>
+            <a:ext cx="542136" cy="369332"/>
+          </a:xfrm>
+          <a:prstGeom prst="rect">
+            <a:avLst/>
+          </a:prstGeom>
+          <a:noFill/>
+        </p:spPr>
+        <p:txBody>
+          <a:bodyPr wrap="none" rtlCol="0">
+            <a:spAutoFit/>
+          </a:bodyPr>
+          <a:lstStyle/>
+          <a:p>
+            <a:r>
+              <a:rPr lang="en-US" altLang="ko-KR" dirty="0" smtClean="0">
+                <a:latin typeface="a시월구일3" panose="02020600000000000000" pitchFamily="18" charset="-127"/>
+                <a:ea typeface="a시월구일3" panose="02020600000000000000" pitchFamily="18" charset="-127"/>
+              </a:rPr>
+              <a:t>1</a:t>
+            </a:r>
+            <a:r>
+              <a:rPr lang="ko-KR" altLang="en-US" dirty="0" smtClean="0">
+                <a:latin typeface="a시월구일3" panose="02020600000000000000" pitchFamily="18" charset="-127"/>
+                <a:ea typeface="a시월구일3" panose="02020600000000000000" pitchFamily="18" charset="-127"/>
+              </a:rPr>
+              <a:t>번</a:t>
+            </a:r>
+            <a:endParaRPr lang="ko-KR" altLang="en-US" dirty="0">
+              <a:latin typeface="a시월구일3" panose="02020600000000000000" pitchFamily="18" charset="-127"/>
+              <a:ea typeface="a시월구일3" panose="02020600000000000000" pitchFamily="18" charset="-127"/>
+            </a:endParaRPr>
+          </a:p>
+        </p:txBody>
+      </p:sp>
+      <p:sp>
+        <p:nvSpPr>
+          <p:cNvPr id="27" name="TextBox 26"/>
+          <p:cNvSpPr txBox="1"/>
+          <p:nvPr/>
+        </p:nvSpPr>
+        <p:spPr>
+          <a:xfrm>
+            <a:off x="7268175" y="4668340"/>
+            <a:ext cx="551754" cy="369332"/>
+          </a:xfrm>
+          <a:prstGeom prst="rect">
+            <a:avLst/>
+          </a:prstGeom>
+          <a:noFill/>
+        </p:spPr>
+        <p:txBody>
+          <a:bodyPr wrap="none" rtlCol="0">
+            <a:spAutoFit/>
+          </a:bodyPr>
+          <a:lstStyle/>
+          <a:p>
+            <a:r>
+              <a:rPr lang="en-US" altLang="ko-KR" dirty="0" smtClean="0">
+                <a:latin typeface="a시월구일3" panose="02020600000000000000" pitchFamily="18" charset="-127"/>
+                <a:ea typeface="a시월구일3" panose="02020600000000000000" pitchFamily="18" charset="-127"/>
+              </a:rPr>
+              <a:t>6</a:t>
+            </a:r>
+            <a:r>
+              <a:rPr lang="ko-KR" altLang="en-US" dirty="0" smtClean="0">
+                <a:latin typeface="a시월구일3" panose="02020600000000000000" pitchFamily="18" charset="-127"/>
+                <a:ea typeface="a시월구일3" panose="02020600000000000000" pitchFamily="18" charset="-127"/>
+              </a:rPr>
+              <a:t>번</a:t>
+            </a:r>
+            <a:endParaRPr lang="ko-KR" altLang="en-US" dirty="0">
+              <a:latin typeface="a시월구일3" panose="02020600000000000000" pitchFamily="18" charset="-127"/>
+              <a:ea typeface="a시월구일3" panose="02020600000000000000" pitchFamily="18" charset="-127"/>
+            </a:endParaRPr>
+          </a:p>
+        </p:txBody>
+      </p:sp>
+      <p:sp>
+        <p:nvSpPr>
+          <p:cNvPr id="28" name="TextBox 27"/>
+          <p:cNvSpPr txBox="1"/>
+          <p:nvPr/>
+        </p:nvSpPr>
+        <p:spPr>
+          <a:xfrm>
+            <a:off x="7161575" y="3712716"/>
+            <a:ext cx="764953" cy="369332"/>
+          </a:xfrm>
+          <a:prstGeom prst="rect">
+            <a:avLst/>
+          </a:prstGeom>
+          <a:noFill/>
+        </p:spPr>
+        <p:txBody>
+          <a:bodyPr wrap="none" rtlCol="0">
+            <a:spAutoFit/>
+          </a:bodyPr>
+          <a:lstStyle/>
+          <a:p>
+            <a:r>
+              <a:rPr lang="en-US" altLang="ko-KR" dirty="0" smtClean="0">
+                <a:latin typeface="a시월구일3" panose="02020600000000000000" pitchFamily="18" charset="-127"/>
+                <a:ea typeface="a시월구일3" panose="02020600000000000000" pitchFamily="18" charset="-127"/>
+              </a:rPr>
+              <a:t>4,5</a:t>
+            </a:r>
+            <a:r>
+              <a:rPr lang="ko-KR" altLang="en-US" dirty="0" smtClean="0">
+                <a:latin typeface="a시월구일3" panose="02020600000000000000" pitchFamily="18" charset="-127"/>
+                <a:ea typeface="a시월구일3" panose="02020600000000000000" pitchFamily="18" charset="-127"/>
+              </a:rPr>
+              <a:t>번</a:t>
+            </a:r>
+            <a:endParaRPr lang="ko-KR" altLang="en-US" dirty="0">
+              <a:latin typeface="a시월구일3" panose="02020600000000000000" pitchFamily="18" charset="-127"/>
+              <a:ea typeface="a시월구일3" panose="02020600000000000000" pitchFamily="18" charset="-127"/>
+            </a:endParaRPr>
+          </a:p>
+        </p:txBody>
+      </p:sp>
+      <p:sp>
+        <p:nvSpPr>
+          <p:cNvPr id="29" name="TextBox 28"/>
+          <p:cNvSpPr txBox="1"/>
+          <p:nvPr/>
+        </p:nvSpPr>
+        <p:spPr>
+          <a:xfrm>
+            <a:off x="7268175" y="2863163"/>
+            <a:ext cx="551754" cy="369332"/>
+          </a:xfrm>
+          <a:prstGeom prst="rect">
+            <a:avLst/>
+          </a:prstGeom>
+          <a:noFill/>
+        </p:spPr>
+        <p:txBody>
+          <a:bodyPr wrap="none" rtlCol="0">
+            <a:spAutoFit/>
+          </a:bodyPr>
+          <a:lstStyle/>
+          <a:p>
+            <a:r>
+              <a:rPr lang="en-US" altLang="ko-KR" dirty="0" smtClean="0">
+                <a:latin typeface="a시월구일3" panose="02020600000000000000" pitchFamily="18" charset="-127"/>
+                <a:ea typeface="a시월구일3" panose="02020600000000000000" pitchFamily="18" charset="-127"/>
+              </a:rPr>
+              <a:t>2</a:t>
+            </a:r>
+            <a:r>
+              <a:rPr lang="ko-KR" altLang="en-US" dirty="0" smtClean="0">
+                <a:latin typeface="a시월구일3" panose="02020600000000000000" pitchFamily="18" charset="-127"/>
+                <a:ea typeface="a시월구일3" panose="02020600000000000000" pitchFamily="18" charset="-127"/>
+              </a:rPr>
+              <a:t>번</a:t>
+            </a:r>
+            <a:endParaRPr lang="ko-KR" altLang="en-US" dirty="0">
+              <a:latin typeface="a시월구일3" panose="02020600000000000000" pitchFamily="18" charset="-127"/>
+              <a:ea typeface="a시월구일3" panose="02020600000000000000" pitchFamily="18" charset="-127"/>
+            </a:endParaRPr>
+          </a:p>
+        </p:txBody>
+      </p:sp>
+      <p:sp>
+        <p:nvSpPr>
+          <p:cNvPr id="30" name="TextBox 29"/>
+          <p:cNvSpPr txBox="1"/>
+          <p:nvPr/>
+        </p:nvSpPr>
+        <p:spPr>
+          <a:xfrm>
+            <a:off x="7258557" y="2277302"/>
+            <a:ext cx="551754" cy="369332"/>
+          </a:xfrm>
+          <a:prstGeom prst="rect">
+            <a:avLst/>
+          </a:prstGeom>
+          <a:noFill/>
+        </p:spPr>
+        <p:txBody>
+          <a:bodyPr wrap="none" rtlCol="0">
+            <a:spAutoFit/>
+          </a:bodyPr>
+          <a:lstStyle/>
+          <a:p>
+            <a:r>
+              <a:rPr lang="en-US" altLang="ko-KR" dirty="0" smtClean="0">
+                <a:latin typeface="a시월구일3" panose="02020600000000000000" pitchFamily="18" charset="-127"/>
+                <a:ea typeface="a시월구일3" panose="02020600000000000000" pitchFamily="18" charset="-127"/>
+              </a:rPr>
+              <a:t>3</a:t>
+            </a:r>
+            <a:r>
+              <a:rPr lang="ko-KR" altLang="en-US" dirty="0" smtClean="0">
+                <a:latin typeface="a시월구일3" panose="02020600000000000000" pitchFamily="18" charset="-127"/>
+                <a:ea typeface="a시월구일3" panose="02020600000000000000" pitchFamily="18" charset="-127"/>
+              </a:rPr>
+              <a:t>번</a:t>
+            </a:r>
+            <a:endParaRPr lang="ko-KR" altLang="en-US" dirty="0">
+              <a:latin typeface="a시월구일3" panose="02020600000000000000" pitchFamily="18" charset="-127"/>
+              <a:ea typeface="a시월구일3" panose="02020600000000000000" pitchFamily="18" charset="-127"/>
+            </a:endParaRPr>
+          </a:p>
+        </p:txBody>
+      </p:sp>
+      <p:sp>
+        <p:nvSpPr>
+          <p:cNvPr id="31" name="슬라이드 번호 개체 틀 30"/>
+          <p:cNvSpPr>
+            <a:spLocks noGrp="1"/>
+          </p:cNvSpPr>
+          <p:nvPr>
+            <p:ph type="sldNum" sz="quarter" idx="12"/>
+          </p:nvPr>
+        </p:nvSpPr>
+        <p:spPr/>
+        <p:txBody>
+          <a:bodyPr/>
+          <a:lstStyle/>
+          <a:p>
+            <a:fld id="{9A932D3B-E778-4CD4-BF04-29FCFDFE760D}" type="slidenum">
+              <a:rPr lang="ko-KR" altLang="en-US" smtClean="0"/>
+              <a:pPr/>
+              <a:t>3</a:t>
+            </a:fld>
+            <a:endParaRPr lang="ko-KR" altLang="en-US"/>
+          </a:p>
+        </p:txBody>
+      </p:sp>
     </p:spTree>
     <p:extLst>
       <p:ext uri="{BB962C8B-B14F-4D97-AF65-F5344CB8AC3E}">
-        <p14:creationId xmlns:p14="http://schemas.microsoft.com/office/powerpoint/2010/main" val="3593800390"/>
+        <p14:creationId xmlns:p14="http://schemas.microsoft.com/office/powerpoint/2010/main" val="2823936008"/>
       </p:ext>
     </p:extLst>
   </p:cSld>
@@ -28199,24 +29136,47 @@
           </a:p>
         </p:txBody>
       </p:sp>
+      <p:sp>
+        <p:nvSpPr>
+          <p:cNvPr id="5" name="슬라이드 번호 개체 틀 4"/>
+          <p:cNvSpPr>
+            <a:spLocks noGrp="1"/>
+          </p:cNvSpPr>
+          <p:nvPr>
+            <p:ph type="sldNum" sz="quarter" idx="12"/>
+          </p:nvPr>
+        </p:nvSpPr>
+        <p:spPr/>
+        <p:txBody>
+          <a:bodyPr/>
+          <a:lstStyle/>
+          <a:p>
+            <a:fld id="{9A932D3B-E778-4CD4-BF04-29FCFDFE760D}" type="slidenum">
+              <a:rPr lang="ko-KR" altLang="en-US" smtClean="0"/>
+              <a:pPr/>
+              <a:t>4</a:t>
+            </a:fld>
+            <a:endParaRPr lang="ko-KR" altLang="en-US"/>
+          </a:p>
+        </p:txBody>
+      </p:sp>
       <p:pic>
         <p:nvPicPr>
-          <p:cNvPr id="4" name="그림 3"/>
+          <p:cNvPr id="6" name="그림 5"/>
           <p:cNvPicPr>
             <a:picLocks noChangeAspect="1"/>
           </p:cNvPicPr>
           <p:nvPr/>
         </p:nvPicPr>
-        <p:blipFill>
-          <a:blip r:embed="rId2"/>
-          <a:stretch>
-            <a:fillRect/>
-          </a:stretch>
+        <p:blipFill rotWithShape="1">
+          <a:blip r:embed="rId3"/>
+          <a:srcRect l="4916" t="1427"/>
+          <a:stretch/>
         </p:blipFill>
         <p:spPr>
           <a:xfrm>
-            <a:off x="1187624" y="322727"/>
-            <a:ext cx="7845371" cy="4820773"/>
+            <a:off x="2123728" y="415273"/>
+            <a:ext cx="5614353" cy="4714084"/>
           </a:xfrm>
           <a:prstGeom prst="rect">
             <a:avLst/>
@@ -28233,6 +29193,13 @@
   <p:clrMapOvr>
     <a:masterClrMapping/>
   </p:clrMapOvr>
+  <p:timing>
+    <p:tnLst>
+      <p:par>
+        <p:cTn id="1" dur="indefinite" restart="never" nodeType="tmRoot"/>
+      </p:par>
+    </p:tnLst>
+  </p:timing>
 </p:sld>
 </file>
 
@@ -28273,6 +29240,30 @@
               <a:t>퇴사정보</a:t>
             </a:r>
             <a:endParaRPr lang="ko-KR" altLang="en-US" dirty="0"/>
+          </a:p>
+        </p:txBody>
+      </p:sp>
+      <p:sp>
+        <p:nvSpPr>
+          <p:cNvPr id="2" name="슬라이드 번호 개체 틀 1"/>
+          <p:cNvSpPr>
+            <a:spLocks noGrp="1"/>
+          </p:cNvSpPr>
+          <p:nvPr>
+            <p:ph type="sldNum" sz="quarter" idx="12"/>
+          </p:nvPr>
+        </p:nvSpPr>
+        <p:spPr/>
+        <p:txBody>
+          <a:bodyPr/>
+          <a:lstStyle/>
+          <a:p>
+            <a:fld id="{9A932D3B-E778-4CD4-BF04-29FCFDFE760D}" type="slidenum">
+              <a:rPr lang="ko-KR" altLang="en-US" smtClean="0"/>
+              <a:pPr/>
+              <a:t>5</a:t>
+            </a:fld>
+            <a:endParaRPr lang="ko-KR" altLang="en-US"/>
           </a:p>
         </p:txBody>
       </p:sp>
@@ -28591,6 +29582,30 @@
           </a:p>
         </p:txBody>
       </p:sp>
+      <p:sp>
+        <p:nvSpPr>
+          <p:cNvPr id="4" name="슬라이드 번호 개체 틀 3"/>
+          <p:cNvSpPr>
+            <a:spLocks noGrp="1"/>
+          </p:cNvSpPr>
+          <p:nvPr>
+            <p:ph type="sldNum" sz="quarter" idx="12"/>
+          </p:nvPr>
+        </p:nvSpPr>
+        <p:spPr/>
+        <p:txBody>
+          <a:bodyPr/>
+          <a:lstStyle/>
+          <a:p>
+            <a:fld id="{9A932D3B-E778-4CD4-BF04-29FCFDFE760D}" type="slidenum">
+              <a:rPr lang="ko-KR" altLang="en-US" smtClean="0"/>
+              <a:pPr/>
+              <a:t>6</a:t>
+            </a:fld>
+            <a:endParaRPr lang="ko-KR" altLang="en-US"/>
+          </a:p>
+        </p:txBody>
+      </p:sp>
     </p:spTree>
     <p:extLst>
       <p:ext uri="{BB962C8B-B14F-4D97-AF65-F5344CB8AC3E}">
@@ -28911,6 +29926,30 @@
           </a:p>
         </p:txBody>
       </p:sp>
+      <p:sp>
+        <p:nvSpPr>
+          <p:cNvPr id="2" name="슬라이드 번호 개체 틀 1"/>
+          <p:cNvSpPr>
+            <a:spLocks noGrp="1"/>
+          </p:cNvSpPr>
+          <p:nvPr>
+            <p:ph type="sldNum" sz="quarter" idx="12"/>
+          </p:nvPr>
+        </p:nvSpPr>
+        <p:spPr/>
+        <p:txBody>
+          <a:bodyPr/>
+          <a:lstStyle/>
+          <a:p>
+            <a:fld id="{9A932D3B-E778-4CD4-BF04-29FCFDFE760D}" type="slidenum">
+              <a:rPr lang="ko-KR" altLang="en-US" smtClean="0"/>
+              <a:pPr/>
+              <a:t>7</a:t>
+            </a:fld>
+            <a:endParaRPr lang="ko-KR" altLang="en-US"/>
+          </a:p>
+        </p:txBody>
+      </p:sp>
     </p:spTree>
     <p:extLst>
       <p:ext uri="{BB962C8B-B14F-4D97-AF65-F5344CB8AC3E}">
@@ -29272,6 +30311,30 @@
           </a:p>
         </p:txBody>
       </p:sp>
+      <p:sp>
+        <p:nvSpPr>
+          <p:cNvPr id="9" name="슬라이드 번호 개체 틀 8"/>
+          <p:cNvSpPr>
+            <a:spLocks noGrp="1"/>
+          </p:cNvSpPr>
+          <p:nvPr>
+            <p:ph type="sldNum" sz="quarter" idx="12"/>
+          </p:nvPr>
+        </p:nvSpPr>
+        <p:spPr/>
+        <p:txBody>
+          <a:bodyPr/>
+          <a:lstStyle/>
+          <a:p>
+            <a:fld id="{9A932D3B-E778-4CD4-BF04-29FCFDFE760D}" type="slidenum">
+              <a:rPr lang="ko-KR" altLang="en-US" smtClean="0"/>
+              <a:pPr/>
+              <a:t>8</a:t>
+            </a:fld>
+            <a:endParaRPr lang="ko-KR" altLang="en-US"/>
+          </a:p>
+        </p:txBody>
+      </p:sp>
     </p:spTree>
     <p:extLst>
       <p:ext uri="{BB962C8B-B14F-4D97-AF65-F5344CB8AC3E}">
@@ -29496,6 +30559,30 @@
           <a:lstStyle/>
           <a:p>
             <a:pPr algn="ctr"/>
+            <a:endParaRPr lang="ko-KR" altLang="en-US"/>
+          </a:p>
+        </p:txBody>
+      </p:sp>
+      <p:sp>
+        <p:nvSpPr>
+          <p:cNvPr id="3" name="슬라이드 번호 개체 틀 2"/>
+          <p:cNvSpPr>
+            <a:spLocks noGrp="1"/>
+          </p:cNvSpPr>
+          <p:nvPr>
+            <p:ph type="sldNum" sz="quarter" idx="12"/>
+          </p:nvPr>
+        </p:nvSpPr>
+        <p:spPr/>
+        <p:txBody>
+          <a:bodyPr/>
+          <a:lstStyle/>
+          <a:p>
+            <a:fld id="{9A932D3B-E778-4CD4-BF04-29FCFDFE760D}" type="slidenum">
+              <a:rPr lang="ko-KR" altLang="en-US" smtClean="0"/>
+              <a:pPr/>
+              <a:t>9</a:t>
+            </a:fld>
             <a:endParaRPr lang="ko-KR" altLang="en-US"/>
           </a:p>
         </p:txBody>
